--- a/Furqan Durrani.pptx
+++ b/Furqan Durrani.pptx
@@ -5,7 +5,7 @@
     <p:sldMasterId id="2147483660" r:id="rId1"/>
   </p:sldMasterIdLst>
   <p:notesMasterIdLst>
-    <p:notesMasterId r:id="rId37"/>
+    <p:notesMasterId r:id="rId39"/>
   </p:notesMasterIdLst>
   <p:sldIdLst>
     <p:sldId id="283" r:id="rId2"/>
@@ -33,16 +33,18 @@
     <p:sldId id="312" r:id="rId24"/>
     <p:sldId id="313" r:id="rId25"/>
     <p:sldId id="277" r:id="rId26"/>
-    <p:sldId id="279" r:id="rId27"/>
-    <p:sldId id="294" r:id="rId28"/>
-    <p:sldId id="311" r:id="rId29"/>
-    <p:sldId id="314" r:id="rId30"/>
-    <p:sldId id="315" r:id="rId31"/>
-    <p:sldId id="280" r:id="rId32"/>
-    <p:sldId id="281" r:id="rId33"/>
-    <p:sldId id="264" r:id="rId34"/>
-    <p:sldId id="291" r:id="rId35"/>
-    <p:sldId id="316" r:id="rId36"/>
+    <p:sldId id="318" r:id="rId27"/>
+    <p:sldId id="279" r:id="rId28"/>
+    <p:sldId id="319" r:id="rId29"/>
+    <p:sldId id="311" r:id="rId30"/>
+    <p:sldId id="314" r:id="rId31"/>
+    <p:sldId id="315" r:id="rId32"/>
+    <p:sldId id="280" r:id="rId33"/>
+    <p:sldId id="281" r:id="rId34"/>
+    <p:sldId id="264" r:id="rId35"/>
+    <p:sldId id="291" r:id="rId36"/>
+    <p:sldId id="317" r:id="rId37"/>
+    <p:sldId id="316" r:id="rId38"/>
   </p:sldIdLst>
   <p:sldSz cx="9144000" cy="6858000" type="screen4x3"/>
   <p:notesSz cx="6858000" cy="9144000"/>
@@ -175,8 +177,9 @@
         <p14:section name="Untitled Section" id="{D88C6F68-33F8-4179-A5F1-A3BC97FF936F}">
           <p14:sldIdLst>
             <p14:sldId id="277"/>
+            <p14:sldId id="318"/>
             <p14:sldId id="279"/>
-            <p14:sldId id="294"/>
+            <p14:sldId id="319"/>
             <p14:sldId id="311"/>
             <p14:sldId id="314"/>
             <p14:sldId id="315"/>
@@ -184,6 +187,7 @@
             <p14:sldId id="281"/>
             <p14:sldId id="264"/>
             <p14:sldId id="291"/>
+            <p14:sldId id="317"/>
             <p14:sldId id="316"/>
           </p14:sldIdLst>
         </p14:section>
@@ -205,6 +209,4445 @@
     </p:ext>
   </p:extLst>
 </p:presentation>
+</file>
+
+<file path=ppt/charts/chart1.xml><?xml version="1.0" encoding="utf-8"?>
+<c:chartSpace xmlns:c="http://schemas.openxmlformats.org/drawingml/2006/chart" xmlns:a="http://schemas.openxmlformats.org/drawingml/2006/main" xmlns:r="http://schemas.openxmlformats.org/officeDocument/2006/relationships" xmlns:c16r2="http://schemas.microsoft.com/office/drawing/2015/06/chart">
+  <c:date1904 val="0"/>
+  <c:lang val="en-US"/>
+  <c:roundedCorners val="0"/>
+  <mc:AlternateContent xmlns:mc="http://schemas.openxmlformats.org/markup-compatibility/2006">
+    <mc:Choice xmlns:c14="http://schemas.microsoft.com/office/drawing/2007/8/2/chart" Requires="c14">
+      <c14:style val="102"/>
+    </mc:Choice>
+    <mc:Fallback>
+      <c:style val="2"/>
+    </mc:Fallback>
+  </mc:AlternateContent>
+  <c:chart>
+    <c:autoTitleDeleted val="1"/>
+    <c:plotArea>
+      <c:layout/>
+      <c:barChart>
+        <c:barDir val="col"/>
+        <c:grouping val="clustered"/>
+        <c:varyColors val="0"/>
+        <c:ser>
+          <c:idx val="0"/>
+          <c:order val="0"/>
+          <c:tx>
+            <c:strRef>
+              <c:f>Sheet3!$G$12</c:f>
+              <c:strCache>
+                <c:ptCount val="1"/>
+                <c:pt idx="0">
+                  <c:v>Size</c:v>
+                </c:pt>
+              </c:strCache>
+            </c:strRef>
+          </c:tx>
+          <c:spPr>
+            <a:solidFill>
+              <a:schemeClr val="accent1"/>
+            </a:solidFill>
+            <a:ln>
+              <a:noFill/>
+            </a:ln>
+            <a:effectLst/>
+          </c:spPr>
+          <c:invertIfNegative val="0"/>
+          <c:dLbls>
+            <c:spPr>
+              <a:noFill/>
+              <a:ln>
+                <a:noFill/>
+              </a:ln>
+              <a:effectLst/>
+            </c:spPr>
+            <c:txPr>
+              <a:bodyPr rot="-5400000" spcFirstLastPara="1" vertOverflow="clip" horzOverflow="clip" vert="horz" wrap="square" lIns="38100" tIns="19050" rIns="38100" bIns="19050" anchor="ctr" anchorCtr="1">
+                <a:spAutoFit/>
+              </a:bodyPr>
+              <a:lstStyle/>
+              <a:p>
+                <a:pPr>
+                  <a:defRPr sz="800" b="0" i="0" u="none" strike="noStrike" kern="1200" baseline="0">
+                    <a:solidFill>
+                      <a:schemeClr val="tx1">
+                        <a:lumMod val="50000"/>
+                        <a:lumOff val="50000"/>
+                      </a:schemeClr>
+                    </a:solidFill>
+                    <a:latin typeface="+mn-lt"/>
+                    <a:ea typeface="+mn-ea"/>
+                    <a:cs typeface="+mn-cs"/>
+                  </a:defRPr>
+                </a:pPr>
+                <a:endParaRPr lang="en-US"/>
+              </a:p>
+            </c:txPr>
+            <c:dLblPos val="outEnd"/>
+            <c:showLegendKey val="0"/>
+            <c:showVal val="1"/>
+            <c:showCatName val="0"/>
+            <c:showSerName val="0"/>
+            <c:showPercent val="0"/>
+            <c:showBubbleSize val="0"/>
+            <c:showLeaderLines val="0"/>
+            <c:extLst>
+              <c:ext xmlns:c15="http://schemas.microsoft.com/office/drawing/2012/chart" uri="{CE6537A1-D6FC-4f65-9D91-7224C49458BB}">
+                <c15:showLeaderLines val="1"/>
+                <c15:leaderLines>
+                  <c:spPr>
+                    <a:ln w="9525">
+                      <a:solidFill>
+                        <a:schemeClr val="tx1">
+                          <a:lumMod val="35000"/>
+                          <a:lumOff val="65000"/>
+                        </a:schemeClr>
+                      </a:solidFill>
+                    </a:ln>
+                    <a:effectLst/>
+                  </c:spPr>
+                </c15:leaderLines>
+              </c:ext>
+            </c:extLst>
+          </c:dLbls>
+          <c:cat>
+            <c:strRef>
+              <c:f>Sheet3!$F$13:$F$19</c:f>
+              <c:strCache>
+                <c:ptCount val="7"/>
+                <c:pt idx="0">
+                  <c:v>SVM</c:v>
+                </c:pt>
+                <c:pt idx="1">
+                  <c:v>KNN</c:v>
+                </c:pt>
+                <c:pt idx="2">
+                  <c:v>RF</c:v>
+                </c:pt>
+                <c:pt idx="3">
+                  <c:v>LR</c:v>
+                </c:pt>
+                <c:pt idx="4">
+                  <c:v>GNB</c:v>
+                </c:pt>
+                <c:pt idx="5">
+                  <c:v>RNN</c:v>
+                </c:pt>
+                <c:pt idx="6">
+                  <c:v>VT</c:v>
+                </c:pt>
+              </c:strCache>
+            </c:strRef>
+          </c:cat>
+          <c:val>
+            <c:numRef>
+              <c:f>Sheet3!$G$13:$G$19</c:f>
+              <c:numCache>
+                <c:formatCode>0.00</c:formatCode>
+                <c:ptCount val="7"/>
+                <c:pt idx="0">
+                  <c:v>0.85</c:v>
+                </c:pt>
+                <c:pt idx="1">
+                  <c:v>0.75</c:v>
+                </c:pt>
+                <c:pt idx="2">
+                  <c:v>0.78</c:v>
+                </c:pt>
+                <c:pt idx="3">
+                  <c:v>0.83</c:v>
+                </c:pt>
+                <c:pt idx="4">
+                  <c:v>0.61</c:v>
+                </c:pt>
+                <c:pt idx="5">
+                  <c:v>0.82</c:v>
+                </c:pt>
+                <c:pt idx="6">
+                  <c:v>0.83</c:v>
+                </c:pt>
+              </c:numCache>
+            </c:numRef>
+          </c:val>
+          <c:extLst>
+            <c:ext xmlns:c16="http://schemas.microsoft.com/office/drawing/2014/chart" uri="{C3380CC4-5D6E-409C-BE32-E72D297353CC}">
+              <c16:uniqueId val="{00000000-F2EC-49D0-BE5C-758264DCD29D}"/>
+            </c:ext>
+          </c:extLst>
+        </c:ser>
+        <c:ser>
+          <c:idx val="1"/>
+          <c:order val="1"/>
+          <c:tx>
+            <c:strRef>
+              <c:f>Sheet3!$H$12</c:f>
+              <c:strCache>
+                <c:ptCount val="1"/>
+                <c:pt idx="0">
+                  <c:v>Color</c:v>
+                </c:pt>
+              </c:strCache>
+            </c:strRef>
+          </c:tx>
+          <c:spPr>
+            <a:solidFill>
+              <a:schemeClr val="accent2"/>
+            </a:solidFill>
+            <a:ln>
+              <a:noFill/>
+            </a:ln>
+            <a:effectLst/>
+          </c:spPr>
+          <c:invertIfNegative val="0"/>
+          <c:dLbls>
+            <c:spPr>
+              <a:noFill/>
+              <a:ln>
+                <a:noFill/>
+              </a:ln>
+              <a:effectLst/>
+            </c:spPr>
+            <c:txPr>
+              <a:bodyPr rot="-5400000" spcFirstLastPara="1" vertOverflow="clip" horzOverflow="clip" vert="horz" wrap="square" lIns="38100" tIns="19050" rIns="38100" bIns="19050" anchor="ctr" anchorCtr="1">
+                <a:spAutoFit/>
+              </a:bodyPr>
+              <a:lstStyle/>
+              <a:p>
+                <a:pPr>
+                  <a:defRPr sz="800" b="0" i="0" u="none" strike="noStrike" kern="1200" baseline="0">
+                    <a:solidFill>
+                      <a:schemeClr val="tx1">
+                        <a:lumMod val="50000"/>
+                        <a:lumOff val="50000"/>
+                      </a:schemeClr>
+                    </a:solidFill>
+                    <a:latin typeface="+mn-lt"/>
+                    <a:ea typeface="+mn-ea"/>
+                    <a:cs typeface="+mn-cs"/>
+                  </a:defRPr>
+                </a:pPr>
+                <a:endParaRPr lang="en-US"/>
+              </a:p>
+            </c:txPr>
+            <c:dLblPos val="outEnd"/>
+            <c:showLegendKey val="0"/>
+            <c:showVal val="1"/>
+            <c:showCatName val="0"/>
+            <c:showSerName val="0"/>
+            <c:showPercent val="0"/>
+            <c:showBubbleSize val="0"/>
+            <c:showLeaderLines val="0"/>
+            <c:extLst>
+              <c:ext xmlns:c15="http://schemas.microsoft.com/office/drawing/2012/chart" uri="{CE6537A1-D6FC-4f65-9D91-7224C49458BB}">
+                <c15:showLeaderLines val="1"/>
+                <c15:leaderLines>
+                  <c:spPr>
+                    <a:ln w="9525">
+                      <a:solidFill>
+                        <a:schemeClr val="tx1">
+                          <a:lumMod val="35000"/>
+                          <a:lumOff val="65000"/>
+                        </a:schemeClr>
+                      </a:solidFill>
+                    </a:ln>
+                    <a:effectLst/>
+                  </c:spPr>
+                </c15:leaderLines>
+              </c:ext>
+            </c:extLst>
+          </c:dLbls>
+          <c:cat>
+            <c:strRef>
+              <c:f>Sheet3!$F$13:$F$19</c:f>
+              <c:strCache>
+                <c:ptCount val="7"/>
+                <c:pt idx="0">
+                  <c:v>SVM</c:v>
+                </c:pt>
+                <c:pt idx="1">
+                  <c:v>KNN</c:v>
+                </c:pt>
+                <c:pt idx="2">
+                  <c:v>RF</c:v>
+                </c:pt>
+                <c:pt idx="3">
+                  <c:v>LR</c:v>
+                </c:pt>
+                <c:pt idx="4">
+                  <c:v>GNB</c:v>
+                </c:pt>
+                <c:pt idx="5">
+                  <c:v>RNN</c:v>
+                </c:pt>
+                <c:pt idx="6">
+                  <c:v>VT</c:v>
+                </c:pt>
+              </c:strCache>
+            </c:strRef>
+          </c:cat>
+          <c:val>
+            <c:numRef>
+              <c:f>Sheet3!$H$13:$H$19</c:f>
+              <c:numCache>
+                <c:formatCode>0.00</c:formatCode>
+                <c:ptCount val="7"/>
+                <c:pt idx="0">
+                  <c:v>0.8</c:v>
+                </c:pt>
+                <c:pt idx="1">
+                  <c:v>0.72</c:v>
+                </c:pt>
+                <c:pt idx="2">
+                  <c:v>0.75</c:v>
+                </c:pt>
+                <c:pt idx="3">
+                  <c:v>0.79</c:v>
+                </c:pt>
+                <c:pt idx="4">
+                  <c:v>0.65</c:v>
+                </c:pt>
+                <c:pt idx="5">
+                  <c:v>0.78</c:v>
+                </c:pt>
+                <c:pt idx="6">
+                  <c:v>0.79</c:v>
+                </c:pt>
+              </c:numCache>
+            </c:numRef>
+          </c:val>
+          <c:extLst>
+            <c:ext xmlns:c16="http://schemas.microsoft.com/office/drawing/2014/chart" uri="{C3380CC4-5D6E-409C-BE32-E72D297353CC}">
+              <c16:uniqueId val="{00000001-F2EC-49D0-BE5C-758264DCD29D}"/>
+            </c:ext>
+          </c:extLst>
+        </c:ser>
+        <c:ser>
+          <c:idx val="2"/>
+          <c:order val="2"/>
+          <c:tx>
+            <c:strRef>
+              <c:f>Sheet3!$I$12</c:f>
+              <c:strCache>
+                <c:ptCount val="1"/>
+                <c:pt idx="0">
+                  <c:v>Price</c:v>
+                </c:pt>
+              </c:strCache>
+            </c:strRef>
+          </c:tx>
+          <c:spPr>
+            <a:solidFill>
+              <a:schemeClr val="accent3"/>
+            </a:solidFill>
+            <a:ln>
+              <a:noFill/>
+            </a:ln>
+            <a:effectLst/>
+          </c:spPr>
+          <c:invertIfNegative val="0"/>
+          <c:dLbls>
+            <c:spPr>
+              <a:noFill/>
+              <a:ln>
+                <a:noFill/>
+              </a:ln>
+              <a:effectLst/>
+            </c:spPr>
+            <c:txPr>
+              <a:bodyPr rot="-5400000" spcFirstLastPara="1" vertOverflow="clip" horzOverflow="clip" vert="horz" wrap="square" lIns="38100" tIns="19050" rIns="38100" bIns="19050" anchor="ctr" anchorCtr="1">
+                <a:spAutoFit/>
+              </a:bodyPr>
+              <a:lstStyle/>
+              <a:p>
+                <a:pPr>
+                  <a:defRPr sz="800" b="0" i="0" u="none" strike="noStrike" kern="1200" baseline="0">
+                    <a:solidFill>
+                      <a:schemeClr val="tx1">
+                        <a:lumMod val="50000"/>
+                        <a:lumOff val="50000"/>
+                      </a:schemeClr>
+                    </a:solidFill>
+                    <a:latin typeface="+mn-lt"/>
+                    <a:ea typeface="+mn-ea"/>
+                    <a:cs typeface="+mn-cs"/>
+                  </a:defRPr>
+                </a:pPr>
+                <a:endParaRPr lang="en-US"/>
+              </a:p>
+            </c:txPr>
+            <c:dLblPos val="outEnd"/>
+            <c:showLegendKey val="0"/>
+            <c:showVal val="1"/>
+            <c:showCatName val="0"/>
+            <c:showSerName val="0"/>
+            <c:showPercent val="0"/>
+            <c:showBubbleSize val="0"/>
+            <c:showLeaderLines val="0"/>
+            <c:extLst>
+              <c:ext xmlns:c15="http://schemas.microsoft.com/office/drawing/2012/chart" uri="{CE6537A1-D6FC-4f65-9D91-7224C49458BB}">
+                <c15:showLeaderLines val="1"/>
+                <c15:leaderLines>
+                  <c:spPr>
+                    <a:ln w="9525">
+                      <a:solidFill>
+                        <a:schemeClr val="tx1">
+                          <a:lumMod val="35000"/>
+                          <a:lumOff val="65000"/>
+                        </a:schemeClr>
+                      </a:solidFill>
+                    </a:ln>
+                    <a:effectLst/>
+                  </c:spPr>
+                </c15:leaderLines>
+              </c:ext>
+            </c:extLst>
+          </c:dLbls>
+          <c:cat>
+            <c:strRef>
+              <c:f>Sheet3!$F$13:$F$19</c:f>
+              <c:strCache>
+                <c:ptCount val="7"/>
+                <c:pt idx="0">
+                  <c:v>SVM</c:v>
+                </c:pt>
+                <c:pt idx="1">
+                  <c:v>KNN</c:v>
+                </c:pt>
+                <c:pt idx="2">
+                  <c:v>RF</c:v>
+                </c:pt>
+                <c:pt idx="3">
+                  <c:v>LR</c:v>
+                </c:pt>
+                <c:pt idx="4">
+                  <c:v>GNB</c:v>
+                </c:pt>
+                <c:pt idx="5">
+                  <c:v>RNN</c:v>
+                </c:pt>
+                <c:pt idx="6">
+                  <c:v>VT</c:v>
+                </c:pt>
+              </c:strCache>
+            </c:strRef>
+          </c:cat>
+          <c:val>
+            <c:numRef>
+              <c:f>Sheet3!$I$13:$I$19</c:f>
+              <c:numCache>
+                <c:formatCode>0.00</c:formatCode>
+                <c:ptCount val="7"/>
+                <c:pt idx="0">
+                  <c:v>0.8</c:v>
+                </c:pt>
+                <c:pt idx="1">
+                  <c:v>0.72</c:v>
+                </c:pt>
+                <c:pt idx="2">
+                  <c:v>0.75</c:v>
+                </c:pt>
+                <c:pt idx="3">
+                  <c:v>0.79</c:v>
+                </c:pt>
+                <c:pt idx="4">
+                  <c:v>0.65</c:v>
+                </c:pt>
+                <c:pt idx="5">
+                  <c:v>0.78</c:v>
+                </c:pt>
+                <c:pt idx="6">
+                  <c:v>0.79</c:v>
+                </c:pt>
+              </c:numCache>
+            </c:numRef>
+          </c:val>
+          <c:extLst>
+            <c:ext xmlns:c16="http://schemas.microsoft.com/office/drawing/2014/chart" uri="{C3380CC4-5D6E-409C-BE32-E72D297353CC}">
+              <c16:uniqueId val="{00000002-F2EC-49D0-BE5C-758264DCD29D}"/>
+            </c:ext>
+          </c:extLst>
+        </c:ser>
+        <c:ser>
+          <c:idx val="3"/>
+          <c:order val="3"/>
+          <c:tx>
+            <c:strRef>
+              <c:f>Sheet3!$J$12</c:f>
+              <c:strCache>
+                <c:ptCount val="1"/>
+                <c:pt idx="0">
+                  <c:v>Service</c:v>
+                </c:pt>
+              </c:strCache>
+            </c:strRef>
+          </c:tx>
+          <c:spPr>
+            <a:solidFill>
+              <a:schemeClr val="accent4"/>
+            </a:solidFill>
+            <a:ln>
+              <a:noFill/>
+            </a:ln>
+            <a:effectLst/>
+          </c:spPr>
+          <c:invertIfNegative val="0"/>
+          <c:dLbls>
+            <c:spPr>
+              <a:noFill/>
+              <a:ln>
+                <a:noFill/>
+              </a:ln>
+              <a:effectLst/>
+            </c:spPr>
+            <c:txPr>
+              <a:bodyPr rot="-5400000" spcFirstLastPara="1" vertOverflow="clip" horzOverflow="clip" vert="horz" wrap="square" lIns="38100" tIns="19050" rIns="38100" bIns="19050" anchor="ctr" anchorCtr="1">
+                <a:spAutoFit/>
+              </a:bodyPr>
+              <a:lstStyle/>
+              <a:p>
+                <a:pPr>
+                  <a:defRPr sz="800" b="0" i="0" u="none" strike="noStrike" kern="1200" baseline="0">
+                    <a:solidFill>
+                      <a:schemeClr val="tx1">
+                        <a:lumMod val="50000"/>
+                        <a:lumOff val="50000"/>
+                      </a:schemeClr>
+                    </a:solidFill>
+                    <a:latin typeface="+mn-lt"/>
+                    <a:ea typeface="+mn-ea"/>
+                    <a:cs typeface="+mn-cs"/>
+                  </a:defRPr>
+                </a:pPr>
+                <a:endParaRPr lang="en-US"/>
+              </a:p>
+            </c:txPr>
+            <c:dLblPos val="outEnd"/>
+            <c:showLegendKey val="0"/>
+            <c:showVal val="1"/>
+            <c:showCatName val="0"/>
+            <c:showSerName val="0"/>
+            <c:showPercent val="0"/>
+            <c:showBubbleSize val="0"/>
+            <c:showLeaderLines val="0"/>
+            <c:extLst>
+              <c:ext xmlns:c15="http://schemas.microsoft.com/office/drawing/2012/chart" uri="{CE6537A1-D6FC-4f65-9D91-7224C49458BB}">
+                <c15:showLeaderLines val="1"/>
+                <c15:leaderLines>
+                  <c:spPr>
+                    <a:ln w="9525">
+                      <a:solidFill>
+                        <a:schemeClr val="tx1">
+                          <a:lumMod val="35000"/>
+                          <a:lumOff val="65000"/>
+                        </a:schemeClr>
+                      </a:solidFill>
+                    </a:ln>
+                    <a:effectLst/>
+                  </c:spPr>
+                </c15:leaderLines>
+              </c:ext>
+            </c:extLst>
+          </c:dLbls>
+          <c:cat>
+            <c:strRef>
+              <c:f>Sheet3!$F$13:$F$19</c:f>
+              <c:strCache>
+                <c:ptCount val="7"/>
+                <c:pt idx="0">
+                  <c:v>SVM</c:v>
+                </c:pt>
+                <c:pt idx="1">
+                  <c:v>KNN</c:v>
+                </c:pt>
+                <c:pt idx="2">
+                  <c:v>RF</c:v>
+                </c:pt>
+                <c:pt idx="3">
+                  <c:v>LR</c:v>
+                </c:pt>
+                <c:pt idx="4">
+                  <c:v>GNB</c:v>
+                </c:pt>
+                <c:pt idx="5">
+                  <c:v>RNN</c:v>
+                </c:pt>
+                <c:pt idx="6">
+                  <c:v>VT</c:v>
+                </c:pt>
+              </c:strCache>
+            </c:strRef>
+          </c:cat>
+          <c:val>
+            <c:numRef>
+              <c:f>Sheet3!$J$13:$J$19</c:f>
+              <c:numCache>
+                <c:formatCode>0.00</c:formatCode>
+                <c:ptCount val="7"/>
+                <c:pt idx="0">
+                  <c:v>0.84</c:v>
+                </c:pt>
+                <c:pt idx="1">
+                  <c:v>0.74</c:v>
+                </c:pt>
+                <c:pt idx="2">
+                  <c:v>0.77</c:v>
+                </c:pt>
+                <c:pt idx="3">
+                  <c:v>0.83</c:v>
+                </c:pt>
+                <c:pt idx="4">
+                  <c:v>0.64</c:v>
+                </c:pt>
+                <c:pt idx="5">
+                  <c:v>0.81</c:v>
+                </c:pt>
+                <c:pt idx="6">
+                  <c:v>0.83</c:v>
+                </c:pt>
+              </c:numCache>
+            </c:numRef>
+          </c:val>
+          <c:extLst>
+            <c:ext xmlns:c16="http://schemas.microsoft.com/office/drawing/2014/chart" uri="{C3380CC4-5D6E-409C-BE32-E72D297353CC}">
+              <c16:uniqueId val="{00000003-F2EC-49D0-BE5C-758264DCD29D}"/>
+            </c:ext>
+          </c:extLst>
+        </c:ser>
+        <c:ser>
+          <c:idx val="4"/>
+          <c:order val="4"/>
+          <c:tx>
+            <c:strRef>
+              <c:f>Sheet3!$K$12</c:f>
+              <c:strCache>
+                <c:ptCount val="1"/>
+                <c:pt idx="0">
+                  <c:v>Weight</c:v>
+                </c:pt>
+              </c:strCache>
+            </c:strRef>
+          </c:tx>
+          <c:spPr>
+            <a:solidFill>
+              <a:schemeClr val="accent5"/>
+            </a:solidFill>
+            <a:ln>
+              <a:noFill/>
+            </a:ln>
+            <a:effectLst/>
+          </c:spPr>
+          <c:invertIfNegative val="0"/>
+          <c:dLbls>
+            <c:spPr>
+              <a:noFill/>
+              <a:ln>
+                <a:noFill/>
+              </a:ln>
+              <a:effectLst/>
+            </c:spPr>
+            <c:txPr>
+              <a:bodyPr rot="-5400000" spcFirstLastPara="1" vertOverflow="clip" horzOverflow="clip" vert="horz" wrap="square" lIns="38100" tIns="19050" rIns="38100" bIns="19050" anchor="ctr" anchorCtr="1">
+                <a:spAutoFit/>
+              </a:bodyPr>
+              <a:lstStyle/>
+              <a:p>
+                <a:pPr>
+                  <a:defRPr sz="800" b="0" i="0" u="none" strike="noStrike" kern="1200" baseline="0">
+                    <a:solidFill>
+                      <a:schemeClr val="tx1">
+                        <a:lumMod val="50000"/>
+                        <a:lumOff val="50000"/>
+                      </a:schemeClr>
+                    </a:solidFill>
+                    <a:latin typeface="+mn-lt"/>
+                    <a:ea typeface="+mn-ea"/>
+                    <a:cs typeface="+mn-cs"/>
+                  </a:defRPr>
+                </a:pPr>
+                <a:endParaRPr lang="en-US"/>
+              </a:p>
+            </c:txPr>
+            <c:dLblPos val="outEnd"/>
+            <c:showLegendKey val="0"/>
+            <c:showVal val="1"/>
+            <c:showCatName val="0"/>
+            <c:showSerName val="0"/>
+            <c:showPercent val="0"/>
+            <c:showBubbleSize val="0"/>
+            <c:showLeaderLines val="0"/>
+            <c:extLst>
+              <c:ext xmlns:c15="http://schemas.microsoft.com/office/drawing/2012/chart" uri="{CE6537A1-D6FC-4f65-9D91-7224C49458BB}">
+                <c15:showLeaderLines val="1"/>
+                <c15:leaderLines>
+                  <c:spPr>
+                    <a:ln w="9525">
+                      <a:solidFill>
+                        <a:schemeClr val="tx1">
+                          <a:lumMod val="35000"/>
+                          <a:lumOff val="65000"/>
+                        </a:schemeClr>
+                      </a:solidFill>
+                    </a:ln>
+                    <a:effectLst/>
+                  </c:spPr>
+                </c15:leaderLines>
+              </c:ext>
+            </c:extLst>
+          </c:dLbls>
+          <c:cat>
+            <c:strRef>
+              <c:f>Sheet3!$F$13:$F$19</c:f>
+              <c:strCache>
+                <c:ptCount val="7"/>
+                <c:pt idx="0">
+                  <c:v>SVM</c:v>
+                </c:pt>
+                <c:pt idx="1">
+                  <c:v>KNN</c:v>
+                </c:pt>
+                <c:pt idx="2">
+                  <c:v>RF</c:v>
+                </c:pt>
+                <c:pt idx="3">
+                  <c:v>LR</c:v>
+                </c:pt>
+                <c:pt idx="4">
+                  <c:v>GNB</c:v>
+                </c:pt>
+                <c:pt idx="5">
+                  <c:v>RNN</c:v>
+                </c:pt>
+                <c:pt idx="6">
+                  <c:v>VT</c:v>
+                </c:pt>
+              </c:strCache>
+            </c:strRef>
+          </c:cat>
+          <c:val>
+            <c:numRef>
+              <c:f>Sheet3!$K$13:$K$19</c:f>
+              <c:numCache>
+                <c:formatCode>0.00</c:formatCode>
+                <c:ptCount val="7"/>
+                <c:pt idx="0">
+                  <c:v>0.79</c:v>
+                </c:pt>
+                <c:pt idx="1">
+                  <c:v>0.72</c:v>
+                </c:pt>
+                <c:pt idx="2">
+                  <c:v>0.77</c:v>
+                </c:pt>
+                <c:pt idx="3">
+                  <c:v>0.79</c:v>
+                </c:pt>
+                <c:pt idx="4">
+                  <c:v>0.68</c:v>
+                </c:pt>
+                <c:pt idx="5">
+                  <c:v>0.74</c:v>
+                </c:pt>
+                <c:pt idx="6">
+                  <c:v>0.79</c:v>
+                </c:pt>
+              </c:numCache>
+            </c:numRef>
+          </c:val>
+          <c:extLst>
+            <c:ext xmlns:c16="http://schemas.microsoft.com/office/drawing/2014/chart" uri="{C3380CC4-5D6E-409C-BE32-E72D297353CC}">
+              <c16:uniqueId val="{00000004-F2EC-49D0-BE5C-758264DCD29D}"/>
+            </c:ext>
+          </c:extLst>
+        </c:ser>
+        <c:dLbls>
+          <c:dLblPos val="outEnd"/>
+          <c:showLegendKey val="0"/>
+          <c:showVal val="1"/>
+          <c:showCatName val="0"/>
+          <c:showSerName val="0"/>
+          <c:showPercent val="0"/>
+          <c:showBubbleSize val="0"/>
+        </c:dLbls>
+        <c:gapWidth val="444"/>
+        <c:overlap val="-90"/>
+        <c:axId val="407171880"/>
+        <c:axId val="407172208"/>
+      </c:barChart>
+      <c:catAx>
+        <c:axId val="407171880"/>
+        <c:scaling>
+          <c:orientation val="minMax"/>
+        </c:scaling>
+        <c:delete val="0"/>
+        <c:axPos val="b"/>
+        <c:majorGridlines>
+          <c:spPr>
+            <a:ln w="9525" cap="flat" cmpd="sng" algn="ctr">
+              <a:solidFill>
+                <a:schemeClr val="tx1">
+                  <a:lumMod val="15000"/>
+                  <a:lumOff val="85000"/>
+                </a:schemeClr>
+              </a:solidFill>
+              <a:round/>
+            </a:ln>
+            <a:effectLst/>
+          </c:spPr>
+        </c:majorGridlines>
+        <c:numFmt formatCode="General" sourceLinked="1"/>
+        <c:majorTickMark val="none"/>
+        <c:minorTickMark val="none"/>
+        <c:tickLblPos val="nextTo"/>
+        <c:spPr>
+          <a:noFill/>
+          <a:ln w="9525" cap="flat" cmpd="sng" algn="ctr">
+            <a:solidFill>
+              <a:schemeClr val="tx1">
+                <a:lumMod val="15000"/>
+                <a:lumOff val="85000"/>
+              </a:schemeClr>
+            </a:solidFill>
+            <a:round/>
+          </a:ln>
+          <a:effectLst/>
+        </c:spPr>
+        <c:txPr>
+          <a:bodyPr rot="-60000000" spcFirstLastPara="1" vertOverflow="ellipsis" vert="horz" wrap="square" anchor="ctr" anchorCtr="1"/>
+          <a:lstStyle/>
+          <a:p>
+            <a:pPr>
+              <a:defRPr sz="800" b="0" i="0" u="none" strike="noStrike" kern="1200" cap="all" spc="120" normalizeH="0" baseline="0">
+                <a:solidFill>
+                  <a:schemeClr val="tx1">
+                    <a:lumMod val="65000"/>
+                    <a:lumOff val="35000"/>
+                  </a:schemeClr>
+                </a:solidFill>
+                <a:latin typeface="+mn-lt"/>
+                <a:ea typeface="+mn-ea"/>
+                <a:cs typeface="+mn-cs"/>
+              </a:defRPr>
+            </a:pPr>
+            <a:endParaRPr lang="en-US"/>
+          </a:p>
+        </c:txPr>
+        <c:crossAx val="407172208"/>
+        <c:crosses val="autoZero"/>
+        <c:auto val="1"/>
+        <c:lblAlgn val="ctr"/>
+        <c:lblOffset val="100"/>
+        <c:noMultiLvlLbl val="0"/>
+      </c:catAx>
+      <c:valAx>
+        <c:axId val="407172208"/>
+        <c:scaling>
+          <c:orientation val="minMax"/>
+        </c:scaling>
+        <c:delete val="1"/>
+        <c:axPos val="l"/>
+        <c:numFmt formatCode="0.00" sourceLinked="1"/>
+        <c:majorTickMark val="none"/>
+        <c:minorTickMark val="none"/>
+        <c:tickLblPos val="nextTo"/>
+        <c:crossAx val="407171880"/>
+        <c:crosses val="autoZero"/>
+        <c:crossBetween val="between"/>
+      </c:valAx>
+      <c:spPr>
+        <a:noFill/>
+        <a:ln>
+          <a:noFill/>
+        </a:ln>
+        <a:effectLst/>
+      </c:spPr>
+    </c:plotArea>
+    <c:legend>
+      <c:legendPos val="t"/>
+      <c:overlay val="0"/>
+      <c:spPr>
+        <a:noFill/>
+        <a:ln>
+          <a:noFill/>
+        </a:ln>
+        <a:effectLst/>
+      </c:spPr>
+      <c:txPr>
+        <a:bodyPr rot="0" spcFirstLastPara="1" vertOverflow="ellipsis" vert="horz" wrap="square" anchor="ctr" anchorCtr="1"/>
+        <a:lstStyle/>
+        <a:p>
+          <a:pPr>
+            <a:defRPr sz="900" b="0" i="0" u="none" strike="noStrike" kern="1200" baseline="0">
+              <a:solidFill>
+                <a:schemeClr val="tx1">
+                  <a:lumMod val="65000"/>
+                  <a:lumOff val="35000"/>
+                </a:schemeClr>
+              </a:solidFill>
+              <a:latin typeface="+mn-lt"/>
+              <a:ea typeface="+mn-ea"/>
+              <a:cs typeface="+mn-cs"/>
+            </a:defRPr>
+          </a:pPr>
+          <a:endParaRPr lang="en-US"/>
+        </a:p>
+      </c:txPr>
+    </c:legend>
+    <c:plotVisOnly val="1"/>
+    <c:dispBlanksAs val="gap"/>
+    <c:showDLblsOverMax val="0"/>
+  </c:chart>
+  <c:spPr>
+    <a:noFill/>
+    <a:ln>
+      <a:noFill/>
+    </a:ln>
+    <a:effectLst/>
+  </c:spPr>
+  <c:txPr>
+    <a:bodyPr/>
+    <a:lstStyle/>
+    <a:p>
+      <a:pPr>
+        <a:defRPr/>
+      </a:pPr>
+      <a:endParaRPr lang="en-US"/>
+    </a:p>
+  </c:txPr>
+  <c:externalData r:id="rId3">
+    <c:autoUpdate val="0"/>
+  </c:externalData>
+</c:chartSpace>
+</file>
+
+<file path=ppt/charts/chart2.xml><?xml version="1.0" encoding="utf-8"?>
+<c:chartSpace xmlns:c="http://schemas.openxmlformats.org/drawingml/2006/chart" xmlns:a="http://schemas.openxmlformats.org/drawingml/2006/main" xmlns:r="http://schemas.openxmlformats.org/officeDocument/2006/relationships" xmlns:c16r2="http://schemas.microsoft.com/office/drawing/2015/06/chart">
+  <c:date1904 val="0"/>
+  <c:lang val="en-US"/>
+  <c:roundedCorners val="0"/>
+  <mc:AlternateContent xmlns:mc="http://schemas.openxmlformats.org/markup-compatibility/2006">
+    <mc:Choice xmlns:c14="http://schemas.microsoft.com/office/drawing/2007/8/2/chart" Requires="c14">
+      <c14:style val="102"/>
+    </mc:Choice>
+    <mc:Fallback>
+      <c:style val="2"/>
+    </mc:Fallback>
+  </mc:AlternateContent>
+  <c:chart>
+    <c:autoTitleDeleted val="1"/>
+    <c:plotArea>
+      <c:layout/>
+      <c:barChart>
+        <c:barDir val="col"/>
+        <c:grouping val="clustered"/>
+        <c:varyColors val="0"/>
+        <c:ser>
+          <c:idx val="0"/>
+          <c:order val="0"/>
+          <c:tx>
+            <c:strRef>
+              <c:f>Sheet4!$J$13</c:f>
+              <c:strCache>
+                <c:ptCount val="1"/>
+                <c:pt idx="0">
+                  <c:v>Size</c:v>
+                </c:pt>
+              </c:strCache>
+            </c:strRef>
+          </c:tx>
+          <c:spPr>
+            <a:solidFill>
+              <a:schemeClr val="accent1"/>
+            </a:solidFill>
+            <a:ln>
+              <a:noFill/>
+            </a:ln>
+            <a:effectLst/>
+          </c:spPr>
+          <c:invertIfNegative val="0"/>
+          <c:dLbls>
+            <c:spPr>
+              <a:noFill/>
+              <a:ln>
+                <a:noFill/>
+              </a:ln>
+              <a:effectLst/>
+            </c:spPr>
+            <c:txPr>
+              <a:bodyPr rot="-5400000" spcFirstLastPara="1" vertOverflow="clip" horzOverflow="clip" vert="horz" wrap="square" lIns="38100" tIns="19050" rIns="38100" bIns="19050" anchor="ctr" anchorCtr="1">
+                <a:spAutoFit/>
+              </a:bodyPr>
+              <a:lstStyle/>
+              <a:p>
+                <a:pPr>
+                  <a:defRPr sz="800" b="0" i="0" u="none" strike="noStrike" kern="1200" baseline="0">
+                    <a:solidFill>
+                      <a:schemeClr val="tx1">
+                        <a:lumMod val="50000"/>
+                        <a:lumOff val="50000"/>
+                      </a:schemeClr>
+                    </a:solidFill>
+                    <a:latin typeface="+mn-lt"/>
+                    <a:ea typeface="+mn-ea"/>
+                    <a:cs typeface="+mn-cs"/>
+                  </a:defRPr>
+                </a:pPr>
+                <a:endParaRPr lang="en-US"/>
+              </a:p>
+            </c:txPr>
+            <c:dLblPos val="outEnd"/>
+            <c:showLegendKey val="0"/>
+            <c:showVal val="1"/>
+            <c:showCatName val="0"/>
+            <c:showSerName val="0"/>
+            <c:showPercent val="0"/>
+            <c:showBubbleSize val="0"/>
+            <c:showLeaderLines val="0"/>
+            <c:extLst>
+              <c:ext xmlns:c15="http://schemas.microsoft.com/office/drawing/2012/chart" uri="{CE6537A1-D6FC-4f65-9D91-7224C49458BB}">
+                <c15:showLeaderLines val="1"/>
+                <c15:leaderLines>
+                  <c:spPr>
+                    <a:ln w="9525">
+                      <a:solidFill>
+                        <a:schemeClr val="tx1">
+                          <a:lumMod val="35000"/>
+                          <a:lumOff val="65000"/>
+                        </a:schemeClr>
+                      </a:solidFill>
+                    </a:ln>
+                    <a:effectLst/>
+                  </c:spPr>
+                </c15:leaderLines>
+              </c:ext>
+            </c:extLst>
+          </c:dLbls>
+          <c:cat>
+            <c:strRef>
+              <c:f>Sheet4!$I$14:$I$20</c:f>
+              <c:strCache>
+                <c:ptCount val="7"/>
+                <c:pt idx="0">
+                  <c:v>SVM</c:v>
+                </c:pt>
+                <c:pt idx="1">
+                  <c:v>KNN</c:v>
+                </c:pt>
+                <c:pt idx="2">
+                  <c:v>RF</c:v>
+                </c:pt>
+                <c:pt idx="3">
+                  <c:v>LR</c:v>
+                </c:pt>
+                <c:pt idx="4">
+                  <c:v>GNB</c:v>
+                </c:pt>
+                <c:pt idx="5">
+                  <c:v>RNN</c:v>
+                </c:pt>
+                <c:pt idx="6">
+                  <c:v>VT</c:v>
+                </c:pt>
+              </c:strCache>
+            </c:strRef>
+          </c:cat>
+          <c:val>
+            <c:numRef>
+              <c:f>Sheet4!$J$14:$J$20</c:f>
+              <c:numCache>
+                <c:formatCode>General</c:formatCode>
+                <c:ptCount val="7"/>
+                <c:pt idx="0">
+                  <c:v>0.81</c:v>
+                </c:pt>
+                <c:pt idx="1">
+                  <c:v>0.67</c:v>
+                </c:pt>
+                <c:pt idx="2">
+                  <c:v>0.77</c:v>
+                </c:pt>
+                <c:pt idx="3">
+                  <c:v>0.83</c:v>
+                </c:pt>
+                <c:pt idx="4">
+                  <c:v>0.56999999999999995</c:v>
+                </c:pt>
+                <c:pt idx="5">
+                  <c:v>0.44</c:v>
+                </c:pt>
+                <c:pt idx="6">
+                  <c:v>0.83</c:v>
+                </c:pt>
+              </c:numCache>
+            </c:numRef>
+          </c:val>
+          <c:extLst>
+            <c:ext xmlns:c16="http://schemas.microsoft.com/office/drawing/2014/chart" uri="{C3380CC4-5D6E-409C-BE32-E72D297353CC}">
+              <c16:uniqueId val="{00000000-F4AB-4DA7-A40B-13F5D0DAF218}"/>
+            </c:ext>
+          </c:extLst>
+        </c:ser>
+        <c:ser>
+          <c:idx val="1"/>
+          <c:order val="1"/>
+          <c:tx>
+            <c:strRef>
+              <c:f>Sheet4!$K$13</c:f>
+              <c:strCache>
+                <c:ptCount val="1"/>
+                <c:pt idx="0">
+                  <c:v>Color</c:v>
+                </c:pt>
+              </c:strCache>
+            </c:strRef>
+          </c:tx>
+          <c:spPr>
+            <a:solidFill>
+              <a:schemeClr val="accent2"/>
+            </a:solidFill>
+            <a:ln>
+              <a:noFill/>
+            </a:ln>
+            <a:effectLst/>
+          </c:spPr>
+          <c:invertIfNegative val="0"/>
+          <c:dLbls>
+            <c:spPr>
+              <a:noFill/>
+              <a:ln>
+                <a:noFill/>
+              </a:ln>
+              <a:effectLst/>
+            </c:spPr>
+            <c:txPr>
+              <a:bodyPr rot="-5400000" spcFirstLastPara="1" vertOverflow="clip" horzOverflow="clip" vert="horz" wrap="square" lIns="38100" tIns="19050" rIns="38100" bIns="19050" anchor="ctr" anchorCtr="1">
+                <a:spAutoFit/>
+              </a:bodyPr>
+              <a:lstStyle/>
+              <a:p>
+                <a:pPr>
+                  <a:defRPr sz="800" b="0" i="0" u="none" strike="noStrike" kern="1200" baseline="0">
+                    <a:solidFill>
+                      <a:schemeClr val="tx1">
+                        <a:lumMod val="50000"/>
+                        <a:lumOff val="50000"/>
+                      </a:schemeClr>
+                    </a:solidFill>
+                    <a:latin typeface="+mn-lt"/>
+                    <a:ea typeface="+mn-ea"/>
+                    <a:cs typeface="+mn-cs"/>
+                  </a:defRPr>
+                </a:pPr>
+                <a:endParaRPr lang="en-US"/>
+              </a:p>
+            </c:txPr>
+            <c:dLblPos val="outEnd"/>
+            <c:showLegendKey val="0"/>
+            <c:showVal val="1"/>
+            <c:showCatName val="0"/>
+            <c:showSerName val="0"/>
+            <c:showPercent val="0"/>
+            <c:showBubbleSize val="0"/>
+            <c:showLeaderLines val="0"/>
+            <c:extLst>
+              <c:ext xmlns:c15="http://schemas.microsoft.com/office/drawing/2012/chart" uri="{CE6537A1-D6FC-4f65-9D91-7224C49458BB}">
+                <c15:showLeaderLines val="1"/>
+                <c15:leaderLines>
+                  <c:spPr>
+                    <a:ln w="9525">
+                      <a:solidFill>
+                        <a:schemeClr val="tx1">
+                          <a:lumMod val="35000"/>
+                          <a:lumOff val="65000"/>
+                        </a:schemeClr>
+                      </a:solidFill>
+                    </a:ln>
+                    <a:effectLst/>
+                  </c:spPr>
+                </c15:leaderLines>
+              </c:ext>
+            </c:extLst>
+          </c:dLbls>
+          <c:cat>
+            <c:strRef>
+              <c:f>Sheet4!$I$14:$I$20</c:f>
+              <c:strCache>
+                <c:ptCount val="7"/>
+                <c:pt idx="0">
+                  <c:v>SVM</c:v>
+                </c:pt>
+                <c:pt idx="1">
+                  <c:v>KNN</c:v>
+                </c:pt>
+                <c:pt idx="2">
+                  <c:v>RF</c:v>
+                </c:pt>
+                <c:pt idx="3">
+                  <c:v>LR</c:v>
+                </c:pt>
+                <c:pt idx="4">
+                  <c:v>GNB</c:v>
+                </c:pt>
+                <c:pt idx="5">
+                  <c:v>RNN</c:v>
+                </c:pt>
+                <c:pt idx="6">
+                  <c:v>VT</c:v>
+                </c:pt>
+              </c:strCache>
+            </c:strRef>
+          </c:cat>
+          <c:val>
+            <c:numRef>
+              <c:f>Sheet4!$K$14:$K$20</c:f>
+              <c:numCache>
+                <c:formatCode>General</c:formatCode>
+                <c:ptCount val="7"/>
+                <c:pt idx="0">
+                  <c:v>0.72</c:v>
+                </c:pt>
+                <c:pt idx="1">
+                  <c:v>0.72</c:v>
+                </c:pt>
+                <c:pt idx="2">
+                  <c:v>0.65</c:v>
+                </c:pt>
+                <c:pt idx="3">
+                  <c:v>0.73</c:v>
+                </c:pt>
+                <c:pt idx="4">
+                  <c:v>0.62</c:v>
+                </c:pt>
+                <c:pt idx="5">
+                  <c:v>0.63</c:v>
+                </c:pt>
+                <c:pt idx="6">
+                  <c:v>0.67</c:v>
+                </c:pt>
+              </c:numCache>
+            </c:numRef>
+          </c:val>
+          <c:extLst>
+            <c:ext xmlns:c16="http://schemas.microsoft.com/office/drawing/2014/chart" uri="{C3380CC4-5D6E-409C-BE32-E72D297353CC}">
+              <c16:uniqueId val="{00000001-F4AB-4DA7-A40B-13F5D0DAF218}"/>
+            </c:ext>
+          </c:extLst>
+        </c:ser>
+        <c:ser>
+          <c:idx val="2"/>
+          <c:order val="2"/>
+          <c:tx>
+            <c:strRef>
+              <c:f>Sheet4!$L$13</c:f>
+              <c:strCache>
+                <c:ptCount val="1"/>
+                <c:pt idx="0">
+                  <c:v>Price</c:v>
+                </c:pt>
+              </c:strCache>
+            </c:strRef>
+          </c:tx>
+          <c:spPr>
+            <a:solidFill>
+              <a:schemeClr val="accent3"/>
+            </a:solidFill>
+            <a:ln>
+              <a:noFill/>
+            </a:ln>
+            <a:effectLst/>
+          </c:spPr>
+          <c:invertIfNegative val="0"/>
+          <c:dLbls>
+            <c:spPr>
+              <a:noFill/>
+              <a:ln>
+                <a:noFill/>
+              </a:ln>
+              <a:effectLst/>
+            </c:spPr>
+            <c:txPr>
+              <a:bodyPr rot="-5400000" spcFirstLastPara="1" vertOverflow="clip" horzOverflow="clip" vert="horz" wrap="square" lIns="38100" tIns="19050" rIns="38100" bIns="19050" anchor="ctr" anchorCtr="1">
+                <a:spAutoFit/>
+              </a:bodyPr>
+              <a:lstStyle/>
+              <a:p>
+                <a:pPr>
+                  <a:defRPr sz="800" b="0" i="0" u="none" strike="noStrike" kern="1200" baseline="0">
+                    <a:solidFill>
+                      <a:schemeClr val="tx1">
+                        <a:lumMod val="50000"/>
+                        <a:lumOff val="50000"/>
+                      </a:schemeClr>
+                    </a:solidFill>
+                    <a:latin typeface="+mn-lt"/>
+                    <a:ea typeface="+mn-ea"/>
+                    <a:cs typeface="+mn-cs"/>
+                  </a:defRPr>
+                </a:pPr>
+                <a:endParaRPr lang="en-US"/>
+              </a:p>
+            </c:txPr>
+            <c:dLblPos val="outEnd"/>
+            <c:showLegendKey val="0"/>
+            <c:showVal val="1"/>
+            <c:showCatName val="0"/>
+            <c:showSerName val="0"/>
+            <c:showPercent val="0"/>
+            <c:showBubbleSize val="0"/>
+            <c:showLeaderLines val="0"/>
+            <c:extLst>
+              <c:ext xmlns:c15="http://schemas.microsoft.com/office/drawing/2012/chart" uri="{CE6537A1-D6FC-4f65-9D91-7224C49458BB}">
+                <c15:showLeaderLines val="1"/>
+                <c15:leaderLines>
+                  <c:spPr>
+                    <a:ln w="9525">
+                      <a:solidFill>
+                        <a:schemeClr val="tx1">
+                          <a:lumMod val="35000"/>
+                          <a:lumOff val="65000"/>
+                        </a:schemeClr>
+                      </a:solidFill>
+                    </a:ln>
+                    <a:effectLst/>
+                  </c:spPr>
+                </c15:leaderLines>
+              </c:ext>
+            </c:extLst>
+          </c:dLbls>
+          <c:cat>
+            <c:strRef>
+              <c:f>Sheet4!$I$14:$I$20</c:f>
+              <c:strCache>
+                <c:ptCount val="7"/>
+                <c:pt idx="0">
+                  <c:v>SVM</c:v>
+                </c:pt>
+                <c:pt idx="1">
+                  <c:v>KNN</c:v>
+                </c:pt>
+                <c:pt idx="2">
+                  <c:v>RF</c:v>
+                </c:pt>
+                <c:pt idx="3">
+                  <c:v>LR</c:v>
+                </c:pt>
+                <c:pt idx="4">
+                  <c:v>GNB</c:v>
+                </c:pt>
+                <c:pt idx="5">
+                  <c:v>RNN</c:v>
+                </c:pt>
+                <c:pt idx="6">
+                  <c:v>VT</c:v>
+                </c:pt>
+              </c:strCache>
+            </c:strRef>
+          </c:cat>
+          <c:val>
+            <c:numRef>
+              <c:f>Sheet4!$L$14:$L$20</c:f>
+              <c:numCache>
+                <c:formatCode>General</c:formatCode>
+                <c:ptCount val="7"/>
+                <c:pt idx="0">
+                  <c:v>0.9</c:v>
+                </c:pt>
+                <c:pt idx="1">
+                  <c:v>0.54</c:v>
+                </c:pt>
+                <c:pt idx="2">
+                  <c:v>0.89</c:v>
+                </c:pt>
+                <c:pt idx="3">
+                  <c:v>0.88</c:v>
+                </c:pt>
+                <c:pt idx="4">
+                  <c:v>0.64</c:v>
+                </c:pt>
+                <c:pt idx="5">
+                  <c:v>0.57999999999999996</c:v>
+                </c:pt>
+                <c:pt idx="6">
+                  <c:v>0.9</c:v>
+                </c:pt>
+              </c:numCache>
+            </c:numRef>
+          </c:val>
+          <c:extLst>
+            <c:ext xmlns:c16="http://schemas.microsoft.com/office/drawing/2014/chart" uri="{C3380CC4-5D6E-409C-BE32-E72D297353CC}">
+              <c16:uniqueId val="{00000002-F4AB-4DA7-A40B-13F5D0DAF218}"/>
+            </c:ext>
+          </c:extLst>
+        </c:ser>
+        <c:ser>
+          <c:idx val="3"/>
+          <c:order val="3"/>
+          <c:tx>
+            <c:strRef>
+              <c:f>Sheet4!$M$13</c:f>
+              <c:strCache>
+                <c:ptCount val="1"/>
+                <c:pt idx="0">
+                  <c:v>Service</c:v>
+                </c:pt>
+              </c:strCache>
+            </c:strRef>
+          </c:tx>
+          <c:spPr>
+            <a:solidFill>
+              <a:schemeClr val="accent4"/>
+            </a:solidFill>
+            <a:ln>
+              <a:noFill/>
+            </a:ln>
+            <a:effectLst/>
+          </c:spPr>
+          <c:invertIfNegative val="0"/>
+          <c:dLbls>
+            <c:spPr>
+              <a:noFill/>
+              <a:ln>
+                <a:noFill/>
+              </a:ln>
+              <a:effectLst/>
+            </c:spPr>
+            <c:txPr>
+              <a:bodyPr rot="-5400000" spcFirstLastPara="1" vertOverflow="clip" horzOverflow="clip" vert="horz" wrap="square" lIns="38100" tIns="19050" rIns="38100" bIns="19050" anchor="ctr" anchorCtr="1">
+                <a:spAutoFit/>
+              </a:bodyPr>
+              <a:lstStyle/>
+              <a:p>
+                <a:pPr>
+                  <a:defRPr sz="800" b="0" i="0" u="none" strike="noStrike" kern="1200" baseline="0">
+                    <a:solidFill>
+                      <a:schemeClr val="tx1">
+                        <a:lumMod val="50000"/>
+                        <a:lumOff val="50000"/>
+                      </a:schemeClr>
+                    </a:solidFill>
+                    <a:latin typeface="+mn-lt"/>
+                    <a:ea typeface="+mn-ea"/>
+                    <a:cs typeface="+mn-cs"/>
+                  </a:defRPr>
+                </a:pPr>
+                <a:endParaRPr lang="en-US"/>
+              </a:p>
+            </c:txPr>
+            <c:dLblPos val="outEnd"/>
+            <c:showLegendKey val="0"/>
+            <c:showVal val="1"/>
+            <c:showCatName val="0"/>
+            <c:showSerName val="0"/>
+            <c:showPercent val="0"/>
+            <c:showBubbleSize val="0"/>
+            <c:showLeaderLines val="0"/>
+            <c:extLst>
+              <c:ext xmlns:c15="http://schemas.microsoft.com/office/drawing/2012/chart" uri="{CE6537A1-D6FC-4f65-9D91-7224C49458BB}">
+                <c15:showLeaderLines val="1"/>
+                <c15:leaderLines>
+                  <c:spPr>
+                    <a:ln w="9525">
+                      <a:solidFill>
+                        <a:schemeClr val="tx1">
+                          <a:lumMod val="35000"/>
+                          <a:lumOff val="65000"/>
+                        </a:schemeClr>
+                      </a:solidFill>
+                    </a:ln>
+                    <a:effectLst/>
+                  </c:spPr>
+                </c15:leaderLines>
+              </c:ext>
+            </c:extLst>
+          </c:dLbls>
+          <c:cat>
+            <c:strRef>
+              <c:f>Sheet4!$I$14:$I$20</c:f>
+              <c:strCache>
+                <c:ptCount val="7"/>
+                <c:pt idx="0">
+                  <c:v>SVM</c:v>
+                </c:pt>
+                <c:pt idx="1">
+                  <c:v>KNN</c:v>
+                </c:pt>
+                <c:pt idx="2">
+                  <c:v>RF</c:v>
+                </c:pt>
+                <c:pt idx="3">
+                  <c:v>LR</c:v>
+                </c:pt>
+                <c:pt idx="4">
+                  <c:v>GNB</c:v>
+                </c:pt>
+                <c:pt idx="5">
+                  <c:v>RNN</c:v>
+                </c:pt>
+                <c:pt idx="6">
+                  <c:v>VT</c:v>
+                </c:pt>
+              </c:strCache>
+            </c:strRef>
+          </c:cat>
+          <c:val>
+            <c:numRef>
+              <c:f>Sheet4!$M$14:$M$20</c:f>
+              <c:numCache>
+                <c:formatCode>General</c:formatCode>
+                <c:ptCount val="7"/>
+                <c:pt idx="0">
+                  <c:v>0.82</c:v>
+                </c:pt>
+                <c:pt idx="1">
+                  <c:v>0.68</c:v>
+                </c:pt>
+                <c:pt idx="2">
+                  <c:v>0.81</c:v>
+                </c:pt>
+                <c:pt idx="3">
+                  <c:v>0.74</c:v>
+                </c:pt>
+                <c:pt idx="4">
+                  <c:v>0.65</c:v>
+                </c:pt>
+                <c:pt idx="5">
+                  <c:v>0.72</c:v>
+                </c:pt>
+                <c:pt idx="6">
+                  <c:v>0.81</c:v>
+                </c:pt>
+              </c:numCache>
+            </c:numRef>
+          </c:val>
+          <c:extLst>
+            <c:ext xmlns:c16="http://schemas.microsoft.com/office/drawing/2014/chart" uri="{C3380CC4-5D6E-409C-BE32-E72D297353CC}">
+              <c16:uniqueId val="{00000003-F4AB-4DA7-A40B-13F5D0DAF218}"/>
+            </c:ext>
+          </c:extLst>
+        </c:ser>
+        <c:ser>
+          <c:idx val="4"/>
+          <c:order val="4"/>
+          <c:tx>
+            <c:strRef>
+              <c:f>Sheet4!$N$13</c:f>
+              <c:strCache>
+                <c:ptCount val="1"/>
+                <c:pt idx="0">
+                  <c:v>Weight</c:v>
+                </c:pt>
+              </c:strCache>
+            </c:strRef>
+          </c:tx>
+          <c:spPr>
+            <a:solidFill>
+              <a:schemeClr val="accent5"/>
+            </a:solidFill>
+            <a:ln>
+              <a:noFill/>
+            </a:ln>
+            <a:effectLst/>
+          </c:spPr>
+          <c:invertIfNegative val="0"/>
+          <c:dLbls>
+            <c:spPr>
+              <a:noFill/>
+              <a:ln>
+                <a:noFill/>
+              </a:ln>
+              <a:effectLst/>
+            </c:spPr>
+            <c:txPr>
+              <a:bodyPr rot="-5400000" spcFirstLastPara="1" vertOverflow="clip" horzOverflow="clip" vert="horz" wrap="square" lIns="38100" tIns="19050" rIns="38100" bIns="19050" anchor="ctr" anchorCtr="1">
+                <a:spAutoFit/>
+              </a:bodyPr>
+              <a:lstStyle/>
+              <a:p>
+                <a:pPr>
+                  <a:defRPr sz="800" b="0" i="0" u="none" strike="noStrike" kern="1200" baseline="0">
+                    <a:solidFill>
+                      <a:schemeClr val="tx1">
+                        <a:lumMod val="50000"/>
+                        <a:lumOff val="50000"/>
+                      </a:schemeClr>
+                    </a:solidFill>
+                    <a:latin typeface="+mn-lt"/>
+                    <a:ea typeface="+mn-ea"/>
+                    <a:cs typeface="+mn-cs"/>
+                  </a:defRPr>
+                </a:pPr>
+                <a:endParaRPr lang="en-US"/>
+              </a:p>
+            </c:txPr>
+            <c:dLblPos val="outEnd"/>
+            <c:showLegendKey val="0"/>
+            <c:showVal val="1"/>
+            <c:showCatName val="0"/>
+            <c:showSerName val="0"/>
+            <c:showPercent val="0"/>
+            <c:showBubbleSize val="0"/>
+            <c:showLeaderLines val="0"/>
+            <c:extLst>
+              <c:ext xmlns:c15="http://schemas.microsoft.com/office/drawing/2012/chart" uri="{CE6537A1-D6FC-4f65-9D91-7224C49458BB}">
+                <c15:showLeaderLines val="1"/>
+                <c15:leaderLines>
+                  <c:spPr>
+                    <a:ln w="9525">
+                      <a:solidFill>
+                        <a:schemeClr val="tx1">
+                          <a:lumMod val="35000"/>
+                          <a:lumOff val="65000"/>
+                        </a:schemeClr>
+                      </a:solidFill>
+                    </a:ln>
+                    <a:effectLst/>
+                  </c:spPr>
+                </c15:leaderLines>
+              </c:ext>
+            </c:extLst>
+          </c:dLbls>
+          <c:cat>
+            <c:strRef>
+              <c:f>Sheet4!$I$14:$I$20</c:f>
+              <c:strCache>
+                <c:ptCount val="7"/>
+                <c:pt idx="0">
+                  <c:v>SVM</c:v>
+                </c:pt>
+                <c:pt idx="1">
+                  <c:v>KNN</c:v>
+                </c:pt>
+                <c:pt idx="2">
+                  <c:v>RF</c:v>
+                </c:pt>
+                <c:pt idx="3">
+                  <c:v>LR</c:v>
+                </c:pt>
+                <c:pt idx="4">
+                  <c:v>GNB</c:v>
+                </c:pt>
+                <c:pt idx="5">
+                  <c:v>RNN</c:v>
+                </c:pt>
+                <c:pt idx="6">
+                  <c:v>VT</c:v>
+                </c:pt>
+              </c:strCache>
+            </c:strRef>
+          </c:cat>
+          <c:val>
+            <c:numRef>
+              <c:f>Sheet4!$N$14:$N$20</c:f>
+              <c:numCache>
+                <c:formatCode>General</c:formatCode>
+                <c:ptCount val="7"/>
+                <c:pt idx="0">
+                  <c:v>0.6</c:v>
+                </c:pt>
+                <c:pt idx="1">
+                  <c:v>0.42</c:v>
+                </c:pt>
+                <c:pt idx="2">
+                  <c:v>0.69</c:v>
+                </c:pt>
+                <c:pt idx="3">
+                  <c:v>0.6</c:v>
+                </c:pt>
+                <c:pt idx="4">
+                  <c:v>0.44</c:v>
+                </c:pt>
+                <c:pt idx="5">
+                  <c:v>0.44</c:v>
+                </c:pt>
+                <c:pt idx="6">
+                  <c:v>0.69</c:v>
+                </c:pt>
+              </c:numCache>
+            </c:numRef>
+          </c:val>
+          <c:extLst>
+            <c:ext xmlns:c16="http://schemas.microsoft.com/office/drawing/2014/chart" uri="{C3380CC4-5D6E-409C-BE32-E72D297353CC}">
+              <c16:uniqueId val="{00000004-F4AB-4DA7-A40B-13F5D0DAF218}"/>
+            </c:ext>
+          </c:extLst>
+        </c:ser>
+        <c:dLbls>
+          <c:dLblPos val="outEnd"/>
+          <c:showLegendKey val="0"/>
+          <c:showVal val="1"/>
+          <c:showCatName val="0"/>
+          <c:showSerName val="0"/>
+          <c:showPercent val="0"/>
+          <c:showBubbleSize val="0"/>
+        </c:dLbls>
+        <c:gapWidth val="444"/>
+        <c:overlap val="-90"/>
+        <c:axId val="471403312"/>
+        <c:axId val="471400688"/>
+      </c:barChart>
+      <c:catAx>
+        <c:axId val="471403312"/>
+        <c:scaling>
+          <c:orientation val="minMax"/>
+        </c:scaling>
+        <c:delete val="0"/>
+        <c:axPos val="b"/>
+        <c:majorGridlines>
+          <c:spPr>
+            <a:ln w="9525" cap="flat" cmpd="sng" algn="ctr">
+              <a:solidFill>
+                <a:schemeClr val="tx1">
+                  <a:lumMod val="15000"/>
+                  <a:lumOff val="85000"/>
+                </a:schemeClr>
+              </a:solidFill>
+              <a:round/>
+            </a:ln>
+            <a:effectLst/>
+          </c:spPr>
+        </c:majorGridlines>
+        <c:numFmt formatCode="General" sourceLinked="1"/>
+        <c:majorTickMark val="none"/>
+        <c:minorTickMark val="none"/>
+        <c:tickLblPos val="nextTo"/>
+        <c:spPr>
+          <a:noFill/>
+          <a:ln w="9525" cap="flat" cmpd="sng" algn="ctr">
+            <a:solidFill>
+              <a:schemeClr val="tx1">
+                <a:lumMod val="15000"/>
+                <a:lumOff val="85000"/>
+              </a:schemeClr>
+            </a:solidFill>
+            <a:round/>
+          </a:ln>
+          <a:effectLst/>
+        </c:spPr>
+        <c:txPr>
+          <a:bodyPr rot="-60000000" spcFirstLastPara="1" vertOverflow="ellipsis" vert="horz" wrap="square" anchor="ctr" anchorCtr="1"/>
+          <a:lstStyle/>
+          <a:p>
+            <a:pPr>
+              <a:defRPr sz="800" b="0" i="0" u="none" strike="noStrike" kern="1200" cap="all" spc="120" normalizeH="0" baseline="0">
+                <a:solidFill>
+                  <a:schemeClr val="tx1">
+                    <a:lumMod val="65000"/>
+                    <a:lumOff val="35000"/>
+                  </a:schemeClr>
+                </a:solidFill>
+                <a:latin typeface="+mn-lt"/>
+                <a:ea typeface="+mn-ea"/>
+                <a:cs typeface="+mn-cs"/>
+              </a:defRPr>
+            </a:pPr>
+            <a:endParaRPr lang="en-US"/>
+          </a:p>
+        </c:txPr>
+        <c:crossAx val="471400688"/>
+        <c:crosses val="autoZero"/>
+        <c:auto val="1"/>
+        <c:lblAlgn val="ctr"/>
+        <c:lblOffset val="100"/>
+        <c:noMultiLvlLbl val="0"/>
+      </c:catAx>
+      <c:valAx>
+        <c:axId val="471400688"/>
+        <c:scaling>
+          <c:orientation val="minMax"/>
+        </c:scaling>
+        <c:delete val="1"/>
+        <c:axPos val="l"/>
+        <c:numFmt formatCode="General" sourceLinked="1"/>
+        <c:majorTickMark val="none"/>
+        <c:minorTickMark val="none"/>
+        <c:tickLblPos val="nextTo"/>
+        <c:crossAx val="471403312"/>
+        <c:crosses val="autoZero"/>
+        <c:crossBetween val="between"/>
+      </c:valAx>
+      <c:spPr>
+        <a:noFill/>
+        <a:ln>
+          <a:noFill/>
+        </a:ln>
+        <a:effectLst/>
+      </c:spPr>
+    </c:plotArea>
+    <c:legend>
+      <c:legendPos val="t"/>
+      <c:overlay val="0"/>
+      <c:spPr>
+        <a:noFill/>
+        <a:ln>
+          <a:noFill/>
+        </a:ln>
+        <a:effectLst/>
+      </c:spPr>
+      <c:txPr>
+        <a:bodyPr rot="0" spcFirstLastPara="1" vertOverflow="ellipsis" vert="horz" wrap="square" anchor="ctr" anchorCtr="1"/>
+        <a:lstStyle/>
+        <a:p>
+          <a:pPr>
+            <a:defRPr sz="900" b="0" i="0" u="none" strike="noStrike" kern="1200" baseline="0">
+              <a:solidFill>
+                <a:schemeClr val="tx1">
+                  <a:lumMod val="65000"/>
+                  <a:lumOff val="35000"/>
+                </a:schemeClr>
+              </a:solidFill>
+              <a:latin typeface="+mn-lt"/>
+              <a:ea typeface="+mn-ea"/>
+              <a:cs typeface="+mn-cs"/>
+            </a:defRPr>
+          </a:pPr>
+          <a:endParaRPr lang="en-US"/>
+        </a:p>
+      </c:txPr>
+    </c:legend>
+    <c:plotVisOnly val="1"/>
+    <c:dispBlanksAs val="gap"/>
+    <c:extLst>
+      <c:ext xmlns:c16r3="http://schemas.microsoft.com/office/drawing/2017/03/chart" uri="{56B9EC1D-385E-4148-901F-78D8002777C0}">
+        <c16r3:dataDisplayOptions16>
+          <c16r3:dispNaAsBlank val="1"/>
+        </c16r3:dataDisplayOptions16>
+      </c:ext>
+    </c:extLst>
+    <c:showDLblsOverMax val="0"/>
+  </c:chart>
+  <c:spPr>
+    <a:noFill/>
+    <a:ln>
+      <a:noFill/>
+    </a:ln>
+    <a:effectLst/>
+  </c:spPr>
+  <c:txPr>
+    <a:bodyPr/>
+    <a:lstStyle/>
+    <a:p>
+      <a:pPr>
+        <a:defRPr/>
+      </a:pPr>
+      <a:endParaRPr lang="en-US"/>
+    </a:p>
+  </c:txPr>
+  <c:externalData r:id="rId3">
+    <c:autoUpdate val="0"/>
+  </c:externalData>
+</c:chartSpace>
+</file>
+
+<file path=ppt/charts/chart3.xml><?xml version="1.0" encoding="utf-8"?>
+<c:chartSpace xmlns:c="http://schemas.openxmlformats.org/drawingml/2006/chart" xmlns:a="http://schemas.openxmlformats.org/drawingml/2006/main" xmlns:r="http://schemas.openxmlformats.org/officeDocument/2006/relationships" xmlns:c16r2="http://schemas.microsoft.com/office/drawing/2015/06/chart">
+  <c:date1904 val="0"/>
+  <c:lang val="en-US"/>
+  <c:roundedCorners val="0"/>
+  <mc:AlternateContent xmlns:mc="http://schemas.openxmlformats.org/markup-compatibility/2006">
+    <mc:Choice xmlns:c14="http://schemas.microsoft.com/office/drawing/2007/8/2/chart" Requires="c14">
+      <c14:style val="102"/>
+    </mc:Choice>
+    <mc:Fallback>
+      <c:style val="2"/>
+    </mc:Fallback>
+  </mc:AlternateContent>
+  <c:chart>
+    <c:autoTitleDeleted val="1"/>
+    <c:plotArea>
+      <c:layout/>
+      <c:barChart>
+        <c:barDir val="col"/>
+        <c:grouping val="clustered"/>
+        <c:varyColors val="0"/>
+        <c:ser>
+          <c:idx val="0"/>
+          <c:order val="0"/>
+          <c:tx>
+            <c:strRef>
+              <c:f>Sheet5!$F$7</c:f>
+              <c:strCache>
+                <c:ptCount val="1"/>
+                <c:pt idx="0">
+                  <c:v>Size</c:v>
+                </c:pt>
+              </c:strCache>
+            </c:strRef>
+          </c:tx>
+          <c:spPr>
+            <a:solidFill>
+              <a:schemeClr val="accent1"/>
+            </a:solidFill>
+            <a:ln>
+              <a:noFill/>
+            </a:ln>
+            <a:effectLst/>
+          </c:spPr>
+          <c:invertIfNegative val="0"/>
+          <c:dLbls>
+            <c:spPr>
+              <a:noFill/>
+              <a:ln>
+                <a:noFill/>
+              </a:ln>
+              <a:effectLst/>
+            </c:spPr>
+            <c:txPr>
+              <a:bodyPr rot="-5400000" spcFirstLastPara="1" vertOverflow="clip" horzOverflow="clip" vert="horz" wrap="square" lIns="38100" tIns="19050" rIns="38100" bIns="19050" anchor="ctr" anchorCtr="1">
+                <a:spAutoFit/>
+              </a:bodyPr>
+              <a:lstStyle/>
+              <a:p>
+                <a:pPr>
+                  <a:defRPr sz="800" b="0" i="0" u="none" strike="noStrike" kern="1200" baseline="0">
+                    <a:solidFill>
+                      <a:schemeClr val="tx1">
+                        <a:lumMod val="50000"/>
+                        <a:lumOff val="50000"/>
+                      </a:schemeClr>
+                    </a:solidFill>
+                    <a:latin typeface="+mn-lt"/>
+                    <a:ea typeface="+mn-ea"/>
+                    <a:cs typeface="+mn-cs"/>
+                  </a:defRPr>
+                </a:pPr>
+                <a:endParaRPr lang="en-US"/>
+              </a:p>
+            </c:txPr>
+            <c:dLblPos val="outEnd"/>
+            <c:showLegendKey val="0"/>
+            <c:showVal val="1"/>
+            <c:showCatName val="0"/>
+            <c:showSerName val="0"/>
+            <c:showPercent val="0"/>
+            <c:showBubbleSize val="0"/>
+            <c:showLeaderLines val="0"/>
+            <c:extLst>
+              <c:ext xmlns:c15="http://schemas.microsoft.com/office/drawing/2012/chart" uri="{CE6537A1-D6FC-4f65-9D91-7224C49458BB}">
+                <c15:showLeaderLines val="1"/>
+                <c15:leaderLines>
+                  <c:spPr>
+                    <a:ln w="9525">
+                      <a:solidFill>
+                        <a:schemeClr val="tx1">
+                          <a:lumMod val="35000"/>
+                          <a:lumOff val="65000"/>
+                        </a:schemeClr>
+                      </a:solidFill>
+                    </a:ln>
+                    <a:effectLst/>
+                  </c:spPr>
+                </c15:leaderLines>
+              </c:ext>
+            </c:extLst>
+          </c:dLbls>
+          <c:cat>
+            <c:strRef>
+              <c:f>Sheet5!$E$8:$E$14</c:f>
+              <c:strCache>
+                <c:ptCount val="7"/>
+                <c:pt idx="0">
+                  <c:v>SVM</c:v>
+                </c:pt>
+                <c:pt idx="1">
+                  <c:v>KNN</c:v>
+                </c:pt>
+                <c:pt idx="2">
+                  <c:v>RF</c:v>
+                </c:pt>
+                <c:pt idx="3">
+                  <c:v>LR</c:v>
+                </c:pt>
+                <c:pt idx="4">
+                  <c:v>GNB</c:v>
+                </c:pt>
+                <c:pt idx="5">
+                  <c:v>RNN</c:v>
+                </c:pt>
+                <c:pt idx="6">
+                  <c:v>VT</c:v>
+                </c:pt>
+              </c:strCache>
+            </c:strRef>
+          </c:cat>
+          <c:val>
+            <c:numRef>
+              <c:f>Sheet5!$F$8:$F$14</c:f>
+              <c:numCache>
+                <c:formatCode>General</c:formatCode>
+                <c:ptCount val="7"/>
+                <c:pt idx="0">
+                  <c:v>0.96</c:v>
+                </c:pt>
+                <c:pt idx="1">
+                  <c:v>0.35</c:v>
+                </c:pt>
+                <c:pt idx="2">
+                  <c:v>0.96</c:v>
+                </c:pt>
+                <c:pt idx="3">
+                  <c:v>0.95</c:v>
+                </c:pt>
+                <c:pt idx="4">
+                  <c:v>0.88</c:v>
+                </c:pt>
+                <c:pt idx="5">
+                  <c:v>0.72</c:v>
+                </c:pt>
+                <c:pt idx="6">
+                  <c:v>0.96</c:v>
+                </c:pt>
+              </c:numCache>
+            </c:numRef>
+          </c:val>
+          <c:extLst>
+            <c:ext xmlns:c16="http://schemas.microsoft.com/office/drawing/2014/chart" uri="{C3380CC4-5D6E-409C-BE32-E72D297353CC}">
+              <c16:uniqueId val="{00000000-1620-427F-9335-DD9C9D774E0C}"/>
+            </c:ext>
+          </c:extLst>
+        </c:ser>
+        <c:ser>
+          <c:idx val="1"/>
+          <c:order val="1"/>
+          <c:tx>
+            <c:strRef>
+              <c:f>Sheet5!$G$7</c:f>
+              <c:strCache>
+                <c:ptCount val="1"/>
+                <c:pt idx="0">
+                  <c:v>Color</c:v>
+                </c:pt>
+              </c:strCache>
+            </c:strRef>
+          </c:tx>
+          <c:spPr>
+            <a:solidFill>
+              <a:schemeClr val="accent2"/>
+            </a:solidFill>
+            <a:ln>
+              <a:noFill/>
+            </a:ln>
+            <a:effectLst/>
+          </c:spPr>
+          <c:invertIfNegative val="0"/>
+          <c:dLbls>
+            <c:spPr>
+              <a:noFill/>
+              <a:ln>
+                <a:noFill/>
+              </a:ln>
+              <a:effectLst/>
+            </c:spPr>
+            <c:txPr>
+              <a:bodyPr rot="-5400000" spcFirstLastPara="1" vertOverflow="clip" horzOverflow="clip" vert="horz" wrap="square" lIns="38100" tIns="19050" rIns="38100" bIns="19050" anchor="ctr" anchorCtr="1">
+                <a:spAutoFit/>
+              </a:bodyPr>
+              <a:lstStyle/>
+              <a:p>
+                <a:pPr>
+                  <a:defRPr sz="800" b="0" i="0" u="none" strike="noStrike" kern="1200" baseline="0">
+                    <a:solidFill>
+                      <a:schemeClr val="tx1">
+                        <a:lumMod val="50000"/>
+                        <a:lumOff val="50000"/>
+                      </a:schemeClr>
+                    </a:solidFill>
+                    <a:latin typeface="+mn-lt"/>
+                    <a:ea typeface="+mn-ea"/>
+                    <a:cs typeface="+mn-cs"/>
+                  </a:defRPr>
+                </a:pPr>
+                <a:endParaRPr lang="en-US"/>
+              </a:p>
+            </c:txPr>
+            <c:dLblPos val="outEnd"/>
+            <c:showLegendKey val="0"/>
+            <c:showVal val="1"/>
+            <c:showCatName val="0"/>
+            <c:showSerName val="0"/>
+            <c:showPercent val="0"/>
+            <c:showBubbleSize val="0"/>
+            <c:showLeaderLines val="0"/>
+            <c:extLst>
+              <c:ext xmlns:c15="http://schemas.microsoft.com/office/drawing/2012/chart" uri="{CE6537A1-D6FC-4f65-9D91-7224C49458BB}">
+                <c15:showLeaderLines val="1"/>
+                <c15:leaderLines>
+                  <c:spPr>
+                    <a:ln w="9525">
+                      <a:solidFill>
+                        <a:schemeClr val="tx1">
+                          <a:lumMod val="35000"/>
+                          <a:lumOff val="65000"/>
+                        </a:schemeClr>
+                      </a:solidFill>
+                    </a:ln>
+                    <a:effectLst/>
+                  </c:spPr>
+                </c15:leaderLines>
+              </c:ext>
+            </c:extLst>
+          </c:dLbls>
+          <c:cat>
+            <c:strRef>
+              <c:f>Sheet5!$E$8:$E$14</c:f>
+              <c:strCache>
+                <c:ptCount val="7"/>
+                <c:pt idx="0">
+                  <c:v>SVM</c:v>
+                </c:pt>
+                <c:pt idx="1">
+                  <c:v>KNN</c:v>
+                </c:pt>
+                <c:pt idx="2">
+                  <c:v>RF</c:v>
+                </c:pt>
+                <c:pt idx="3">
+                  <c:v>LR</c:v>
+                </c:pt>
+                <c:pt idx="4">
+                  <c:v>GNB</c:v>
+                </c:pt>
+                <c:pt idx="5">
+                  <c:v>RNN</c:v>
+                </c:pt>
+                <c:pt idx="6">
+                  <c:v>VT</c:v>
+                </c:pt>
+              </c:strCache>
+            </c:strRef>
+          </c:cat>
+          <c:val>
+            <c:numRef>
+              <c:f>Sheet5!$G$8:$G$14</c:f>
+              <c:numCache>
+                <c:formatCode>General</c:formatCode>
+                <c:ptCount val="7"/>
+                <c:pt idx="0">
+                  <c:v>0.96</c:v>
+                </c:pt>
+                <c:pt idx="1">
+                  <c:v>0.61</c:v>
+                </c:pt>
+                <c:pt idx="2">
+                  <c:v>0.96</c:v>
+                </c:pt>
+                <c:pt idx="3">
+                  <c:v>0.94</c:v>
+                </c:pt>
+                <c:pt idx="4">
+                  <c:v>0.91</c:v>
+                </c:pt>
+                <c:pt idx="5">
+                  <c:v>0.67</c:v>
+                </c:pt>
+                <c:pt idx="6">
+                  <c:v>0.96</c:v>
+                </c:pt>
+              </c:numCache>
+            </c:numRef>
+          </c:val>
+          <c:extLst>
+            <c:ext xmlns:c16="http://schemas.microsoft.com/office/drawing/2014/chart" uri="{C3380CC4-5D6E-409C-BE32-E72D297353CC}">
+              <c16:uniqueId val="{00000001-1620-427F-9335-DD9C9D774E0C}"/>
+            </c:ext>
+          </c:extLst>
+        </c:ser>
+        <c:ser>
+          <c:idx val="2"/>
+          <c:order val="2"/>
+          <c:tx>
+            <c:strRef>
+              <c:f>Sheet5!$H$7</c:f>
+              <c:strCache>
+                <c:ptCount val="1"/>
+                <c:pt idx="0">
+                  <c:v>Price</c:v>
+                </c:pt>
+              </c:strCache>
+            </c:strRef>
+          </c:tx>
+          <c:spPr>
+            <a:solidFill>
+              <a:schemeClr val="accent3"/>
+            </a:solidFill>
+            <a:ln>
+              <a:noFill/>
+            </a:ln>
+            <a:effectLst/>
+          </c:spPr>
+          <c:invertIfNegative val="0"/>
+          <c:dLbls>
+            <c:spPr>
+              <a:noFill/>
+              <a:ln>
+                <a:noFill/>
+              </a:ln>
+              <a:effectLst/>
+            </c:spPr>
+            <c:txPr>
+              <a:bodyPr rot="-5400000" spcFirstLastPara="1" vertOverflow="clip" horzOverflow="clip" vert="horz" wrap="square" lIns="38100" tIns="19050" rIns="38100" bIns="19050" anchor="ctr" anchorCtr="1">
+                <a:spAutoFit/>
+              </a:bodyPr>
+              <a:lstStyle/>
+              <a:p>
+                <a:pPr>
+                  <a:defRPr sz="800" b="0" i="0" u="none" strike="noStrike" kern="1200" baseline="0">
+                    <a:solidFill>
+                      <a:schemeClr val="tx1">
+                        <a:lumMod val="50000"/>
+                        <a:lumOff val="50000"/>
+                      </a:schemeClr>
+                    </a:solidFill>
+                    <a:latin typeface="+mn-lt"/>
+                    <a:ea typeface="+mn-ea"/>
+                    <a:cs typeface="+mn-cs"/>
+                  </a:defRPr>
+                </a:pPr>
+                <a:endParaRPr lang="en-US"/>
+              </a:p>
+            </c:txPr>
+            <c:dLblPos val="outEnd"/>
+            <c:showLegendKey val="0"/>
+            <c:showVal val="1"/>
+            <c:showCatName val="0"/>
+            <c:showSerName val="0"/>
+            <c:showPercent val="0"/>
+            <c:showBubbleSize val="0"/>
+            <c:showLeaderLines val="0"/>
+            <c:extLst>
+              <c:ext xmlns:c15="http://schemas.microsoft.com/office/drawing/2012/chart" uri="{CE6537A1-D6FC-4f65-9D91-7224C49458BB}">
+                <c15:showLeaderLines val="1"/>
+                <c15:leaderLines>
+                  <c:spPr>
+                    <a:ln w="9525">
+                      <a:solidFill>
+                        <a:schemeClr val="tx1">
+                          <a:lumMod val="35000"/>
+                          <a:lumOff val="65000"/>
+                        </a:schemeClr>
+                      </a:solidFill>
+                    </a:ln>
+                    <a:effectLst/>
+                  </c:spPr>
+                </c15:leaderLines>
+              </c:ext>
+            </c:extLst>
+          </c:dLbls>
+          <c:cat>
+            <c:strRef>
+              <c:f>Sheet5!$E$8:$E$14</c:f>
+              <c:strCache>
+                <c:ptCount val="7"/>
+                <c:pt idx="0">
+                  <c:v>SVM</c:v>
+                </c:pt>
+                <c:pt idx="1">
+                  <c:v>KNN</c:v>
+                </c:pt>
+                <c:pt idx="2">
+                  <c:v>RF</c:v>
+                </c:pt>
+                <c:pt idx="3">
+                  <c:v>LR</c:v>
+                </c:pt>
+                <c:pt idx="4">
+                  <c:v>GNB</c:v>
+                </c:pt>
+                <c:pt idx="5">
+                  <c:v>RNN</c:v>
+                </c:pt>
+                <c:pt idx="6">
+                  <c:v>VT</c:v>
+                </c:pt>
+              </c:strCache>
+            </c:strRef>
+          </c:cat>
+          <c:val>
+            <c:numRef>
+              <c:f>Sheet5!$H$8:$H$14</c:f>
+              <c:numCache>
+                <c:formatCode>General</c:formatCode>
+                <c:ptCount val="7"/>
+                <c:pt idx="0">
+                  <c:v>0.96</c:v>
+                </c:pt>
+                <c:pt idx="1">
+                  <c:v>0.41</c:v>
+                </c:pt>
+                <c:pt idx="2">
+                  <c:v>0.97</c:v>
+                </c:pt>
+                <c:pt idx="3">
+                  <c:v>0.96</c:v>
+                </c:pt>
+                <c:pt idx="4">
+                  <c:v>0.89</c:v>
+                </c:pt>
+                <c:pt idx="5">
+                  <c:v>0.78</c:v>
+                </c:pt>
+                <c:pt idx="6">
+                  <c:v>0.97</c:v>
+                </c:pt>
+              </c:numCache>
+            </c:numRef>
+          </c:val>
+          <c:extLst>
+            <c:ext xmlns:c16="http://schemas.microsoft.com/office/drawing/2014/chart" uri="{C3380CC4-5D6E-409C-BE32-E72D297353CC}">
+              <c16:uniqueId val="{00000002-1620-427F-9335-DD9C9D774E0C}"/>
+            </c:ext>
+          </c:extLst>
+        </c:ser>
+        <c:ser>
+          <c:idx val="3"/>
+          <c:order val="3"/>
+          <c:tx>
+            <c:strRef>
+              <c:f>Sheet5!$I$7</c:f>
+              <c:strCache>
+                <c:ptCount val="1"/>
+                <c:pt idx="0">
+                  <c:v>Service</c:v>
+                </c:pt>
+              </c:strCache>
+            </c:strRef>
+          </c:tx>
+          <c:spPr>
+            <a:solidFill>
+              <a:schemeClr val="accent4"/>
+            </a:solidFill>
+            <a:ln>
+              <a:noFill/>
+            </a:ln>
+            <a:effectLst/>
+          </c:spPr>
+          <c:invertIfNegative val="0"/>
+          <c:dLbls>
+            <c:spPr>
+              <a:noFill/>
+              <a:ln>
+                <a:noFill/>
+              </a:ln>
+              <a:effectLst/>
+            </c:spPr>
+            <c:txPr>
+              <a:bodyPr rot="-5400000" spcFirstLastPara="1" vertOverflow="clip" horzOverflow="clip" vert="horz" wrap="square" lIns="38100" tIns="19050" rIns="38100" bIns="19050" anchor="ctr" anchorCtr="1">
+                <a:spAutoFit/>
+              </a:bodyPr>
+              <a:lstStyle/>
+              <a:p>
+                <a:pPr>
+                  <a:defRPr sz="800" b="0" i="0" u="none" strike="noStrike" kern="1200" baseline="0">
+                    <a:solidFill>
+                      <a:schemeClr val="tx1">
+                        <a:lumMod val="50000"/>
+                        <a:lumOff val="50000"/>
+                      </a:schemeClr>
+                    </a:solidFill>
+                    <a:latin typeface="+mn-lt"/>
+                    <a:ea typeface="+mn-ea"/>
+                    <a:cs typeface="+mn-cs"/>
+                  </a:defRPr>
+                </a:pPr>
+                <a:endParaRPr lang="en-US"/>
+              </a:p>
+            </c:txPr>
+            <c:dLblPos val="outEnd"/>
+            <c:showLegendKey val="0"/>
+            <c:showVal val="1"/>
+            <c:showCatName val="0"/>
+            <c:showSerName val="0"/>
+            <c:showPercent val="0"/>
+            <c:showBubbleSize val="0"/>
+            <c:showLeaderLines val="0"/>
+            <c:extLst>
+              <c:ext xmlns:c15="http://schemas.microsoft.com/office/drawing/2012/chart" uri="{CE6537A1-D6FC-4f65-9D91-7224C49458BB}">
+                <c15:showLeaderLines val="1"/>
+                <c15:leaderLines>
+                  <c:spPr>
+                    <a:ln w="9525">
+                      <a:solidFill>
+                        <a:schemeClr val="tx1">
+                          <a:lumMod val="35000"/>
+                          <a:lumOff val="65000"/>
+                        </a:schemeClr>
+                      </a:solidFill>
+                    </a:ln>
+                    <a:effectLst/>
+                  </c:spPr>
+                </c15:leaderLines>
+              </c:ext>
+            </c:extLst>
+          </c:dLbls>
+          <c:cat>
+            <c:strRef>
+              <c:f>Sheet5!$E$8:$E$14</c:f>
+              <c:strCache>
+                <c:ptCount val="7"/>
+                <c:pt idx="0">
+                  <c:v>SVM</c:v>
+                </c:pt>
+                <c:pt idx="1">
+                  <c:v>KNN</c:v>
+                </c:pt>
+                <c:pt idx="2">
+                  <c:v>RF</c:v>
+                </c:pt>
+                <c:pt idx="3">
+                  <c:v>LR</c:v>
+                </c:pt>
+                <c:pt idx="4">
+                  <c:v>GNB</c:v>
+                </c:pt>
+                <c:pt idx="5">
+                  <c:v>RNN</c:v>
+                </c:pt>
+                <c:pt idx="6">
+                  <c:v>VT</c:v>
+                </c:pt>
+              </c:strCache>
+            </c:strRef>
+          </c:cat>
+          <c:val>
+            <c:numRef>
+              <c:f>Sheet5!$I$8:$I$14</c:f>
+              <c:numCache>
+                <c:formatCode>General</c:formatCode>
+                <c:ptCount val="7"/>
+                <c:pt idx="0">
+                  <c:v>0.96</c:v>
+                </c:pt>
+                <c:pt idx="1">
+                  <c:v>0.62</c:v>
+                </c:pt>
+                <c:pt idx="2">
+                  <c:v>0.96</c:v>
+                </c:pt>
+                <c:pt idx="3">
+                  <c:v>0.95</c:v>
+                </c:pt>
+                <c:pt idx="4">
+                  <c:v>0.88</c:v>
+                </c:pt>
+                <c:pt idx="5">
+                  <c:v>0.72</c:v>
+                </c:pt>
+                <c:pt idx="6">
+                  <c:v>0.96</c:v>
+                </c:pt>
+              </c:numCache>
+            </c:numRef>
+          </c:val>
+          <c:extLst>
+            <c:ext xmlns:c16="http://schemas.microsoft.com/office/drawing/2014/chart" uri="{C3380CC4-5D6E-409C-BE32-E72D297353CC}">
+              <c16:uniqueId val="{00000003-1620-427F-9335-DD9C9D774E0C}"/>
+            </c:ext>
+          </c:extLst>
+        </c:ser>
+        <c:ser>
+          <c:idx val="4"/>
+          <c:order val="4"/>
+          <c:tx>
+            <c:strRef>
+              <c:f>Sheet5!$J$7</c:f>
+              <c:strCache>
+                <c:ptCount val="1"/>
+                <c:pt idx="0">
+                  <c:v>Weight</c:v>
+                </c:pt>
+              </c:strCache>
+            </c:strRef>
+          </c:tx>
+          <c:spPr>
+            <a:solidFill>
+              <a:schemeClr val="accent5"/>
+            </a:solidFill>
+            <a:ln>
+              <a:noFill/>
+            </a:ln>
+            <a:effectLst/>
+          </c:spPr>
+          <c:invertIfNegative val="0"/>
+          <c:dLbls>
+            <c:spPr>
+              <a:noFill/>
+              <a:ln>
+                <a:noFill/>
+              </a:ln>
+              <a:effectLst/>
+            </c:spPr>
+            <c:txPr>
+              <a:bodyPr rot="-5400000" spcFirstLastPara="1" vertOverflow="clip" horzOverflow="clip" vert="horz" wrap="square" lIns="38100" tIns="19050" rIns="38100" bIns="19050" anchor="ctr" anchorCtr="1">
+                <a:spAutoFit/>
+              </a:bodyPr>
+              <a:lstStyle/>
+              <a:p>
+                <a:pPr>
+                  <a:defRPr sz="800" b="0" i="0" u="none" strike="noStrike" kern="1200" baseline="0">
+                    <a:solidFill>
+                      <a:schemeClr val="tx1">
+                        <a:lumMod val="50000"/>
+                        <a:lumOff val="50000"/>
+                      </a:schemeClr>
+                    </a:solidFill>
+                    <a:latin typeface="+mn-lt"/>
+                    <a:ea typeface="+mn-ea"/>
+                    <a:cs typeface="+mn-cs"/>
+                  </a:defRPr>
+                </a:pPr>
+                <a:endParaRPr lang="en-US"/>
+              </a:p>
+            </c:txPr>
+            <c:dLblPos val="outEnd"/>
+            <c:showLegendKey val="0"/>
+            <c:showVal val="1"/>
+            <c:showCatName val="0"/>
+            <c:showSerName val="0"/>
+            <c:showPercent val="0"/>
+            <c:showBubbleSize val="0"/>
+            <c:showLeaderLines val="0"/>
+            <c:extLst>
+              <c:ext xmlns:c15="http://schemas.microsoft.com/office/drawing/2012/chart" uri="{CE6537A1-D6FC-4f65-9D91-7224C49458BB}">
+                <c15:showLeaderLines val="1"/>
+                <c15:leaderLines>
+                  <c:spPr>
+                    <a:ln w="9525">
+                      <a:solidFill>
+                        <a:schemeClr val="tx1">
+                          <a:lumMod val="35000"/>
+                          <a:lumOff val="65000"/>
+                        </a:schemeClr>
+                      </a:solidFill>
+                    </a:ln>
+                    <a:effectLst/>
+                  </c:spPr>
+                </c15:leaderLines>
+              </c:ext>
+            </c:extLst>
+          </c:dLbls>
+          <c:cat>
+            <c:strRef>
+              <c:f>Sheet5!$E$8:$E$14</c:f>
+              <c:strCache>
+                <c:ptCount val="7"/>
+                <c:pt idx="0">
+                  <c:v>SVM</c:v>
+                </c:pt>
+                <c:pt idx="1">
+                  <c:v>KNN</c:v>
+                </c:pt>
+                <c:pt idx="2">
+                  <c:v>RF</c:v>
+                </c:pt>
+                <c:pt idx="3">
+                  <c:v>LR</c:v>
+                </c:pt>
+                <c:pt idx="4">
+                  <c:v>GNB</c:v>
+                </c:pt>
+                <c:pt idx="5">
+                  <c:v>RNN</c:v>
+                </c:pt>
+                <c:pt idx="6">
+                  <c:v>VT</c:v>
+                </c:pt>
+              </c:strCache>
+            </c:strRef>
+          </c:cat>
+          <c:val>
+            <c:numRef>
+              <c:f>Sheet5!$J$8:$J$14</c:f>
+              <c:numCache>
+                <c:formatCode>General</c:formatCode>
+                <c:ptCount val="7"/>
+                <c:pt idx="0">
+                  <c:v>0.96</c:v>
+                </c:pt>
+                <c:pt idx="1">
+                  <c:v>0.65</c:v>
+                </c:pt>
+                <c:pt idx="2">
+                  <c:v>0.96</c:v>
+                </c:pt>
+                <c:pt idx="3">
+                  <c:v>0.95</c:v>
+                </c:pt>
+                <c:pt idx="4">
+                  <c:v>0.92</c:v>
+                </c:pt>
+                <c:pt idx="5">
+                  <c:v>0.69</c:v>
+                </c:pt>
+                <c:pt idx="6">
+                  <c:v>0.96</c:v>
+                </c:pt>
+              </c:numCache>
+            </c:numRef>
+          </c:val>
+          <c:extLst>
+            <c:ext xmlns:c16="http://schemas.microsoft.com/office/drawing/2014/chart" uri="{C3380CC4-5D6E-409C-BE32-E72D297353CC}">
+              <c16:uniqueId val="{00000004-1620-427F-9335-DD9C9D774E0C}"/>
+            </c:ext>
+          </c:extLst>
+        </c:ser>
+        <c:dLbls>
+          <c:dLblPos val="outEnd"/>
+          <c:showLegendKey val="0"/>
+          <c:showVal val="1"/>
+          <c:showCatName val="0"/>
+          <c:showSerName val="0"/>
+          <c:showPercent val="0"/>
+          <c:showBubbleSize val="0"/>
+        </c:dLbls>
+        <c:gapWidth val="444"/>
+        <c:overlap val="-90"/>
+        <c:axId val="501869736"/>
+        <c:axId val="501872360"/>
+      </c:barChart>
+      <c:catAx>
+        <c:axId val="501869736"/>
+        <c:scaling>
+          <c:orientation val="minMax"/>
+        </c:scaling>
+        <c:delete val="0"/>
+        <c:axPos val="b"/>
+        <c:majorGridlines>
+          <c:spPr>
+            <a:ln w="9525" cap="flat" cmpd="sng" algn="ctr">
+              <a:solidFill>
+                <a:schemeClr val="tx1">
+                  <a:lumMod val="15000"/>
+                  <a:lumOff val="85000"/>
+                </a:schemeClr>
+              </a:solidFill>
+              <a:round/>
+            </a:ln>
+            <a:effectLst/>
+          </c:spPr>
+        </c:majorGridlines>
+        <c:numFmt formatCode="General" sourceLinked="1"/>
+        <c:majorTickMark val="none"/>
+        <c:minorTickMark val="none"/>
+        <c:tickLblPos val="nextTo"/>
+        <c:spPr>
+          <a:noFill/>
+          <a:ln w="9525" cap="flat" cmpd="sng" algn="ctr">
+            <a:solidFill>
+              <a:schemeClr val="tx1">
+                <a:lumMod val="15000"/>
+                <a:lumOff val="85000"/>
+              </a:schemeClr>
+            </a:solidFill>
+            <a:round/>
+          </a:ln>
+          <a:effectLst/>
+        </c:spPr>
+        <c:txPr>
+          <a:bodyPr rot="-60000000" spcFirstLastPara="1" vertOverflow="ellipsis" vert="horz" wrap="square" anchor="ctr" anchorCtr="1"/>
+          <a:lstStyle/>
+          <a:p>
+            <a:pPr>
+              <a:defRPr sz="800" b="0" i="0" u="none" strike="noStrike" kern="1200" cap="all" spc="120" normalizeH="0" baseline="0">
+                <a:solidFill>
+                  <a:schemeClr val="tx1">
+                    <a:lumMod val="65000"/>
+                    <a:lumOff val="35000"/>
+                  </a:schemeClr>
+                </a:solidFill>
+                <a:latin typeface="+mn-lt"/>
+                <a:ea typeface="+mn-ea"/>
+                <a:cs typeface="+mn-cs"/>
+              </a:defRPr>
+            </a:pPr>
+            <a:endParaRPr lang="en-US"/>
+          </a:p>
+        </c:txPr>
+        <c:crossAx val="501872360"/>
+        <c:crosses val="autoZero"/>
+        <c:auto val="1"/>
+        <c:lblAlgn val="ctr"/>
+        <c:lblOffset val="100"/>
+        <c:noMultiLvlLbl val="0"/>
+      </c:catAx>
+      <c:valAx>
+        <c:axId val="501872360"/>
+        <c:scaling>
+          <c:orientation val="minMax"/>
+        </c:scaling>
+        <c:delete val="1"/>
+        <c:axPos val="l"/>
+        <c:numFmt formatCode="General" sourceLinked="1"/>
+        <c:majorTickMark val="none"/>
+        <c:minorTickMark val="none"/>
+        <c:tickLblPos val="nextTo"/>
+        <c:crossAx val="501869736"/>
+        <c:crosses val="autoZero"/>
+        <c:crossBetween val="between"/>
+      </c:valAx>
+      <c:spPr>
+        <a:noFill/>
+        <a:ln>
+          <a:noFill/>
+        </a:ln>
+        <a:effectLst/>
+      </c:spPr>
+    </c:plotArea>
+    <c:legend>
+      <c:legendPos val="t"/>
+      <c:overlay val="0"/>
+      <c:spPr>
+        <a:noFill/>
+        <a:ln>
+          <a:noFill/>
+        </a:ln>
+        <a:effectLst/>
+      </c:spPr>
+      <c:txPr>
+        <a:bodyPr rot="0" spcFirstLastPara="1" vertOverflow="ellipsis" vert="horz" wrap="square" anchor="ctr" anchorCtr="1"/>
+        <a:lstStyle/>
+        <a:p>
+          <a:pPr>
+            <a:defRPr sz="900" b="0" i="0" u="none" strike="noStrike" kern="1200" baseline="0">
+              <a:solidFill>
+                <a:schemeClr val="tx1">
+                  <a:lumMod val="65000"/>
+                  <a:lumOff val="35000"/>
+                </a:schemeClr>
+              </a:solidFill>
+              <a:latin typeface="+mn-lt"/>
+              <a:ea typeface="+mn-ea"/>
+              <a:cs typeface="+mn-cs"/>
+            </a:defRPr>
+          </a:pPr>
+          <a:endParaRPr lang="en-US"/>
+        </a:p>
+      </c:txPr>
+    </c:legend>
+    <c:plotVisOnly val="1"/>
+    <c:dispBlanksAs val="gap"/>
+    <c:extLst>
+      <c:ext xmlns:c16r3="http://schemas.microsoft.com/office/drawing/2017/03/chart" uri="{56B9EC1D-385E-4148-901F-78D8002777C0}">
+        <c16r3:dataDisplayOptions16>
+          <c16r3:dispNaAsBlank val="1"/>
+        </c16r3:dataDisplayOptions16>
+      </c:ext>
+    </c:extLst>
+    <c:showDLblsOverMax val="0"/>
+  </c:chart>
+  <c:spPr>
+    <a:noFill/>
+    <a:ln>
+      <a:noFill/>
+    </a:ln>
+    <a:effectLst/>
+  </c:spPr>
+  <c:txPr>
+    <a:bodyPr/>
+    <a:lstStyle/>
+    <a:p>
+      <a:pPr>
+        <a:defRPr/>
+      </a:pPr>
+      <a:endParaRPr lang="en-US"/>
+    </a:p>
+  </c:txPr>
+  <c:externalData r:id="rId3">
+    <c:autoUpdate val="0"/>
+  </c:externalData>
+</c:chartSpace>
+</file>
+
+<file path=ppt/charts/colors1.xml><?xml version="1.0" encoding="utf-8"?>
+<cs:colorStyle xmlns:cs="http://schemas.microsoft.com/office/drawing/2012/chartStyle" xmlns:a="http://schemas.openxmlformats.org/drawingml/2006/main" meth="cycle" id="10">
+  <a:schemeClr val="accent1"/>
+  <a:schemeClr val="accent2"/>
+  <a:schemeClr val="accent3"/>
+  <a:schemeClr val="accent4"/>
+  <a:schemeClr val="accent5"/>
+  <a:schemeClr val="accent6"/>
+  <cs:variation/>
+  <cs:variation>
+    <a:lumMod val="60000"/>
+  </cs:variation>
+  <cs:variation>
+    <a:lumMod val="80000"/>
+    <a:lumOff val="20000"/>
+  </cs:variation>
+  <cs:variation>
+    <a:lumMod val="80000"/>
+  </cs:variation>
+  <cs:variation>
+    <a:lumMod val="60000"/>
+    <a:lumOff val="40000"/>
+  </cs:variation>
+  <cs:variation>
+    <a:lumMod val="50000"/>
+  </cs:variation>
+  <cs:variation>
+    <a:lumMod val="70000"/>
+    <a:lumOff val="30000"/>
+  </cs:variation>
+  <cs:variation>
+    <a:lumMod val="70000"/>
+  </cs:variation>
+  <cs:variation>
+    <a:lumMod val="50000"/>
+    <a:lumOff val="50000"/>
+  </cs:variation>
+</cs:colorStyle>
+</file>
+
+<file path=ppt/charts/colors2.xml><?xml version="1.0" encoding="utf-8"?>
+<cs:colorStyle xmlns:cs="http://schemas.microsoft.com/office/drawing/2012/chartStyle" xmlns:a="http://schemas.openxmlformats.org/drawingml/2006/main" meth="cycle" id="10">
+  <a:schemeClr val="accent1"/>
+  <a:schemeClr val="accent2"/>
+  <a:schemeClr val="accent3"/>
+  <a:schemeClr val="accent4"/>
+  <a:schemeClr val="accent5"/>
+  <a:schemeClr val="accent6"/>
+  <cs:variation/>
+  <cs:variation>
+    <a:lumMod val="60000"/>
+  </cs:variation>
+  <cs:variation>
+    <a:lumMod val="80000"/>
+    <a:lumOff val="20000"/>
+  </cs:variation>
+  <cs:variation>
+    <a:lumMod val="80000"/>
+  </cs:variation>
+  <cs:variation>
+    <a:lumMod val="60000"/>
+    <a:lumOff val="40000"/>
+  </cs:variation>
+  <cs:variation>
+    <a:lumMod val="50000"/>
+  </cs:variation>
+  <cs:variation>
+    <a:lumMod val="70000"/>
+    <a:lumOff val="30000"/>
+  </cs:variation>
+  <cs:variation>
+    <a:lumMod val="70000"/>
+  </cs:variation>
+  <cs:variation>
+    <a:lumMod val="50000"/>
+    <a:lumOff val="50000"/>
+  </cs:variation>
+</cs:colorStyle>
+</file>
+
+<file path=ppt/charts/colors3.xml><?xml version="1.0" encoding="utf-8"?>
+<cs:colorStyle xmlns:cs="http://schemas.microsoft.com/office/drawing/2012/chartStyle" xmlns:a="http://schemas.openxmlformats.org/drawingml/2006/main" meth="cycle" id="10">
+  <a:schemeClr val="accent1"/>
+  <a:schemeClr val="accent2"/>
+  <a:schemeClr val="accent3"/>
+  <a:schemeClr val="accent4"/>
+  <a:schemeClr val="accent5"/>
+  <a:schemeClr val="accent6"/>
+  <cs:variation/>
+  <cs:variation>
+    <a:lumMod val="60000"/>
+  </cs:variation>
+  <cs:variation>
+    <a:lumMod val="80000"/>
+    <a:lumOff val="20000"/>
+  </cs:variation>
+  <cs:variation>
+    <a:lumMod val="80000"/>
+  </cs:variation>
+  <cs:variation>
+    <a:lumMod val="60000"/>
+    <a:lumOff val="40000"/>
+  </cs:variation>
+  <cs:variation>
+    <a:lumMod val="50000"/>
+  </cs:variation>
+  <cs:variation>
+    <a:lumMod val="70000"/>
+    <a:lumOff val="30000"/>
+  </cs:variation>
+  <cs:variation>
+    <a:lumMod val="70000"/>
+  </cs:variation>
+  <cs:variation>
+    <a:lumMod val="50000"/>
+    <a:lumOff val="50000"/>
+  </cs:variation>
+</cs:colorStyle>
+</file>
+
+<file path=ppt/charts/style1.xml><?xml version="1.0" encoding="utf-8"?>
+<cs:chartStyle xmlns:cs="http://schemas.microsoft.com/office/drawing/2012/chartStyle" xmlns:a="http://schemas.openxmlformats.org/drawingml/2006/main" id="202">
+  <cs:axisTitle>
+    <cs:lnRef idx="0"/>
+    <cs:fillRef idx="0"/>
+    <cs:effectRef idx="0"/>
+    <cs:fontRef idx="minor">
+      <a:schemeClr val="tx1">
+        <a:lumMod val="65000"/>
+        <a:lumOff val="35000"/>
+      </a:schemeClr>
+    </cs:fontRef>
+    <cs:defRPr sz="900" kern="1200" cap="all"/>
+  </cs:axisTitle>
+  <cs:categoryAxis>
+    <cs:lnRef idx="0"/>
+    <cs:fillRef idx="0"/>
+    <cs:effectRef idx="0"/>
+    <cs:fontRef idx="minor">
+      <a:schemeClr val="tx1">
+        <a:lumMod val="65000"/>
+        <a:lumOff val="35000"/>
+      </a:schemeClr>
+    </cs:fontRef>
+    <cs:spPr>
+      <a:ln w="9525" cap="flat" cmpd="sng" algn="ctr">
+        <a:solidFill>
+          <a:schemeClr val="tx1">
+            <a:lumMod val="15000"/>
+            <a:lumOff val="85000"/>
+          </a:schemeClr>
+        </a:solidFill>
+        <a:round/>
+      </a:ln>
+    </cs:spPr>
+    <cs:defRPr sz="800" kern="1200" cap="all" spc="120" normalizeH="0" baseline="0"/>
+  </cs:categoryAxis>
+  <cs:chartArea mods="allowNoFillOverride allowNoLineOverride">
+    <cs:lnRef idx="0"/>
+    <cs:fillRef idx="0"/>
+    <cs:effectRef idx="0"/>
+    <cs:fontRef idx="minor">
+      <a:schemeClr val="dk1"/>
+    </cs:fontRef>
+    <cs:spPr>
+      <a:solidFill>
+        <a:schemeClr val="lt1"/>
+      </a:solidFill>
+      <a:ln w="9525" cap="flat" cmpd="sng" algn="ctr">
+        <a:solidFill>
+          <a:schemeClr val="tx1">
+            <a:lumMod val="15000"/>
+            <a:lumOff val="85000"/>
+          </a:schemeClr>
+        </a:solidFill>
+        <a:round/>
+      </a:ln>
+    </cs:spPr>
+    <cs:defRPr sz="900" kern="1200"/>
+  </cs:chartArea>
+  <cs:dataLabel>
+    <cs:lnRef idx="0"/>
+    <cs:fillRef idx="0"/>
+    <cs:effectRef idx="0"/>
+    <cs:fontRef idx="minor">
+      <a:schemeClr val="tx1">
+        <a:lumMod val="50000"/>
+        <a:lumOff val="50000"/>
+      </a:schemeClr>
+    </cs:fontRef>
+    <cs:defRPr sz="800" b="0" i="0" u="none" strike="noStrike" kern="1200" baseline="0"/>
+    <cs:bodyPr rot="-5400000" spcFirstLastPara="1" vertOverflow="clip" horzOverflow="clip" vert="horz" wrap="square" lIns="38100" tIns="19050" rIns="38100" bIns="19050" anchor="ctr" anchorCtr="1">
+      <a:spAutoFit/>
+    </cs:bodyPr>
+  </cs:dataLabel>
+  <cs:dataLabelCallout>
+    <cs:lnRef idx="0"/>
+    <cs:fillRef idx="0"/>
+    <cs:effectRef idx="0"/>
+    <cs:fontRef idx="minor">
+      <a:schemeClr val="dk1">
+        <a:lumMod val="65000"/>
+        <a:lumOff val="35000"/>
+      </a:schemeClr>
+    </cs:fontRef>
+    <cs:spPr>
+      <a:solidFill>
+        <a:schemeClr val="lt1"/>
+      </a:solidFill>
+      <a:ln>
+        <a:solidFill>
+          <a:schemeClr val="dk1">
+            <a:lumMod val="25000"/>
+            <a:lumOff val="75000"/>
+          </a:schemeClr>
+        </a:solidFill>
+      </a:ln>
+    </cs:spPr>
+    <cs:defRPr sz="900" kern="1200"/>
+    <cs:bodyPr rot="0" spcFirstLastPara="1" vertOverflow="clip" horzOverflow="clip" vert="horz" wrap="square" lIns="36576" tIns="18288" rIns="36576" bIns="18288" anchor="ctr" anchorCtr="1">
+      <a:spAutoFit/>
+    </cs:bodyPr>
+  </cs:dataLabelCallout>
+  <cs:dataPoint>
+    <cs:lnRef idx="0"/>
+    <cs:fillRef idx="0">
+      <cs:styleClr val="auto"/>
+    </cs:fillRef>
+    <cs:effectRef idx="0"/>
+    <cs:fontRef idx="minor">
+      <a:schemeClr val="dk1"/>
+    </cs:fontRef>
+    <cs:spPr>
+      <a:solidFill>
+        <a:schemeClr val="phClr"/>
+      </a:solidFill>
+    </cs:spPr>
+  </cs:dataPoint>
+  <cs:dataPoint3D>
+    <cs:lnRef idx="0"/>
+    <cs:fillRef idx="0">
+      <cs:styleClr val="auto"/>
+    </cs:fillRef>
+    <cs:effectRef idx="0"/>
+    <cs:fontRef idx="minor">
+      <a:schemeClr val="dk1"/>
+    </cs:fontRef>
+    <cs:spPr>
+      <a:solidFill>
+        <a:schemeClr val="phClr"/>
+      </a:solidFill>
+    </cs:spPr>
+  </cs:dataPoint3D>
+  <cs:dataPointLine>
+    <cs:lnRef idx="0">
+      <cs:styleClr val="auto"/>
+    </cs:lnRef>
+    <cs:fillRef idx="0"/>
+    <cs:effectRef idx="0"/>
+    <cs:fontRef idx="minor">
+      <a:schemeClr val="dk1"/>
+    </cs:fontRef>
+    <cs:spPr>
+      <a:ln w="22225" cap="rnd">
+        <a:solidFill>
+          <a:schemeClr val="phClr"/>
+        </a:solidFill>
+        <a:round/>
+      </a:ln>
+    </cs:spPr>
+  </cs:dataPointLine>
+  <cs:dataPointMarker>
+    <cs:lnRef idx="0">
+      <cs:styleClr val="auto"/>
+    </cs:lnRef>
+    <cs:fillRef idx="0">
+      <cs:styleClr val="auto"/>
+    </cs:fillRef>
+    <cs:effectRef idx="0"/>
+    <cs:fontRef idx="minor">
+      <a:schemeClr val="dk1"/>
+    </cs:fontRef>
+    <cs:spPr>
+      <a:solidFill>
+        <a:schemeClr val="phClr"/>
+      </a:solidFill>
+      <a:ln w="9525">
+        <a:solidFill>
+          <a:schemeClr val="phClr"/>
+        </a:solidFill>
+        <a:round/>
+      </a:ln>
+    </cs:spPr>
+  </cs:dataPointMarker>
+  <cs:dataPointMarkerLayout size="6"/>
+  <cs:dataPointWireframe>
+    <cs:lnRef idx="0">
+      <cs:styleClr val="auto"/>
+    </cs:lnRef>
+    <cs:fillRef idx="0"/>
+    <cs:effectRef idx="0"/>
+    <cs:fontRef idx="minor">
+      <a:schemeClr val="dk1"/>
+    </cs:fontRef>
+    <cs:spPr>
+      <a:ln w="9525" cap="rnd">
+        <a:solidFill>
+          <a:schemeClr val="phClr"/>
+        </a:solidFill>
+        <a:round/>
+      </a:ln>
+    </cs:spPr>
+  </cs:dataPointWireframe>
+  <cs:dataTable>
+    <cs:lnRef idx="0"/>
+    <cs:fillRef idx="0"/>
+    <cs:effectRef idx="0"/>
+    <cs:fontRef idx="minor">
+      <a:schemeClr val="tx1">
+        <a:lumMod val="65000"/>
+        <a:lumOff val="35000"/>
+      </a:schemeClr>
+    </cs:fontRef>
+    <cs:spPr>
+      <a:ln w="9525">
+        <a:solidFill>
+          <a:schemeClr val="tx1">
+            <a:lumMod val="15000"/>
+            <a:lumOff val="85000"/>
+          </a:schemeClr>
+        </a:solidFill>
+      </a:ln>
+    </cs:spPr>
+    <cs:defRPr sz="900" kern="1200"/>
+  </cs:dataTable>
+  <cs:downBar>
+    <cs:lnRef idx="0"/>
+    <cs:fillRef idx="0"/>
+    <cs:effectRef idx="0"/>
+    <cs:fontRef idx="minor">
+      <a:schemeClr val="dk1"/>
+    </cs:fontRef>
+    <cs:spPr>
+      <a:solidFill>
+        <a:schemeClr val="dk1">
+          <a:lumMod val="75000"/>
+          <a:lumOff val="25000"/>
+        </a:schemeClr>
+      </a:solidFill>
+      <a:ln w="9525">
+        <a:solidFill>
+          <a:schemeClr val="tx1">
+            <a:lumMod val="15000"/>
+            <a:lumOff val="85000"/>
+          </a:schemeClr>
+        </a:solidFill>
+      </a:ln>
+    </cs:spPr>
+  </cs:downBar>
+  <cs:dropLine>
+    <cs:lnRef idx="0"/>
+    <cs:fillRef idx="0"/>
+    <cs:effectRef idx="0"/>
+    <cs:fontRef idx="minor">
+      <a:schemeClr val="dk1"/>
+    </cs:fontRef>
+    <cs:spPr>
+      <a:ln w="9525">
+        <a:solidFill>
+          <a:schemeClr val="tx1">
+            <a:lumMod val="35000"/>
+            <a:lumOff val="65000"/>
+          </a:schemeClr>
+        </a:solidFill>
+      </a:ln>
+    </cs:spPr>
+  </cs:dropLine>
+  <cs:errorBar>
+    <cs:lnRef idx="0"/>
+    <cs:fillRef idx="0"/>
+    <cs:effectRef idx="0"/>
+    <cs:fontRef idx="minor">
+      <a:schemeClr val="dk1"/>
+    </cs:fontRef>
+    <cs:spPr>
+      <a:ln w="9525">
+        <a:solidFill>
+          <a:schemeClr val="tx1">
+            <a:lumMod val="65000"/>
+            <a:lumOff val="35000"/>
+          </a:schemeClr>
+        </a:solidFill>
+        <a:round/>
+      </a:ln>
+    </cs:spPr>
+  </cs:errorBar>
+  <cs:floor>
+    <cs:lnRef idx="0"/>
+    <cs:fillRef idx="0"/>
+    <cs:effectRef idx="0"/>
+    <cs:fontRef idx="minor">
+      <a:schemeClr val="dk1"/>
+    </cs:fontRef>
+  </cs:floor>
+  <cs:gridlineMajor>
+    <cs:lnRef idx="0"/>
+    <cs:fillRef idx="0"/>
+    <cs:effectRef idx="0"/>
+    <cs:fontRef idx="minor">
+      <a:schemeClr val="dk1"/>
+    </cs:fontRef>
+    <cs:spPr>
+      <a:ln w="9525" cap="flat" cmpd="sng" algn="ctr">
+        <a:solidFill>
+          <a:schemeClr val="tx1">
+            <a:lumMod val="15000"/>
+            <a:lumOff val="85000"/>
+          </a:schemeClr>
+        </a:solidFill>
+        <a:round/>
+      </a:ln>
+    </cs:spPr>
+  </cs:gridlineMajor>
+  <cs:gridlineMinor>
+    <cs:lnRef idx="0"/>
+    <cs:fillRef idx="0"/>
+    <cs:effectRef idx="0"/>
+    <cs:fontRef idx="minor">
+      <a:schemeClr val="dk1"/>
+    </cs:fontRef>
+    <cs:spPr>
+      <a:ln>
+        <a:solidFill>
+          <a:schemeClr val="tx1">
+            <a:lumMod val="5000"/>
+            <a:lumOff val="95000"/>
+          </a:schemeClr>
+        </a:solidFill>
+      </a:ln>
+    </cs:spPr>
+  </cs:gridlineMinor>
+  <cs:hiLoLine>
+    <cs:lnRef idx="0"/>
+    <cs:fillRef idx="0"/>
+    <cs:effectRef idx="0"/>
+    <cs:fontRef idx="minor">
+      <a:schemeClr val="dk1"/>
+    </cs:fontRef>
+    <cs:spPr>
+      <a:ln w="9525">
+        <a:solidFill>
+          <a:schemeClr val="tx1">
+            <a:lumMod val="50000"/>
+            <a:lumOff val="50000"/>
+          </a:schemeClr>
+        </a:solidFill>
+      </a:ln>
+    </cs:spPr>
+  </cs:hiLoLine>
+  <cs:leaderLine>
+    <cs:lnRef idx="0"/>
+    <cs:fillRef idx="0"/>
+    <cs:effectRef idx="0"/>
+    <cs:fontRef idx="minor">
+      <a:schemeClr val="dk1"/>
+    </cs:fontRef>
+    <cs:spPr>
+      <a:ln w="9525">
+        <a:solidFill>
+          <a:schemeClr val="tx1">
+            <a:lumMod val="35000"/>
+            <a:lumOff val="65000"/>
+          </a:schemeClr>
+        </a:solidFill>
+      </a:ln>
+    </cs:spPr>
+  </cs:leaderLine>
+  <cs:legend>
+    <cs:lnRef idx="0"/>
+    <cs:fillRef idx="0"/>
+    <cs:effectRef idx="0"/>
+    <cs:fontRef idx="minor">
+      <a:schemeClr val="tx1">
+        <a:lumMod val="65000"/>
+        <a:lumOff val="35000"/>
+      </a:schemeClr>
+    </cs:fontRef>
+    <cs:defRPr sz="900" kern="1200"/>
+  </cs:legend>
+  <cs:plotArea mods="allowNoFillOverride allowNoLineOverride">
+    <cs:lnRef idx="0"/>
+    <cs:fillRef idx="0"/>
+    <cs:effectRef idx="0"/>
+    <cs:fontRef idx="minor">
+      <a:schemeClr val="dk1"/>
+    </cs:fontRef>
+  </cs:plotArea>
+  <cs:plotArea3D mods="allowNoFillOverride allowNoLineOverride">
+    <cs:lnRef idx="0"/>
+    <cs:fillRef idx="0"/>
+    <cs:effectRef idx="0"/>
+    <cs:fontRef idx="minor">
+      <a:schemeClr val="dk1"/>
+    </cs:fontRef>
+  </cs:plotArea3D>
+  <cs:seriesAxis>
+    <cs:lnRef idx="0"/>
+    <cs:fillRef idx="0"/>
+    <cs:effectRef idx="0"/>
+    <cs:fontRef idx="minor">
+      <a:schemeClr val="tx1">
+        <a:lumMod val="65000"/>
+        <a:lumOff val="35000"/>
+      </a:schemeClr>
+    </cs:fontRef>
+    <cs:spPr>
+      <a:ln w="9525" cap="flat" cmpd="sng" algn="ctr">
+        <a:solidFill>
+          <a:schemeClr val="tx1">
+            <a:lumMod val="15000"/>
+            <a:lumOff val="85000"/>
+          </a:schemeClr>
+        </a:solidFill>
+        <a:round/>
+      </a:ln>
+    </cs:spPr>
+    <cs:defRPr sz="900" kern="1200"/>
+  </cs:seriesAxis>
+  <cs:seriesLine>
+    <cs:lnRef idx="0"/>
+    <cs:fillRef idx="0"/>
+    <cs:effectRef idx="0"/>
+    <cs:fontRef idx="minor">
+      <a:schemeClr val="dk1"/>
+    </cs:fontRef>
+    <cs:spPr>
+      <a:ln w="9525">
+        <a:solidFill>
+          <a:schemeClr val="tx1">
+            <a:lumMod val="35000"/>
+            <a:lumOff val="65000"/>
+          </a:schemeClr>
+        </a:solidFill>
+        <a:round/>
+      </a:ln>
+    </cs:spPr>
+  </cs:seriesLine>
+  <cs:title>
+    <cs:lnRef idx="0"/>
+    <cs:fillRef idx="0"/>
+    <cs:effectRef idx="0"/>
+    <cs:fontRef idx="minor">
+      <a:schemeClr val="tx1">
+        <a:lumMod val="65000"/>
+        <a:lumOff val="35000"/>
+      </a:schemeClr>
+    </cs:fontRef>
+    <cs:defRPr sz="1600" b="1" kern="1200" cap="all" spc="120" normalizeH="0" baseline="0"/>
+  </cs:title>
+  <cs:trendline>
+    <cs:lnRef idx="0">
+      <cs:styleClr val="auto"/>
+    </cs:lnRef>
+    <cs:fillRef idx="0"/>
+    <cs:effectRef idx="0"/>
+    <cs:fontRef idx="minor">
+      <a:schemeClr val="dk1"/>
+    </cs:fontRef>
+    <cs:spPr>
+      <a:ln w="19050" cap="rnd">
+        <a:solidFill>
+          <a:schemeClr val="phClr"/>
+        </a:solidFill>
+        <a:prstDash val="sysDash"/>
+      </a:ln>
+    </cs:spPr>
+  </cs:trendline>
+  <cs:trendlineLabel>
+    <cs:lnRef idx="0"/>
+    <cs:fillRef idx="0"/>
+    <cs:effectRef idx="0"/>
+    <cs:fontRef idx="minor">
+      <a:schemeClr val="tx1">
+        <a:lumMod val="65000"/>
+        <a:lumOff val="35000"/>
+      </a:schemeClr>
+    </cs:fontRef>
+    <cs:defRPr sz="800" kern="1200"/>
+  </cs:trendlineLabel>
+  <cs:upBar>
+    <cs:lnRef idx="0"/>
+    <cs:fillRef idx="0"/>
+    <cs:effectRef idx="0"/>
+    <cs:fontRef idx="minor">
+      <a:schemeClr val="dk1"/>
+    </cs:fontRef>
+    <cs:spPr>
+      <a:solidFill>
+        <a:schemeClr val="lt1"/>
+      </a:solidFill>
+      <a:ln w="9525">
+        <a:solidFill>
+          <a:schemeClr val="tx1">
+            <a:lumMod val="65000"/>
+            <a:lumOff val="35000"/>
+          </a:schemeClr>
+        </a:solidFill>
+      </a:ln>
+    </cs:spPr>
+  </cs:upBar>
+  <cs:valueAxis>
+    <cs:lnRef idx="0"/>
+    <cs:fillRef idx="0"/>
+    <cs:effectRef idx="0"/>
+    <cs:fontRef idx="minor">
+      <a:schemeClr val="tx1">
+        <a:lumMod val="65000"/>
+        <a:lumOff val="35000"/>
+      </a:schemeClr>
+    </cs:fontRef>
+    <cs:spPr>
+      <a:ln w="9525" cap="flat" cmpd="sng" algn="ctr">
+        <a:solidFill>
+          <a:schemeClr val="dk1">
+            <a:lumMod val="15000"/>
+            <a:lumOff val="85000"/>
+          </a:schemeClr>
+        </a:solidFill>
+        <a:round/>
+      </a:ln>
+    </cs:spPr>
+    <cs:defRPr sz="900" kern="1200"/>
+  </cs:valueAxis>
+  <cs:wall>
+    <cs:lnRef idx="0"/>
+    <cs:fillRef idx="0"/>
+    <cs:effectRef idx="0"/>
+    <cs:fontRef idx="minor">
+      <a:schemeClr val="dk1"/>
+    </cs:fontRef>
+  </cs:wall>
+</cs:chartStyle>
+</file>
+
+<file path=ppt/charts/style2.xml><?xml version="1.0" encoding="utf-8"?>
+<cs:chartStyle xmlns:cs="http://schemas.microsoft.com/office/drawing/2012/chartStyle" xmlns:a="http://schemas.openxmlformats.org/drawingml/2006/main" id="202">
+  <cs:axisTitle>
+    <cs:lnRef idx="0"/>
+    <cs:fillRef idx="0"/>
+    <cs:effectRef idx="0"/>
+    <cs:fontRef idx="minor">
+      <a:schemeClr val="tx1">
+        <a:lumMod val="65000"/>
+        <a:lumOff val="35000"/>
+      </a:schemeClr>
+    </cs:fontRef>
+    <cs:defRPr sz="900" kern="1200" cap="all"/>
+  </cs:axisTitle>
+  <cs:categoryAxis>
+    <cs:lnRef idx="0"/>
+    <cs:fillRef idx="0"/>
+    <cs:effectRef idx="0"/>
+    <cs:fontRef idx="minor">
+      <a:schemeClr val="tx1">
+        <a:lumMod val="65000"/>
+        <a:lumOff val="35000"/>
+      </a:schemeClr>
+    </cs:fontRef>
+    <cs:spPr>
+      <a:ln w="9525" cap="flat" cmpd="sng" algn="ctr">
+        <a:solidFill>
+          <a:schemeClr val="tx1">
+            <a:lumMod val="15000"/>
+            <a:lumOff val="85000"/>
+          </a:schemeClr>
+        </a:solidFill>
+        <a:round/>
+      </a:ln>
+    </cs:spPr>
+    <cs:defRPr sz="800" kern="1200" cap="all" spc="120" normalizeH="0" baseline="0"/>
+  </cs:categoryAxis>
+  <cs:chartArea mods="allowNoFillOverride allowNoLineOverride">
+    <cs:lnRef idx="0"/>
+    <cs:fillRef idx="0"/>
+    <cs:effectRef idx="0"/>
+    <cs:fontRef idx="minor">
+      <a:schemeClr val="dk1"/>
+    </cs:fontRef>
+    <cs:spPr>
+      <a:solidFill>
+        <a:schemeClr val="lt1"/>
+      </a:solidFill>
+      <a:ln w="9525" cap="flat" cmpd="sng" algn="ctr">
+        <a:solidFill>
+          <a:schemeClr val="tx1">
+            <a:lumMod val="15000"/>
+            <a:lumOff val="85000"/>
+          </a:schemeClr>
+        </a:solidFill>
+        <a:round/>
+      </a:ln>
+    </cs:spPr>
+    <cs:defRPr sz="900" kern="1200"/>
+  </cs:chartArea>
+  <cs:dataLabel>
+    <cs:lnRef idx="0"/>
+    <cs:fillRef idx="0"/>
+    <cs:effectRef idx="0"/>
+    <cs:fontRef idx="minor">
+      <a:schemeClr val="tx1">
+        <a:lumMod val="50000"/>
+        <a:lumOff val="50000"/>
+      </a:schemeClr>
+    </cs:fontRef>
+    <cs:defRPr sz="800" b="0" i="0" u="none" strike="noStrike" kern="1200" baseline="0"/>
+    <cs:bodyPr rot="-5400000" spcFirstLastPara="1" vertOverflow="clip" horzOverflow="clip" vert="horz" wrap="square" lIns="38100" tIns="19050" rIns="38100" bIns="19050" anchor="ctr" anchorCtr="1">
+      <a:spAutoFit/>
+    </cs:bodyPr>
+  </cs:dataLabel>
+  <cs:dataLabelCallout>
+    <cs:lnRef idx="0"/>
+    <cs:fillRef idx="0"/>
+    <cs:effectRef idx="0"/>
+    <cs:fontRef idx="minor">
+      <a:schemeClr val="dk1">
+        <a:lumMod val="65000"/>
+        <a:lumOff val="35000"/>
+      </a:schemeClr>
+    </cs:fontRef>
+    <cs:spPr>
+      <a:solidFill>
+        <a:schemeClr val="lt1"/>
+      </a:solidFill>
+      <a:ln>
+        <a:solidFill>
+          <a:schemeClr val="dk1">
+            <a:lumMod val="25000"/>
+            <a:lumOff val="75000"/>
+          </a:schemeClr>
+        </a:solidFill>
+      </a:ln>
+    </cs:spPr>
+    <cs:defRPr sz="900" kern="1200"/>
+    <cs:bodyPr rot="0" spcFirstLastPara="1" vertOverflow="clip" horzOverflow="clip" vert="horz" wrap="square" lIns="36576" tIns="18288" rIns="36576" bIns="18288" anchor="ctr" anchorCtr="1">
+      <a:spAutoFit/>
+    </cs:bodyPr>
+  </cs:dataLabelCallout>
+  <cs:dataPoint>
+    <cs:lnRef idx="0"/>
+    <cs:fillRef idx="0">
+      <cs:styleClr val="auto"/>
+    </cs:fillRef>
+    <cs:effectRef idx="0"/>
+    <cs:fontRef idx="minor">
+      <a:schemeClr val="dk1"/>
+    </cs:fontRef>
+    <cs:spPr>
+      <a:solidFill>
+        <a:schemeClr val="phClr"/>
+      </a:solidFill>
+    </cs:spPr>
+  </cs:dataPoint>
+  <cs:dataPoint3D>
+    <cs:lnRef idx="0"/>
+    <cs:fillRef idx="0">
+      <cs:styleClr val="auto"/>
+    </cs:fillRef>
+    <cs:effectRef idx="0"/>
+    <cs:fontRef idx="minor">
+      <a:schemeClr val="dk1"/>
+    </cs:fontRef>
+    <cs:spPr>
+      <a:solidFill>
+        <a:schemeClr val="phClr"/>
+      </a:solidFill>
+    </cs:spPr>
+  </cs:dataPoint3D>
+  <cs:dataPointLine>
+    <cs:lnRef idx="0">
+      <cs:styleClr val="auto"/>
+    </cs:lnRef>
+    <cs:fillRef idx="0"/>
+    <cs:effectRef idx="0"/>
+    <cs:fontRef idx="minor">
+      <a:schemeClr val="dk1"/>
+    </cs:fontRef>
+    <cs:spPr>
+      <a:ln w="22225" cap="rnd">
+        <a:solidFill>
+          <a:schemeClr val="phClr"/>
+        </a:solidFill>
+        <a:round/>
+      </a:ln>
+    </cs:spPr>
+  </cs:dataPointLine>
+  <cs:dataPointMarker>
+    <cs:lnRef idx="0">
+      <cs:styleClr val="auto"/>
+    </cs:lnRef>
+    <cs:fillRef idx="0">
+      <cs:styleClr val="auto"/>
+    </cs:fillRef>
+    <cs:effectRef idx="0"/>
+    <cs:fontRef idx="minor">
+      <a:schemeClr val="dk1"/>
+    </cs:fontRef>
+    <cs:spPr>
+      <a:solidFill>
+        <a:schemeClr val="phClr"/>
+      </a:solidFill>
+      <a:ln w="9525">
+        <a:solidFill>
+          <a:schemeClr val="phClr"/>
+        </a:solidFill>
+        <a:round/>
+      </a:ln>
+    </cs:spPr>
+  </cs:dataPointMarker>
+  <cs:dataPointMarkerLayout size="6"/>
+  <cs:dataPointWireframe>
+    <cs:lnRef idx="0">
+      <cs:styleClr val="auto"/>
+    </cs:lnRef>
+    <cs:fillRef idx="0"/>
+    <cs:effectRef idx="0"/>
+    <cs:fontRef idx="minor">
+      <a:schemeClr val="dk1"/>
+    </cs:fontRef>
+    <cs:spPr>
+      <a:ln w="9525" cap="rnd">
+        <a:solidFill>
+          <a:schemeClr val="phClr"/>
+        </a:solidFill>
+        <a:round/>
+      </a:ln>
+    </cs:spPr>
+  </cs:dataPointWireframe>
+  <cs:dataTable>
+    <cs:lnRef idx="0"/>
+    <cs:fillRef idx="0"/>
+    <cs:effectRef idx="0"/>
+    <cs:fontRef idx="minor">
+      <a:schemeClr val="tx1">
+        <a:lumMod val="65000"/>
+        <a:lumOff val="35000"/>
+      </a:schemeClr>
+    </cs:fontRef>
+    <cs:spPr>
+      <a:ln w="9525">
+        <a:solidFill>
+          <a:schemeClr val="tx1">
+            <a:lumMod val="15000"/>
+            <a:lumOff val="85000"/>
+          </a:schemeClr>
+        </a:solidFill>
+      </a:ln>
+    </cs:spPr>
+    <cs:defRPr sz="900" kern="1200"/>
+  </cs:dataTable>
+  <cs:downBar>
+    <cs:lnRef idx="0"/>
+    <cs:fillRef idx="0"/>
+    <cs:effectRef idx="0"/>
+    <cs:fontRef idx="minor">
+      <a:schemeClr val="dk1"/>
+    </cs:fontRef>
+    <cs:spPr>
+      <a:solidFill>
+        <a:schemeClr val="dk1">
+          <a:lumMod val="75000"/>
+          <a:lumOff val="25000"/>
+        </a:schemeClr>
+      </a:solidFill>
+      <a:ln w="9525">
+        <a:solidFill>
+          <a:schemeClr val="tx1">
+            <a:lumMod val="15000"/>
+            <a:lumOff val="85000"/>
+          </a:schemeClr>
+        </a:solidFill>
+      </a:ln>
+    </cs:spPr>
+  </cs:downBar>
+  <cs:dropLine>
+    <cs:lnRef idx="0"/>
+    <cs:fillRef idx="0"/>
+    <cs:effectRef idx="0"/>
+    <cs:fontRef idx="minor">
+      <a:schemeClr val="dk1"/>
+    </cs:fontRef>
+    <cs:spPr>
+      <a:ln w="9525">
+        <a:solidFill>
+          <a:schemeClr val="tx1">
+            <a:lumMod val="35000"/>
+            <a:lumOff val="65000"/>
+          </a:schemeClr>
+        </a:solidFill>
+      </a:ln>
+    </cs:spPr>
+  </cs:dropLine>
+  <cs:errorBar>
+    <cs:lnRef idx="0"/>
+    <cs:fillRef idx="0"/>
+    <cs:effectRef idx="0"/>
+    <cs:fontRef idx="minor">
+      <a:schemeClr val="dk1"/>
+    </cs:fontRef>
+    <cs:spPr>
+      <a:ln w="9525">
+        <a:solidFill>
+          <a:schemeClr val="tx1">
+            <a:lumMod val="65000"/>
+            <a:lumOff val="35000"/>
+          </a:schemeClr>
+        </a:solidFill>
+        <a:round/>
+      </a:ln>
+    </cs:spPr>
+  </cs:errorBar>
+  <cs:floor>
+    <cs:lnRef idx="0"/>
+    <cs:fillRef idx="0"/>
+    <cs:effectRef idx="0"/>
+    <cs:fontRef idx="minor">
+      <a:schemeClr val="dk1"/>
+    </cs:fontRef>
+  </cs:floor>
+  <cs:gridlineMajor>
+    <cs:lnRef idx="0"/>
+    <cs:fillRef idx="0"/>
+    <cs:effectRef idx="0"/>
+    <cs:fontRef idx="minor">
+      <a:schemeClr val="dk1"/>
+    </cs:fontRef>
+    <cs:spPr>
+      <a:ln w="9525" cap="flat" cmpd="sng" algn="ctr">
+        <a:solidFill>
+          <a:schemeClr val="tx1">
+            <a:lumMod val="15000"/>
+            <a:lumOff val="85000"/>
+          </a:schemeClr>
+        </a:solidFill>
+        <a:round/>
+      </a:ln>
+    </cs:spPr>
+  </cs:gridlineMajor>
+  <cs:gridlineMinor>
+    <cs:lnRef idx="0"/>
+    <cs:fillRef idx="0"/>
+    <cs:effectRef idx="0"/>
+    <cs:fontRef idx="minor">
+      <a:schemeClr val="dk1"/>
+    </cs:fontRef>
+    <cs:spPr>
+      <a:ln>
+        <a:solidFill>
+          <a:schemeClr val="tx1">
+            <a:lumMod val="5000"/>
+            <a:lumOff val="95000"/>
+          </a:schemeClr>
+        </a:solidFill>
+      </a:ln>
+    </cs:spPr>
+  </cs:gridlineMinor>
+  <cs:hiLoLine>
+    <cs:lnRef idx="0"/>
+    <cs:fillRef idx="0"/>
+    <cs:effectRef idx="0"/>
+    <cs:fontRef idx="minor">
+      <a:schemeClr val="dk1"/>
+    </cs:fontRef>
+    <cs:spPr>
+      <a:ln w="9525">
+        <a:solidFill>
+          <a:schemeClr val="tx1">
+            <a:lumMod val="50000"/>
+            <a:lumOff val="50000"/>
+          </a:schemeClr>
+        </a:solidFill>
+      </a:ln>
+    </cs:spPr>
+  </cs:hiLoLine>
+  <cs:leaderLine>
+    <cs:lnRef idx="0"/>
+    <cs:fillRef idx="0"/>
+    <cs:effectRef idx="0"/>
+    <cs:fontRef idx="minor">
+      <a:schemeClr val="dk1"/>
+    </cs:fontRef>
+    <cs:spPr>
+      <a:ln w="9525">
+        <a:solidFill>
+          <a:schemeClr val="tx1">
+            <a:lumMod val="35000"/>
+            <a:lumOff val="65000"/>
+          </a:schemeClr>
+        </a:solidFill>
+      </a:ln>
+    </cs:spPr>
+  </cs:leaderLine>
+  <cs:legend>
+    <cs:lnRef idx="0"/>
+    <cs:fillRef idx="0"/>
+    <cs:effectRef idx="0"/>
+    <cs:fontRef idx="minor">
+      <a:schemeClr val="tx1">
+        <a:lumMod val="65000"/>
+        <a:lumOff val="35000"/>
+      </a:schemeClr>
+    </cs:fontRef>
+    <cs:defRPr sz="900" kern="1200"/>
+  </cs:legend>
+  <cs:plotArea mods="allowNoFillOverride allowNoLineOverride">
+    <cs:lnRef idx="0"/>
+    <cs:fillRef idx="0"/>
+    <cs:effectRef idx="0"/>
+    <cs:fontRef idx="minor">
+      <a:schemeClr val="dk1"/>
+    </cs:fontRef>
+  </cs:plotArea>
+  <cs:plotArea3D mods="allowNoFillOverride allowNoLineOverride">
+    <cs:lnRef idx="0"/>
+    <cs:fillRef idx="0"/>
+    <cs:effectRef idx="0"/>
+    <cs:fontRef idx="minor">
+      <a:schemeClr val="dk1"/>
+    </cs:fontRef>
+  </cs:plotArea3D>
+  <cs:seriesAxis>
+    <cs:lnRef idx="0"/>
+    <cs:fillRef idx="0"/>
+    <cs:effectRef idx="0"/>
+    <cs:fontRef idx="minor">
+      <a:schemeClr val="tx1">
+        <a:lumMod val="65000"/>
+        <a:lumOff val="35000"/>
+      </a:schemeClr>
+    </cs:fontRef>
+    <cs:spPr>
+      <a:ln w="9525" cap="flat" cmpd="sng" algn="ctr">
+        <a:solidFill>
+          <a:schemeClr val="tx1">
+            <a:lumMod val="15000"/>
+            <a:lumOff val="85000"/>
+          </a:schemeClr>
+        </a:solidFill>
+        <a:round/>
+      </a:ln>
+    </cs:spPr>
+    <cs:defRPr sz="900" kern="1200"/>
+  </cs:seriesAxis>
+  <cs:seriesLine>
+    <cs:lnRef idx="0"/>
+    <cs:fillRef idx="0"/>
+    <cs:effectRef idx="0"/>
+    <cs:fontRef idx="minor">
+      <a:schemeClr val="dk1"/>
+    </cs:fontRef>
+    <cs:spPr>
+      <a:ln w="9525">
+        <a:solidFill>
+          <a:schemeClr val="tx1">
+            <a:lumMod val="35000"/>
+            <a:lumOff val="65000"/>
+          </a:schemeClr>
+        </a:solidFill>
+        <a:round/>
+      </a:ln>
+    </cs:spPr>
+  </cs:seriesLine>
+  <cs:title>
+    <cs:lnRef idx="0"/>
+    <cs:fillRef idx="0"/>
+    <cs:effectRef idx="0"/>
+    <cs:fontRef idx="minor">
+      <a:schemeClr val="tx1">
+        <a:lumMod val="65000"/>
+        <a:lumOff val="35000"/>
+      </a:schemeClr>
+    </cs:fontRef>
+    <cs:defRPr sz="1600" b="1" kern="1200" cap="all" spc="120" normalizeH="0" baseline="0"/>
+  </cs:title>
+  <cs:trendline>
+    <cs:lnRef idx="0">
+      <cs:styleClr val="auto"/>
+    </cs:lnRef>
+    <cs:fillRef idx="0"/>
+    <cs:effectRef idx="0"/>
+    <cs:fontRef idx="minor">
+      <a:schemeClr val="dk1"/>
+    </cs:fontRef>
+    <cs:spPr>
+      <a:ln w="19050" cap="rnd">
+        <a:solidFill>
+          <a:schemeClr val="phClr"/>
+        </a:solidFill>
+        <a:prstDash val="sysDash"/>
+      </a:ln>
+    </cs:spPr>
+  </cs:trendline>
+  <cs:trendlineLabel>
+    <cs:lnRef idx="0"/>
+    <cs:fillRef idx="0"/>
+    <cs:effectRef idx="0"/>
+    <cs:fontRef idx="minor">
+      <a:schemeClr val="tx1">
+        <a:lumMod val="65000"/>
+        <a:lumOff val="35000"/>
+      </a:schemeClr>
+    </cs:fontRef>
+    <cs:defRPr sz="800" kern="1200"/>
+  </cs:trendlineLabel>
+  <cs:upBar>
+    <cs:lnRef idx="0"/>
+    <cs:fillRef idx="0"/>
+    <cs:effectRef idx="0"/>
+    <cs:fontRef idx="minor">
+      <a:schemeClr val="dk1"/>
+    </cs:fontRef>
+    <cs:spPr>
+      <a:solidFill>
+        <a:schemeClr val="lt1"/>
+      </a:solidFill>
+      <a:ln w="9525">
+        <a:solidFill>
+          <a:schemeClr val="tx1">
+            <a:lumMod val="65000"/>
+            <a:lumOff val="35000"/>
+          </a:schemeClr>
+        </a:solidFill>
+      </a:ln>
+    </cs:spPr>
+  </cs:upBar>
+  <cs:valueAxis>
+    <cs:lnRef idx="0"/>
+    <cs:fillRef idx="0"/>
+    <cs:effectRef idx="0"/>
+    <cs:fontRef idx="minor">
+      <a:schemeClr val="tx1">
+        <a:lumMod val="65000"/>
+        <a:lumOff val="35000"/>
+      </a:schemeClr>
+    </cs:fontRef>
+    <cs:spPr>
+      <a:ln w="9525" cap="flat" cmpd="sng" algn="ctr">
+        <a:solidFill>
+          <a:schemeClr val="dk1">
+            <a:lumMod val="15000"/>
+            <a:lumOff val="85000"/>
+          </a:schemeClr>
+        </a:solidFill>
+        <a:round/>
+      </a:ln>
+    </cs:spPr>
+    <cs:defRPr sz="900" kern="1200"/>
+  </cs:valueAxis>
+  <cs:wall>
+    <cs:lnRef idx="0"/>
+    <cs:fillRef idx="0"/>
+    <cs:effectRef idx="0"/>
+    <cs:fontRef idx="minor">
+      <a:schemeClr val="dk1"/>
+    </cs:fontRef>
+  </cs:wall>
+</cs:chartStyle>
+</file>
+
+<file path=ppt/charts/style3.xml><?xml version="1.0" encoding="utf-8"?>
+<cs:chartStyle xmlns:cs="http://schemas.microsoft.com/office/drawing/2012/chartStyle" xmlns:a="http://schemas.openxmlformats.org/drawingml/2006/main" id="202">
+  <cs:axisTitle>
+    <cs:lnRef idx="0"/>
+    <cs:fillRef idx="0"/>
+    <cs:effectRef idx="0"/>
+    <cs:fontRef idx="minor">
+      <a:schemeClr val="tx1">
+        <a:lumMod val="65000"/>
+        <a:lumOff val="35000"/>
+      </a:schemeClr>
+    </cs:fontRef>
+    <cs:defRPr sz="900" kern="1200" cap="all"/>
+  </cs:axisTitle>
+  <cs:categoryAxis>
+    <cs:lnRef idx="0"/>
+    <cs:fillRef idx="0"/>
+    <cs:effectRef idx="0"/>
+    <cs:fontRef idx="minor">
+      <a:schemeClr val="tx1">
+        <a:lumMod val="65000"/>
+        <a:lumOff val="35000"/>
+      </a:schemeClr>
+    </cs:fontRef>
+    <cs:spPr>
+      <a:ln w="9525" cap="flat" cmpd="sng" algn="ctr">
+        <a:solidFill>
+          <a:schemeClr val="tx1">
+            <a:lumMod val="15000"/>
+            <a:lumOff val="85000"/>
+          </a:schemeClr>
+        </a:solidFill>
+        <a:round/>
+      </a:ln>
+    </cs:spPr>
+    <cs:defRPr sz="800" kern="1200" cap="all" spc="120" normalizeH="0" baseline="0"/>
+  </cs:categoryAxis>
+  <cs:chartArea mods="allowNoFillOverride allowNoLineOverride">
+    <cs:lnRef idx="0"/>
+    <cs:fillRef idx="0"/>
+    <cs:effectRef idx="0"/>
+    <cs:fontRef idx="minor">
+      <a:schemeClr val="dk1"/>
+    </cs:fontRef>
+    <cs:spPr>
+      <a:solidFill>
+        <a:schemeClr val="lt1"/>
+      </a:solidFill>
+      <a:ln w="9525" cap="flat" cmpd="sng" algn="ctr">
+        <a:solidFill>
+          <a:schemeClr val="tx1">
+            <a:lumMod val="15000"/>
+            <a:lumOff val="85000"/>
+          </a:schemeClr>
+        </a:solidFill>
+        <a:round/>
+      </a:ln>
+    </cs:spPr>
+    <cs:defRPr sz="900" kern="1200"/>
+  </cs:chartArea>
+  <cs:dataLabel>
+    <cs:lnRef idx="0"/>
+    <cs:fillRef idx="0"/>
+    <cs:effectRef idx="0"/>
+    <cs:fontRef idx="minor">
+      <a:schemeClr val="tx1">
+        <a:lumMod val="50000"/>
+        <a:lumOff val="50000"/>
+      </a:schemeClr>
+    </cs:fontRef>
+    <cs:defRPr sz="800" b="0" i="0" u="none" strike="noStrike" kern="1200" baseline="0"/>
+    <cs:bodyPr rot="-5400000" spcFirstLastPara="1" vertOverflow="clip" horzOverflow="clip" vert="horz" wrap="square" lIns="38100" tIns="19050" rIns="38100" bIns="19050" anchor="ctr" anchorCtr="1">
+      <a:spAutoFit/>
+    </cs:bodyPr>
+  </cs:dataLabel>
+  <cs:dataLabelCallout>
+    <cs:lnRef idx="0"/>
+    <cs:fillRef idx="0"/>
+    <cs:effectRef idx="0"/>
+    <cs:fontRef idx="minor">
+      <a:schemeClr val="dk1">
+        <a:lumMod val="65000"/>
+        <a:lumOff val="35000"/>
+      </a:schemeClr>
+    </cs:fontRef>
+    <cs:spPr>
+      <a:solidFill>
+        <a:schemeClr val="lt1"/>
+      </a:solidFill>
+      <a:ln>
+        <a:solidFill>
+          <a:schemeClr val="dk1">
+            <a:lumMod val="25000"/>
+            <a:lumOff val="75000"/>
+          </a:schemeClr>
+        </a:solidFill>
+      </a:ln>
+    </cs:spPr>
+    <cs:defRPr sz="900" kern="1200"/>
+    <cs:bodyPr rot="0" spcFirstLastPara="1" vertOverflow="clip" horzOverflow="clip" vert="horz" wrap="square" lIns="36576" tIns="18288" rIns="36576" bIns="18288" anchor="ctr" anchorCtr="1">
+      <a:spAutoFit/>
+    </cs:bodyPr>
+  </cs:dataLabelCallout>
+  <cs:dataPoint>
+    <cs:lnRef idx="0"/>
+    <cs:fillRef idx="0">
+      <cs:styleClr val="auto"/>
+    </cs:fillRef>
+    <cs:effectRef idx="0"/>
+    <cs:fontRef idx="minor">
+      <a:schemeClr val="dk1"/>
+    </cs:fontRef>
+    <cs:spPr>
+      <a:solidFill>
+        <a:schemeClr val="phClr"/>
+      </a:solidFill>
+    </cs:spPr>
+  </cs:dataPoint>
+  <cs:dataPoint3D>
+    <cs:lnRef idx="0"/>
+    <cs:fillRef idx="0">
+      <cs:styleClr val="auto"/>
+    </cs:fillRef>
+    <cs:effectRef idx="0"/>
+    <cs:fontRef idx="minor">
+      <a:schemeClr val="dk1"/>
+    </cs:fontRef>
+    <cs:spPr>
+      <a:solidFill>
+        <a:schemeClr val="phClr"/>
+      </a:solidFill>
+    </cs:spPr>
+  </cs:dataPoint3D>
+  <cs:dataPointLine>
+    <cs:lnRef idx="0">
+      <cs:styleClr val="auto"/>
+    </cs:lnRef>
+    <cs:fillRef idx="0"/>
+    <cs:effectRef idx="0"/>
+    <cs:fontRef idx="minor">
+      <a:schemeClr val="dk1"/>
+    </cs:fontRef>
+    <cs:spPr>
+      <a:ln w="22225" cap="rnd">
+        <a:solidFill>
+          <a:schemeClr val="phClr"/>
+        </a:solidFill>
+        <a:round/>
+      </a:ln>
+    </cs:spPr>
+  </cs:dataPointLine>
+  <cs:dataPointMarker>
+    <cs:lnRef idx="0">
+      <cs:styleClr val="auto"/>
+    </cs:lnRef>
+    <cs:fillRef idx="0">
+      <cs:styleClr val="auto"/>
+    </cs:fillRef>
+    <cs:effectRef idx="0"/>
+    <cs:fontRef idx="minor">
+      <a:schemeClr val="dk1"/>
+    </cs:fontRef>
+    <cs:spPr>
+      <a:solidFill>
+        <a:schemeClr val="phClr"/>
+      </a:solidFill>
+      <a:ln w="9525">
+        <a:solidFill>
+          <a:schemeClr val="phClr"/>
+        </a:solidFill>
+        <a:round/>
+      </a:ln>
+    </cs:spPr>
+  </cs:dataPointMarker>
+  <cs:dataPointMarkerLayout size="6"/>
+  <cs:dataPointWireframe>
+    <cs:lnRef idx="0">
+      <cs:styleClr val="auto"/>
+    </cs:lnRef>
+    <cs:fillRef idx="0"/>
+    <cs:effectRef idx="0"/>
+    <cs:fontRef idx="minor">
+      <a:schemeClr val="dk1"/>
+    </cs:fontRef>
+    <cs:spPr>
+      <a:ln w="9525" cap="rnd">
+        <a:solidFill>
+          <a:schemeClr val="phClr"/>
+        </a:solidFill>
+        <a:round/>
+      </a:ln>
+    </cs:spPr>
+  </cs:dataPointWireframe>
+  <cs:dataTable>
+    <cs:lnRef idx="0"/>
+    <cs:fillRef idx="0"/>
+    <cs:effectRef idx="0"/>
+    <cs:fontRef idx="minor">
+      <a:schemeClr val="tx1">
+        <a:lumMod val="65000"/>
+        <a:lumOff val="35000"/>
+      </a:schemeClr>
+    </cs:fontRef>
+    <cs:spPr>
+      <a:ln w="9525">
+        <a:solidFill>
+          <a:schemeClr val="tx1">
+            <a:lumMod val="15000"/>
+            <a:lumOff val="85000"/>
+          </a:schemeClr>
+        </a:solidFill>
+      </a:ln>
+    </cs:spPr>
+    <cs:defRPr sz="900" kern="1200"/>
+  </cs:dataTable>
+  <cs:downBar>
+    <cs:lnRef idx="0"/>
+    <cs:fillRef idx="0"/>
+    <cs:effectRef idx="0"/>
+    <cs:fontRef idx="minor">
+      <a:schemeClr val="dk1"/>
+    </cs:fontRef>
+    <cs:spPr>
+      <a:solidFill>
+        <a:schemeClr val="dk1">
+          <a:lumMod val="75000"/>
+          <a:lumOff val="25000"/>
+        </a:schemeClr>
+      </a:solidFill>
+      <a:ln w="9525">
+        <a:solidFill>
+          <a:schemeClr val="tx1">
+            <a:lumMod val="15000"/>
+            <a:lumOff val="85000"/>
+          </a:schemeClr>
+        </a:solidFill>
+      </a:ln>
+    </cs:spPr>
+  </cs:downBar>
+  <cs:dropLine>
+    <cs:lnRef idx="0"/>
+    <cs:fillRef idx="0"/>
+    <cs:effectRef idx="0"/>
+    <cs:fontRef idx="minor">
+      <a:schemeClr val="dk1"/>
+    </cs:fontRef>
+    <cs:spPr>
+      <a:ln w="9525">
+        <a:solidFill>
+          <a:schemeClr val="tx1">
+            <a:lumMod val="35000"/>
+            <a:lumOff val="65000"/>
+          </a:schemeClr>
+        </a:solidFill>
+      </a:ln>
+    </cs:spPr>
+  </cs:dropLine>
+  <cs:errorBar>
+    <cs:lnRef idx="0"/>
+    <cs:fillRef idx="0"/>
+    <cs:effectRef idx="0"/>
+    <cs:fontRef idx="minor">
+      <a:schemeClr val="dk1"/>
+    </cs:fontRef>
+    <cs:spPr>
+      <a:ln w="9525">
+        <a:solidFill>
+          <a:schemeClr val="tx1">
+            <a:lumMod val="65000"/>
+            <a:lumOff val="35000"/>
+          </a:schemeClr>
+        </a:solidFill>
+        <a:round/>
+      </a:ln>
+    </cs:spPr>
+  </cs:errorBar>
+  <cs:floor>
+    <cs:lnRef idx="0"/>
+    <cs:fillRef idx="0"/>
+    <cs:effectRef idx="0"/>
+    <cs:fontRef idx="minor">
+      <a:schemeClr val="dk1"/>
+    </cs:fontRef>
+  </cs:floor>
+  <cs:gridlineMajor>
+    <cs:lnRef idx="0"/>
+    <cs:fillRef idx="0"/>
+    <cs:effectRef idx="0"/>
+    <cs:fontRef idx="minor">
+      <a:schemeClr val="dk1"/>
+    </cs:fontRef>
+    <cs:spPr>
+      <a:ln w="9525" cap="flat" cmpd="sng" algn="ctr">
+        <a:solidFill>
+          <a:schemeClr val="tx1">
+            <a:lumMod val="15000"/>
+            <a:lumOff val="85000"/>
+          </a:schemeClr>
+        </a:solidFill>
+        <a:round/>
+      </a:ln>
+    </cs:spPr>
+  </cs:gridlineMajor>
+  <cs:gridlineMinor>
+    <cs:lnRef idx="0"/>
+    <cs:fillRef idx="0"/>
+    <cs:effectRef idx="0"/>
+    <cs:fontRef idx="minor">
+      <a:schemeClr val="dk1"/>
+    </cs:fontRef>
+    <cs:spPr>
+      <a:ln>
+        <a:solidFill>
+          <a:schemeClr val="tx1">
+            <a:lumMod val="5000"/>
+            <a:lumOff val="95000"/>
+          </a:schemeClr>
+        </a:solidFill>
+      </a:ln>
+    </cs:spPr>
+  </cs:gridlineMinor>
+  <cs:hiLoLine>
+    <cs:lnRef idx="0"/>
+    <cs:fillRef idx="0"/>
+    <cs:effectRef idx="0"/>
+    <cs:fontRef idx="minor">
+      <a:schemeClr val="dk1"/>
+    </cs:fontRef>
+    <cs:spPr>
+      <a:ln w="9525">
+        <a:solidFill>
+          <a:schemeClr val="tx1">
+            <a:lumMod val="50000"/>
+            <a:lumOff val="50000"/>
+          </a:schemeClr>
+        </a:solidFill>
+      </a:ln>
+    </cs:spPr>
+  </cs:hiLoLine>
+  <cs:leaderLine>
+    <cs:lnRef idx="0"/>
+    <cs:fillRef idx="0"/>
+    <cs:effectRef idx="0"/>
+    <cs:fontRef idx="minor">
+      <a:schemeClr val="dk1"/>
+    </cs:fontRef>
+    <cs:spPr>
+      <a:ln w="9525">
+        <a:solidFill>
+          <a:schemeClr val="tx1">
+            <a:lumMod val="35000"/>
+            <a:lumOff val="65000"/>
+          </a:schemeClr>
+        </a:solidFill>
+      </a:ln>
+    </cs:spPr>
+  </cs:leaderLine>
+  <cs:legend>
+    <cs:lnRef idx="0"/>
+    <cs:fillRef idx="0"/>
+    <cs:effectRef idx="0"/>
+    <cs:fontRef idx="minor">
+      <a:schemeClr val="tx1">
+        <a:lumMod val="65000"/>
+        <a:lumOff val="35000"/>
+      </a:schemeClr>
+    </cs:fontRef>
+    <cs:defRPr sz="900" kern="1200"/>
+  </cs:legend>
+  <cs:plotArea mods="allowNoFillOverride allowNoLineOverride">
+    <cs:lnRef idx="0"/>
+    <cs:fillRef idx="0"/>
+    <cs:effectRef idx="0"/>
+    <cs:fontRef idx="minor">
+      <a:schemeClr val="dk1"/>
+    </cs:fontRef>
+  </cs:plotArea>
+  <cs:plotArea3D mods="allowNoFillOverride allowNoLineOverride">
+    <cs:lnRef idx="0"/>
+    <cs:fillRef idx="0"/>
+    <cs:effectRef idx="0"/>
+    <cs:fontRef idx="minor">
+      <a:schemeClr val="dk1"/>
+    </cs:fontRef>
+  </cs:plotArea3D>
+  <cs:seriesAxis>
+    <cs:lnRef idx="0"/>
+    <cs:fillRef idx="0"/>
+    <cs:effectRef idx="0"/>
+    <cs:fontRef idx="minor">
+      <a:schemeClr val="tx1">
+        <a:lumMod val="65000"/>
+        <a:lumOff val="35000"/>
+      </a:schemeClr>
+    </cs:fontRef>
+    <cs:spPr>
+      <a:ln w="9525" cap="flat" cmpd="sng" algn="ctr">
+        <a:solidFill>
+          <a:schemeClr val="tx1">
+            <a:lumMod val="15000"/>
+            <a:lumOff val="85000"/>
+          </a:schemeClr>
+        </a:solidFill>
+        <a:round/>
+      </a:ln>
+    </cs:spPr>
+    <cs:defRPr sz="900" kern="1200"/>
+  </cs:seriesAxis>
+  <cs:seriesLine>
+    <cs:lnRef idx="0"/>
+    <cs:fillRef idx="0"/>
+    <cs:effectRef idx="0"/>
+    <cs:fontRef idx="minor">
+      <a:schemeClr val="dk1"/>
+    </cs:fontRef>
+    <cs:spPr>
+      <a:ln w="9525">
+        <a:solidFill>
+          <a:schemeClr val="tx1">
+            <a:lumMod val="35000"/>
+            <a:lumOff val="65000"/>
+          </a:schemeClr>
+        </a:solidFill>
+        <a:round/>
+      </a:ln>
+    </cs:spPr>
+  </cs:seriesLine>
+  <cs:title>
+    <cs:lnRef idx="0"/>
+    <cs:fillRef idx="0"/>
+    <cs:effectRef idx="0"/>
+    <cs:fontRef idx="minor">
+      <a:schemeClr val="tx1">
+        <a:lumMod val="65000"/>
+        <a:lumOff val="35000"/>
+      </a:schemeClr>
+    </cs:fontRef>
+    <cs:defRPr sz="1600" b="1" kern="1200" cap="all" spc="120" normalizeH="0" baseline="0"/>
+  </cs:title>
+  <cs:trendline>
+    <cs:lnRef idx="0">
+      <cs:styleClr val="auto"/>
+    </cs:lnRef>
+    <cs:fillRef idx="0"/>
+    <cs:effectRef idx="0"/>
+    <cs:fontRef idx="minor">
+      <a:schemeClr val="dk1"/>
+    </cs:fontRef>
+    <cs:spPr>
+      <a:ln w="19050" cap="rnd">
+        <a:solidFill>
+          <a:schemeClr val="phClr"/>
+        </a:solidFill>
+        <a:prstDash val="sysDash"/>
+      </a:ln>
+    </cs:spPr>
+  </cs:trendline>
+  <cs:trendlineLabel>
+    <cs:lnRef idx="0"/>
+    <cs:fillRef idx="0"/>
+    <cs:effectRef idx="0"/>
+    <cs:fontRef idx="minor">
+      <a:schemeClr val="tx1">
+        <a:lumMod val="65000"/>
+        <a:lumOff val="35000"/>
+      </a:schemeClr>
+    </cs:fontRef>
+    <cs:defRPr sz="800" kern="1200"/>
+  </cs:trendlineLabel>
+  <cs:upBar>
+    <cs:lnRef idx="0"/>
+    <cs:fillRef idx="0"/>
+    <cs:effectRef idx="0"/>
+    <cs:fontRef idx="minor">
+      <a:schemeClr val="dk1"/>
+    </cs:fontRef>
+    <cs:spPr>
+      <a:solidFill>
+        <a:schemeClr val="lt1"/>
+      </a:solidFill>
+      <a:ln w="9525">
+        <a:solidFill>
+          <a:schemeClr val="tx1">
+            <a:lumMod val="65000"/>
+            <a:lumOff val="35000"/>
+          </a:schemeClr>
+        </a:solidFill>
+      </a:ln>
+    </cs:spPr>
+  </cs:upBar>
+  <cs:valueAxis>
+    <cs:lnRef idx="0"/>
+    <cs:fillRef idx="0"/>
+    <cs:effectRef idx="0"/>
+    <cs:fontRef idx="minor">
+      <a:schemeClr val="tx1">
+        <a:lumMod val="65000"/>
+        <a:lumOff val="35000"/>
+      </a:schemeClr>
+    </cs:fontRef>
+    <cs:spPr>
+      <a:ln w="9525" cap="flat" cmpd="sng" algn="ctr">
+        <a:solidFill>
+          <a:schemeClr val="dk1">
+            <a:lumMod val="15000"/>
+            <a:lumOff val="85000"/>
+          </a:schemeClr>
+        </a:solidFill>
+        <a:round/>
+      </a:ln>
+    </cs:spPr>
+    <cs:defRPr sz="900" kern="1200"/>
+  </cs:valueAxis>
+  <cs:wall>
+    <cs:lnRef idx="0"/>
+    <cs:fillRef idx="0"/>
+    <cs:effectRef idx="0"/>
+    <cs:fontRef idx="minor">
+      <a:schemeClr val="dk1"/>
+    </cs:fontRef>
+  </cs:wall>
+</cs:chartStyle>
 </file>
 
 <file path=ppt/notesMasters/notesMaster1.xml><?xml version="1.0" encoding="utf-8"?>
@@ -289,7 +4732,7 @@
           <a:p>
             <a:fld id="{48089FF0-ECB9-4CD3-9477-46736ADEAFFE}" type="datetimeFigureOut">
               <a:rPr lang="en-US" smtClean="0"/>
-              <a:t>4/1/2021</a:t>
+              <a:t>4/8/2021</a:t>
             </a:fld>
             <a:endParaRPr lang="en-US"/>
           </a:p>
@@ -1125,7 +5568,7 @@
           <a:p>
             <a:fld id="{61EB6ACE-D6A9-4727-9467-A89E20E5B1E3}" type="slidenum">
               <a:rPr lang="en-US" smtClean="0"/>
-              <a:t>33</a:t>
+              <a:t>34</a:t>
             </a:fld>
             <a:endParaRPr lang="en-US"/>
           </a:p>
@@ -1324,7 +5767,7 @@
             <a:fld id="{1D8BD707-D9CF-40AE-B4C6-C98DA3205C09}" type="datetimeFigureOut">
               <a:rPr lang="en-US" smtClean="0"/>
               <a:pPr/>
-              <a:t>4/1/2021</a:t>
+              <a:t>4/8/2021</a:t>
             </a:fld>
             <a:endParaRPr lang="en-US"/>
           </a:p>
@@ -1494,7 +5937,7 @@
             <a:fld id="{1D8BD707-D9CF-40AE-B4C6-C98DA3205C09}" type="datetimeFigureOut">
               <a:rPr lang="en-US" smtClean="0"/>
               <a:pPr/>
-              <a:t>4/1/2021</a:t>
+              <a:t>4/8/2021</a:t>
             </a:fld>
             <a:endParaRPr lang="en-US"/>
           </a:p>
@@ -1674,7 +6117,7 @@
             <a:fld id="{1D8BD707-D9CF-40AE-B4C6-C98DA3205C09}" type="datetimeFigureOut">
               <a:rPr lang="en-US" smtClean="0"/>
               <a:pPr/>
-              <a:t>4/1/2021</a:t>
+              <a:t>4/8/2021</a:t>
             </a:fld>
             <a:endParaRPr lang="en-US"/>
           </a:p>
@@ -1941,7 +6384,7 @@
             <a:fld id="{1D8BD707-D9CF-40AE-B4C6-C98DA3205C09}" type="datetimeFigureOut">
               <a:rPr lang="en-US" smtClean="0"/>
               <a:pPr/>
-              <a:t>4/1/2021</a:t>
+              <a:t>4/8/2021</a:t>
             </a:fld>
             <a:endParaRPr lang="en-US"/>
           </a:p>
@@ -2205,7 +6648,7 @@
             <a:fld id="{1D8BD707-D9CF-40AE-B4C6-C98DA3205C09}" type="datetimeFigureOut">
               <a:rPr lang="en-US" smtClean="0"/>
               <a:pPr/>
-              <a:t>4/1/2021</a:t>
+              <a:t>4/8/2021</a:t>
             </a:fld>
             <a:endParaRPr lang="en-US"/>
           </a:p>
@@ -2492,7 +6935,7 @@
             <a:fld id="{1D8BD707-D9CF-40AE-B4C6-C98DA3205C09}" type="datetimeFigureOut">
               <a:rPr lang="en-US" smtClean="0"/>
               <a:pPr/>
-              <a:t>4/1/2021</a:t>
+              <a:t>4/8/2021</a:t>
             </a:fld>
             <a:endParaRPr lang="en-US"/>
           </a:p>
@@ -2913,7 +7356,7 @@
             <a:fld id="{1D8BD707-D9CF-40AE-B4C6-C98DA3205C09}" type="datetimeFigureOut">
               <a:rPr lang="en-US" smtClean="0"/>
               <a:pPr/>
-              <a:t>4/1/2021</a:t>
+              <a:t>4/8/2021</a:t>
             </a:fld>
             <a:endParaRPr lang="en-US"/>
           </a:p>
@@ -3032,7 +7475,7 @@
             <a:fld id="{1D8BD707-D9CF-40AE-B4C6-C98DA3205C09}" type="datetimeFigureOut">
               <a:rPr lang="en-US" smtClean="0"/>
               <a:pPr/>
-              <a:t>4/1/2021</a:t>
+              <a:t>4/8/2021</a:t>
             </a:fld>
             <a:endParaRPr lang="en-US"/>
           </a:p>
@@ -3129,7 +7572,7 @@
             <a:fld id="{1D8BD707-D9CF-40AE-B4C6-C98DA3205C09}" type="datetimeFigureOut">
               <a:rPr lang="en-US" smtClean="0"/>
               <a:pPr/>
-              <a:t>4/1/2021</a:t>
+              <a:t>4/8/2021</a:t>
             </a:fld>
             <a:endParaRPr lang="en-US"/>
           </a:p>
@@ -3406,7 +7849,7 @@
             <a:fld id="{1D8BD707-D9CF-40AE-B4C6-C98DA3205C09}" type="datetimeFigureOut">
               <a:rPr lang="en-US" smtClean="0"/>
               <a:pPr/>
-              <a:t>4/1/2021</a:t>
+              <a:t>4/8/2021</a:t>
             </a:fld>
             <a:endParaRPr lang="en-US"/>
           </a:p>
@@ -3660,7 +8103,7 @@
             <a:fld id="{1D8BD707-D9CF-40AE-B4C6-C98DA3205C09}" type="datetimeFigureOut">
               <a:rPr lang="en-US" smtClean="0"/>
               <a:pPr/>
-              <a:t>4/1/2021</a:t>
+              <a:t>4/8/2021</a:t>
             </a:fld>
             <a:endParaRPr lang="en-US"/>
           </a:p>
@@ -3873,7 +8316,7 @@
             <a:fld id="{1D8BD707-D9CF-40AE-B4C6-C98DA3205C09}" type="datetimeFigureOut">
               <a:rPr lang="en-US" smtClean="0"/>
               <a:pPr/>
-              <a:t>4/1/2021</a:t>
+              <a:t>4/8/2021</a:t>
             </a:fld>
             <a:endParaRPr lang="en-US"/>
           </a:p>
@@ -4376,6 +8819,20 @@
             </a:endParaRPr>
           </a:p>
           <a:p>
+            <a:pPr algn="just"/>
+            <a:endParaRPr lang="en-US" sz="2000" b="1" dirty="0">
+              <a:latin typeface="Arial" panose="020B0604020202020204" pitchFamily="34" charset="0"/>
+              <a:cs typeface="Arial" panose="020B0604020202020204" pitchFamily="34" charset="0"/>
+            </a:endParaRPr>
+          </a:p>
+          <a:p>
+            <a:pPr algn="just"/>
+            <a:endParaRPr lang="en-US" sz="2000" b="1" dirty="0">
+              <a:latin typeface="Arial" panose="020B0604020202020204" pitchFamily="34" charset="0"/>
+              <a:cs typeface="Arial" panose="020B0604020202020204" pitchFamily="34" charset="0"/>
+            </a:endParaRPr>
+          </a:p>
+          <a:p>
             <a:pPr marL="342900" lvl="0" indent="-342900" algn="just">
               <a:lnSpc>
                 <a:spcPct val="150000"/>
@@ -4536,7 +8993,22 @@
                 <a:ea typeface="Calibri" panose="020F0502020204030204" pitchFamily="34" charset="0"/>
                 <a:cs typeface="Times New Roman" panose="02020603050405020304" pitchFamily="18" charset="0"/>
               </a:rPr>
-              <a:t>To scrape data from eBay and amazon </a:t>
+              <a:t>To </a:t>
+            </a:r>
+            <a:r>
+              <a:rPr lang="en-US" sz="2800" dirty="0">
+                <a:ea typeface="Calibri" panose="020F0502020204030204" pitchFamily="34" charset="0"/>
+                <a:cs typeface="Times New Roman" panose="02020603050405020304" pitchFamily="18" charset="0"/>
+              </a:rPr>
+              <a:t>collect</a:t>
+            </a:r>
+            <a:r>
+              <a:rPr lang="en-US" sz="2800" dirty="0">
+                <a:effectLst/>
+                <a:ea typeface="Calibri" panose="020F0502020204030204" pitchFamily="34" charset="0"/>
+                <a:cs typeface="Times New Roman" panose="02020603050405020304" pitchFamily="18" charset="0"/>
+              </a:rPr>
+              <a:t> data from eBay and amazon </a:t>
             </a:r>
           </a:p>
           <a:p>
@@ -8671,18 +13143,21 @@
                   </a:schemeClr>
                 </a:solidFill>
               </a:rPr>
-              <a:t>		Furqan Durrani</a:t>
-            </a:r>
-            <a:endParaRPr lang="en-US" b="1" dirty="0">
-              <a:solidFill>
-                <a:schemeClr val="tx1"/>
-              </a:solidFill>
-            </a:endParaRPr>
+              <a:t>		</a:t>
+            </a:r>
+            <a:r>
+              <a:rPr lang="en-US" b="1" dirty="0">
+                <a:solidFill>
+                  <a:schemeClr val="tx1"/>
+                </a:solidFill>
+              </a:rPr>
+              <a:t>Furqan Durrani</a:t>
+            </a:r>
           </a:p>
           <a:p>
             <a:pPr algn="l"/>
             <a:r>
-              <a:rPr lang="en-US" dirty="0">
+              <a:rPr lang="en-US" b="1" dirty="0">
                 <a:solidFill>
                   <a:schemeClr val="tx1"/>
                 </a:solidFill>
@@ -8690,7 +13165,7 @@
               <a:t>Supervisor(s) Name: </a:t>
             </a:r>
             <a:r>
-              <a:rPr lang="en-US" dirty="0">
+              <a:rPr lang="en-US" b="1" dirty="0">
                 <a:solidFill>
                   <a:schemeClr val="accent3">
                     <a:lumMod val="50000"/>
@@ -8700,34 +13175,18 @@
               <a:t>	</a:t>
             </a:r>
             <a:r>
-              <a:rPr lang="en-US" dirty="0">
+              <a:rPr lang="en-US" b="1" dirty="0">
                 <a:solidFill>
                   <a:schemeClr val="tx1"/>
                 </a:solidFill>
               </a:rPr>
-              <a:t>Dr. Muhammad </a:t>
-            </a:r>
-            <a:r>
-              <a:rPr lang="en-US" dirty="0" err="1">
-                <a:solidFill>
-                  <a:schemeClr val="tx1"/>
-                </a:solidFill>
-              </a:rPr>
-              <a:t>Aasim</a:t>
-            </a:r>
-            <a:r>
-              <a:rPr lang="en-US" dirty="0">
-                <a:solidFill>
-                  <a:schemeClr val="tx1"/>
-                </a:solidFill>
-              </a:rPr>
-              <a:t> </a:t>
+              <a:t>Dr. Muhammad Aasim </a:t>
             </a:r>
           </a:p>
           <a:p>
             <a:pPr algn="l"/>
             <a:r>
-              <a:rPr lang="en-US" dirty="0">
+              <a:rPr lang="en-US" b="1" dirty="0">
                 <a:solidFill>
                   <a:schemeClr val="tx1"/>
                 </a:solidFill>
@@ -9317,7 +13776,7 @@
           <a:p>
             <a:r>
               <a:rPr lang="en-US" dirty="0"/>
-              <a:t>Parts of speech tagging technique is implemented on the dataset_3 to extract the feature based dataset as the following:</a:t>
+              <a:t>Parts of speech tagging technique [13] is implemented on the dataset_3 to extract the feature based dataset as the following:</a:t>
             </a:r>
           </a:p>
           <a:p>
@@ -10753,24 +15212,66 @@
           </a:p>
         </p:txBody>
       </p:sp>
+      <p:sp>
+        <p:nvSpPr>
+          <p:cNvPr id="4" name="Content Placeholder 3">
+            <a:extLst>
+              <a:ext uri="{FF2B5EF4-FFF2-40B4-BE49-F238E27FC236}">
+                <a16:creationId xmlns:a16="http://schemas.microsoft.com/office/drawing/2014/main" id="{65E0B136-B3A6-4B4A-97E4-855E679EE77D}"/>
+              </a:ext>
+            </a:extLst>
+          </p:cNvPr>
+          <p:cNvSpPr>
+            <a:spLocks noGrp="1"/>
+          </p:cNvSpPr>
+          <p:nvPr>
+            <p:ph idx="1"/>
+          </p:nvPr>
+        </p:nvSpPr>
+        <p:spPr/>
+        <p:txBody>
+          <a:bodyPr/>
+          <a:lstStyle/>
+          <a:p>
+            <a:r>
+              <a:rPr lang="en-US" dirty="0"/>
+              <a:t>Comparison among different machine learning models.</a:t>
+            </a:r>
+          </a:p>
+          <a:p>
+            <a:endParaRPr lang="en-US" dirty="0"/>
+          </a:p>
+          <a:p>
+            <a:pPr marL="0" indent="0">
+              <a:buNone/>
+            </a:pPr>
+            <a:endParaRPr lang="en-US" dirty="0"/>
+          </a:p>
+        </p:txBody>
+      </p:sp>
       <p:graphicFrame>
         <p:nvGraphicFramePr>
-          <p:cNvPr id="5" name="Content Placeholder 4"/>
+          <p:cNvPr id="6" name="Content Placeholder 4">
+            <a:extLst>
+              <a:ext uri="{FF2B5EF4-FFF2-40B4-BE49-F238E27FC236}">
+                <a16:creationId xmlns:a16="http://schemas.microsoft.com/office/drawing/2014/main" id="{64A54CAD-5B54-4173-AD7E-14206A648B19}"/>
+              </a:ext>
+            </a:extLst>
+          </p:cNvPr>
           <p:cNvGraphicFramePr>
-            <a:graphicFrameLocks noGrp="1"/>
+            <a:graphicFrameLocks/>
           </p:cNvGraphicFramePr>
           <p:nvPr>
-            <p:ph idx="1"/>
             <p:extLst>
               <p:ext uri="{D42A27DB-BD31-4B8C-83A1-F6EECF244321}">
-                <p14:modId xmlns:p14="http://schemas.microsoft.com/office/powerpoint/2010/main" val="3301632377"/>
+                <p14:modId xmlns:p14="http://schemas.microsoft.com/office/powerpoint/2010/main" val="2533273538"/>
               </p:ext>
             </p:extLst>
           </p:nvPr>
         </p:nvGraphicFramePr>
         <p:xfrm>
-          <a:off x="2062316" y="1600201"/>
-          <a:ext cx="6243484" cy="4457894"/>
+          <a:off x="2209800" y="2971800"/>
+          <a:ext cx="6079672" cy="2673863"/>
         </p:xfrm>
         <a:graphic>
           <a:graphicData uri="http://schemas.openxmlformats.org/drawingml/2006/table">
@@ -10779,21 +15280,21 @@
                 <a:tableStyleId>{5C22544A-7EE6-4342-B048-85BDC9FD1C3A}</a:tableStyleId>
               </a:tblPr>
               <a:tblGrid>
-                <a:gridCol w="4033684">
+                <a:gridCol w="3927851">
                   <a:extLst>
                     <a:ext uri="{9D8B030D-6E8A-4147-A177-3AD203B41FA5}">
                       <a16:colId xmlns:a16="http://schemas.microsoft.com/office/drawing/2014/main" val="20000"/>
                     </a:ext>
                   </a:extLst>
                 </a:gridCol>
-                <a:gridCol w="990600">
+                <a:gridCol w="964609">
                   <a:extLst>
                     <a:ext uri="{9D8B030D-6E8A-4147-A177-3AD203B41FA5}">
                       <a16:colId xmlns:a16="http://schemas.microsoft.com/office/drawing/2014/main" val="20001"/>
                     </a:ext>
                   </a:extLst>
                 </a:gridCol>
-                <a:gridCol w="1219200">
+                <a:gridCol w="1187212">
                   <a:extLst>
                     <a:ext uri="{9D8B030D-6E8A-4147-A177-3AD203B41FA5}">
                       <a16:colId xmlns:a16="http://schemas.microsoft.com/office/drawing/2014/main" val="20004"/>
@@ -10907,7 +15408,7 @@
                         </a:spcAft>
                       </a:pPr>
                       <a:r>
-                        <a:rPr lang="en-US" sz="1400" dirty="0">
+                        <a:rPr lang="en-US" sz="1400" b="1" dirty="0">
                           <a:effectLst/>
                           <a:latin typeface="+mn-lt"/>
                           <a:ea typeface="Calibri" panose="020F0502020204030204" pitchFamily="34" charset="0"/>
@@ -10936,12 +15437,12 @@
                         </a:spcAft>
                       </a:pPr>
                       <a:r>
-                        <a:rPr lang="en-US" sz="1400" dirty="0">
+                        <a:rPr lang="en-US" sz="1400" b="1" dirty="0">
                           <a:latin typeface="+mn-lt"/>
                         </a:rPr>
-                        <a:t>9186</a:t>
-                      </a:r>
-                      <a:endParaRPr lang="en-US" sz="1400" dirty="0">
+                        <a:t>91.86%</a:t>
+                      </a:r>
+                      <a:endParaRPr lang="en-US" sz="1400" b="1" dirty="0">
                         <a:effectLst/>
                         <a:latin typeface="+mn-lt"/>
                         <a:ea typeface="Cambria Math" pitchFamily="18" charset="0"/>
@@ -10967,12 +15468,12 @@
                         </a:spcAft>
                       </a:pPr>
                       <a:r>
-                        <a:rPr lang="en-US" sz="1400" dirty="0">
+                        <a:rPr lang="en-US" sz="1400" b="1" dirty="0">
                           <a:latin typeface="+mn-lt"/>
                         </a:rPr>
-                        <a:t>0.92</a:t>
-                      </a:r>
-                      <a:endParaRPr lang="en-US" sz="1400" dirty="0">
+                        <a:t>92%</a:t>
+                      </a:r>
+                      <a:endParaRPr lang="en-US" sz="1400" b="1" dirty="0">
                         <a:effectLst/>
                         <a:latin typeface="+mn-lt"/>
                         <a:ea typeface="Cambria Math" pitchFamily="18" charset="0"/>
@@ -11034,7 +15535,7 @@
                         <a:rPr lang="en-US" sz="1400" dirty="0">
                           <a:latin typeface="+mn-lt"/>
                         </a:rPr>
-                        <a:t>0.7595</a:t>
+                        <a:t>75.95%</a:t>
                       </a:r>
                       <a:endParaRPr lang="en-US" sz="1400" dirty="0">
                         <a:effectLst/>
@@ -11065,7 +15566,7 @@
                         <a:rPr lang="en-US" sz="1400" dirty="0">
                           <a:latin typeface="+mn-lt"/>
                         </a:rPr>
-                        <a:t>0.75 </a:t>
+                        <a:t>75%</a:t>
                       </a:r>
                       <a:endParaRPr lang="en-US" sz="1400" dirty="0">
                         <a:effectLst/>
@@ -11097,7 +15598,7 @@
                         </a:spcAft>
                       </a:pPr>
                       <a:r>
-                        <a:rPr lang="en-US" sz="1400" dirty="0">
+                        <a:rPr lang="en-US" sz="1400" b="0" dirty="0">
                           <a:effectLst/>
                           <a:latin typeface="+mn-lt"/>
                           <a:ea typeface="Calibri" panose="020F0502020204030204" pitchFamily="34" charset="0"/>
@@ -11126,12 +15627,12 @@
                         </a:spcAft>
                       </a:pPr>
                       <a:r>
-                        <a:rPr lang="en-US" sz="1400" dirty="0">
+                        <a:rPr lang="en-US" sz="1400" b="0" dirty="0">
                           <a:latin typeface="+mn-lt"/>
                         </a:rPr>
-                        <a:t>0.85</a:t>
-                      </a:r>
-                      <a:endParaRPr lang="en-US" sz="1400" dirty="0">
+                        <a:t>85%</a:t>
+                      </a:r>
+                      <a:endParaRPr lang="en-US" sz="1400" b="0" dirty="0">
                         <a:effectLst/>
                         <a:latin typeface="+mn-lt"/>
                         <a:ea typeface="Cambria Math" pitchFamily="18" charset="0"/>
@@ -11157,12 +15658,12 @@
                         </a:spcAft>
                       </a:pPr>
                       <a:r>
-                        <a:rPr lang="en-US" sz="1400" dirty="0">
+                        <a:rPr lang="en-US" sz="1400" b="0" dirty="0">
                           <a:latin typeface="+mn-lt"/>
                         </a:rPr>
-                        <a:t>0.85</a:t>
-                      </a:r>
-                      <a:endParaRPr lang="en-US" sz="1400" dirty="0">
+                        <a:t>85%</a:t>
+                      </a:r>
+                      <a:endParaRPr lang="en-US" sz="1400" b="0" dirty="0">
                         <a:effectLst/>
                         <a:latin typeface="+mn-lt"/>
                         <a:ea typeface="Cambria Math" pitchFamily="18" charset="0"/>
@@ -11192,7 +15693,7 @@
                         </a:spcAft>
                       </a:pPr>
                       <a:r>
-                        <a:rPr lang="en-US" sz="1400" dirty="0">
+                        <a:rPr lang="en-US" sz="1400" b="1" dirty="0">
                           <a:effectLst/>
                           <a:latin typeface="+mn-lt"/>
                           <a:ea typeface="Calibri" panose="020F0502020204030204" pitchFamily="34" charset="0"/>
@@ -11221,12 +15722,12 @@
                         </a:spcAft>
                       </a:pPr>
                       <a:r>
-                        <a:rPr lang="en-US" sz="1400" dirty="0">
+                        <a:rPr lang="en-US" sz="1400" b="1" dirty="0">
                           <a:latin typeface="+mn-lt"/>
                         </a:rPr>
-                        <a:t>0.92799</a:t>
-                      </a:r>
-                      <a:endParaRPr lang="en-US" sz="1400" dirty="0">
+                        <a:t>92.799%</a:t>
+                      </a:r>
+                      <a:endParaRPr lang="en-US" sz="1400" b="1" dirty="0">
                         <a:effectLst/>
                         <a:latin typeface="+mn-lt"/>
                         <a:ea typeface="Cambria Math" pitchFamily="18" charset="0"/>
@@ -11263,7 +15764,7 @@
                           <a:latin typeface="+mn-lt"/>
                           <a:ea typeface="Cambria Math" pitchFamily="18" charset="0"/>
                         </a:rPr>
-                        <a:t>0.93</a:t>
+                        <a:t>93%</a:t>
                       </a:r>
                       <a:endParaRPr lang="en-US" sz="1400" b="1" dirty="0">
                         <a:effectLst/>
@@ -11295,7 +15796,7 @@
                         </a:spcAft>
                       </a:pPr>
                       <a:r>
-                        <a:rPr lang="en-US" sz="1400" dirty="0">
+                        <a:rPr lang="en-US" sz="1400" b="1" dirty="0">
                           <a:effectLst/>
                           <a:latin typeface="+mn-lt"/>
                           <a:ea typeface="Calibri" panose="020F0502020204030204" pitchFamily="34" charset="0"/>
@@ -11324,12 +15825,12 @@
                         </a:spcAft>
                       </a:pPr>
                       <a:r>
-                        <a:rPr lang="en-US" sz="1400" dirty="0">
+                        <a:rPr lang="en-US" sz="1400" b="1" dirty="0">
                           <a:effectLst/>
                           <a:latin typeface="+mn-lt"/>
                           <a:ea typeface="Cambria Math" pitchFamily="18" charset="0"/>
                         </a:rPr>
-                        <a:t>0.92</a:t>
+                        <a:t>92%</a:t>
                       </a:r>
                     </a:p>
                   </a:txBody>
@@ -11352,12 +15853,12 @@
                         </a:spcAft>
                       </a:pPr>
                       <a:r>
-                        <a:rPr lang="en-US" sz="1400" dirty="0">
+                        <a:rPr lang="en-US" sz="1400" b="1" dirty="0">
                           <a:effectLst/>
                           <a:latin typeface="+mn-lt"/>
                           <a:ea typeface="Cambria Math" pitchFamily="18" charset="0"/>
                         </a:rPr>
-                        <a:t>0.92</a:t>
+                        <a:t>92%</a:t>
                       </a:r>
                     </a:p>
                   </a:txBody>
@@ -11369,7 +15870,7 @@
                   </a:ext>
                 </a:extLst>
               </a:tr>
-              <a:tr h="341240">
+              <a:tr h="424550">
                 <a:tc>
                   <a:txBody>
                     <a:bodyPr/>
@@ -11390,7 +15891,7 @@
                           <a:ea typeface="Calibri" panose="020F0502020204030204" pitchFamily="34" charset="0"/>
                           <a:cs typeface="Times New Roman" panose="02020603050405020304" pitchFamily="18" charset="0"/>
                         </a:rPr>
-                        <a:t>Voting Classifier (Logistic Regression +Random Forest)</a:t>
+                        <a:t>Recurrent Neural Network</a:t>
                       </a:r>
                     </a:p>
                   </a:txBody>
@@ -11414,15 +15915,12 @@
                       </a:pPr>
                       <a:r>
                         <a:rPr lang="en-US" sz="1400" dirty="0">
+                          <a:effectLst/>
                           <a:latin typeface="+mn-lt"/>
+                          <a:ea typeface="Cambria Math" pitchFamily="18" charset="0"/>
                         </a:rPr>
-                        <a:t>0.9314</a:t>
-                      </a:r>
-                      <a:endParaRPr lang="en-US" sz="1400" dirty="0">
-                        <a:effectLst/>
-                        <a:latin typeface="+mn-lt"/>
-                        <a:ea typeface="Cambria Math" pitchFamily="18" charset="0"/>
-                      </a:endParaRPr>
+                        <a:t>80%</a:t>
+                      </a:r>
                     </a:p>
                   </a:txBody>
                   <a:tcPr marL="0" marR="0" marT="0" marB="0"/>
@@ -11444,300 +15942,12 @@
                         </a:spcAft>
                       </a:pPr>
                       <a:r>
-                        <a:rPr lang="en-US" sz="1400" b="1" dirty="0">
-                          <a:effectLst/>
-                          <a:latin typeface="+mn-lt"/>
-                          <a:ea typeface="Cambria Math" pitchFamily="18" charset="0"/>
-                        </a:rPr>
-                        <a:t>0.93</a:t>
-                      </a:r>
-                      <a:endParaRPr lang="en-US" sz="1400" dirty="0">
-                        <a:effectLst/>
-                        <a:latin typeface="+mn-lt"/>
-                        <a:ea typeface="Cambria Math" pitchFamily="18" charset="0"/>
-                      </a:endParaRPr>
-                    </a:p>
-                  </a:txBody>
-                  <a:tcPr marL="0" marR="0" marT="0" marB="0"/>
-                </a:tc>
-                <a:extLst>
-                  <a:ext uri="{0D108BD9-81ED-4DB2-BD59-A6C34878D82A}">
-                    <a16:rowId xmlns:a16="http://schemas.microsoft.com/office/drawing/2014/main" val="3665340537"/>
-                  </a:ext>
-                </a:extLst>
-              </a:tr>
-              <a:tr h="427322">
-                <a:tc>
-                  <a:txBody>
-                    <a:bodyPr/>
-                    <a:lstStyle/>
-                    <a:p>
-                      <a:pPr algn="l">
-                        <a:lnSpc>
-                          <a:spcPct val="107000"/>
-                        </a:lnSpc>
-                        <a:spcAft>
-                          <a:spcPts val="800"/>
-                        </a:spcAft>
-                      </a:pPr>
-                      <a:r>
-                        <a:rPr lang="en-US" sz="1400" dirty="0">
-                          <a:effectLst/>
-                          <a:latin typeface="+mn-lt"/>
-                          <a:ea typeface="Calibri" panose="020F0502020204030204" pitchFamily="34" charset="0"/>
-                          <a:cs typeface="Times New Roman" panose="02020603050405020304" pitchFamily="18" charset="0"/>
-                        </a:rPr>
-                        <a:t>Voting Classifier (Random Forest + Support Vector Machine)</a:t>
-                      </a:r>
-                    </a:p>
-                  </a:txBody>
-                  <a:tcPr marL="68580" marR="68580" marT="0" marB="0"/>
-                </a:tc>
-                <a:tc>
-                  <a:txBody>
-                    <a:bodyPr/>
-                    <a:lstStyle/>
-                    <a:p>
-                      <a:pPr marL="171450" marR="0" algn="ctr">
-                        <a:lnSpc>
-                          <a:spcPct val="150000"/>
-                        </a:lnSpc>
-                        <a:spcBef>
-                          <a:spcPts val="0"/>
-                        </a:spcBef>
-                        <a:spcAft>
-                          <a:spcPts val="0"/>
-                        </a:spcAft>
-                      </a:pPr>
-                      <a:r>
-                        <a:rPr lang="en-US" sz="1400" dirty="0">
-                          <a:latin typeface="+mn-lt"/>
-                        </a:rPr>
-                        <a:t>0.9268</a:t>
-                      </a:r>
-                      <a:endParaRPr lang="en-US" sz="1400" dirty="0">
-                        <a:effectLst/>
-                        <a:latin typeface="+mn-lt"/>
-                        <a:ea typeface="Cambria Math" pitchFamily="18" charset="0"/>
-                      </a:endParaRPr>
-                    </a:p>
-                  </a:txBody>
-                  <a:tcPr marL="0" marR="0" marT="0" marB="0"/>
-                </a:tc>
-                <a:tc>
-                  <a:txBody>
-                    <a:bodyPr/>
-                    <a:lstStyle/>
-                    <a:p>
-                      <a:pPr marL="171450" marR="0" algn="ctr">
-                        <a:lnSpc>
-                          <a:spcPct val="150000"/>
-                        </a:lnSpc>
-                        <a:spcBef>
-                          <a:spcPts val="0"/>
-                        </a:spcBef>
-                        <a:spcAft>
-                          <a:spcPts val="0"/>
-                        </a:spcAft>
-                      </a:pPr>
-                      <a:r>
-                        <a:rPr lang="en-US" sz="1400" b="1" dirty="0">
-                          <a:effectLst/>
-                          <a:latin typeface="+mn-lt"/>
-                          <a:ea typeface="Cambria Math" pitchFamily="18" charset="0"/>
-                        </a:rPr>
-                        <a:t>0.93</a:t>
-                      </a:r>
-                      <a:endParaRPr lang="en-US" sz="1400" dirty="0">
-                        <a:effectLst/>
-                        <a:latin typeface="+mn-lt"/>
-                        <a:ea typeface="Cambria Math" pitchFamily="18" charset="0"/>
-                      </a:endParaRPr>
-                    </a:p>
-                  </a:txBody>
-                  <a:tcPr marL="0" marR="0" marT="0" marB="0"/>
-                </a:tc>
-                <a:extLst>
-                  <a:ext uri="{0D108BD9-81ED-4DB2-BD59-A6C34878D82A}">
-                    <a16:rowId xmlns:a16="http://schemas.microsoft.com/office/drawing/2014/main" val="1574222920"/>
-                  </a:ext>
-                </a:extLst>
-              </a:tr>
-              <a:tr h="427322">
-                <a:tc>
-                  <a:txBody>
-                    <a:bodyPr/>
-                    <a:lstStyle/>
-                    <a:p>
-                      <a:pPr algn="l">
-                        <a:lnSpc>
-                          <a:spcPct val="107000"/>
-                        </a:lnSpc>
-                        <a:spcAft>
-                          <a:spcPts val="800"/>
-                        </a:spcAft>
-                      </a:pPr>
-                      <a:r>
-                        <a:rPr lang="en-US" sz="1400" dirty="0">
-                          <a:effectLst/>
-                          <a:latin typeface="+mn-lt"/>
-                          <a:ea typeface="Calibri" panose="020F0502020204030204" pitchFamily="34" charset="0"/>
-                          <a:cs typeface="Times New Roman" panose="02020603050405020304" pitchFamily="18" charset="0"/>
-                        </a:rPr>
-                        <a:t>Voting Classifier (Logistic Regression + Support Vector Machine)</a:t>
-                      </a:r>
-                    </a:p>
-                  </a:txBody>
-                  <a:tcPr marL="68580" marR="68580" marT="0" marB="0"/>
-                </a:tc>
-                <a:tc>
-                  <a:txBody>
-                    <a:bodyPr/>
-                    <a:lstStyle/>
-                    <a:p>
-                      <a:pPr marL="171450" marR="0" algn="ctr">
-                        <a:lnSpc>
-                          <a:spcPct val="150000"/>
-                        </a:lnSpc>
-                        <a:spcBef>
-                          <a:spcPts val="0"/>
-                        </a:spcBef>
-                        <a:spcAft>
-                          <a:spcPts val="0"/>
-                        </a:spcAft>
-                      </a:pPr>
-                      <a:r>
-                        <a:rPr lang="en-US" sz="1400" dirty="0">
-                          <a:latin typeface="+mn-lt"/>
-                        </a:rPr>
-                        <a:t>0.9233</a:t>
-                      </a:r>
-                      <a:endParaRPr lang="en-US" sz="1400" dirty="0">
-                        <a:effectLst/>
-                        <a:latin typeface="+mn-lt"/>
-                        <a:ea typeface="Cambria Math" pitchFamily="18" charset="0"/>
-                      </a:endParaRPr>
-                    </a:p>
-                  </a:txBody>
-                  <a:tcPr marL="0" marR="0" marT="0" marB="0"/>
-                </a:tc>
-                <a:tc>
-                  <a:txBody>
-                    <a:bodyPr/>
-                    <a:lstStyle/>
-                    <a:p>
-                      <a:pPr marL="171450" marR="0" algn="ctr">
-                        <a:lnSpc>
-                          <a:spcPct val="150000"/>
-                        </a:lnSpc>
-                        <a:spcBef>
-                          <a:spcPts val="0"/>
-                        </a:spcBef>
-                        <a:spcAft>
-                          <a:spcPts val="0"/>
-                        </a:spcAft>
-                      </a:pPr>
-                      <a:r>
-                        <a:rPr lang="en-US" sz="1400" b="1" dirty="0">
-                          <a:effectLst/>
-                          <a:latin typeface="+mn-lt"/>
-                          <a:ea typeface="Cambria Math" pitchFamily="18" charset="0"/>
-                        </a:rPr>
-                        <a:t>0.92</a:t>
-                      </a:r>
-                      <a:endParaRPr lang="en-US" sz="1400" dirty="0">
-                        <a:effectLst/>
-                        <a:latin typeface="+mn-lt"/>
-                        <a:ea typeface="Cambria Math" pitchFamily="18" charset="0"/>
-                      </a:endParaRPr>
-                    </a:p>
-                  </a:txBody>
-                  <a:tcPr marL="0" marR="0" marT="0" marB="0"/>
-                </a:tc>
-                <a:extLst>
-                  <a:ext uri="{0D108BD9-81ED-4DB2-BD59-A6C34878D82A}">
-                    <a16:rowId xmlns:a16="http://schemas.microsoft.com/office/drawing/2014/main" val="2637415142"/>
-                  </a:ext>
-                </a:extLst>
-              </a:tr>
-              <a:tr h="424550">
-                <a:tc>
-                  <a:txBody>
-                    <a:bodyPr/>
-                    <a:lstStyle/>
-                    <a:p>
-                      <a:pPr algn="l">
-                        <a:lnSpc>
-                          <a:spcPct val="107000"/>
-                        </a:lnSpc>
-                        <a:spcAft>
-                          <a:spcPts val="800"/>
-                        </a:spcAft>
-                      </a:pPr>
-                      <a:r>
-                        <a:rPr lang="en-US" sz="1400" dirty="0">
-                          <a:effectLst/>
-                          <a:latin typeface="+mn-lt"/>
-                          <a:ea typeface="Calibri" panose="020F0502020204030204" pitchFamily="34" charset="0"/>
-                          <a:cs typeface="Times New Roman" panose="02020603050405020304" pitchFamily="18" charset="0"/>
-                        </a:rPr>
-                        <a:t>Recurrent Neural Network</a:t>
-                      </a:r>
-                    </a:p>
-                  </a:txBody>
-                  <a:tcPr marL="68580" marR="68580" marT="0" marB="0"/>
-                </a:tc>
-                <a:tc>
-                  <a:txBody>
-                    <a:bodyPr/>
-                    <a:lstStyle/>
-                    <a:p>
-                      <a:pPr marL="171450" marR="0" algn="ctr">
-                        <a:lnSpc>
-                          <a:spcPct val="150000"/>
-                        </a:lnSpc>
-                        <a:spcBef>
-                          <a:spcPts val="0"/>
-                        </a:spcBef>
-                        <a:spcAft>
-                          <a:spcPts val="0"/>
-                        </a:spcAft>
-                      </a:pPr>
-                      <a:r>
                         <a:rPr lang="en-US" sz="1400" dirty="0">
                           <a:effectLst/>
                           <a:latin typeface="+mn-lt"/>
                           <a:ea typeface="Cambria Math" pitchFamily="18" charset="0"/>
                         </a:rPr>
-                        <a:t>0.80</a:t>
-                      </a:r>
-                    </a:p>
-                  </a:txBody>
-                  <a:tcPr marL="0" marR="0" marT="0" marB="0"/>
-                </a:tc>
-                <a:tc>
-                  <a:txBody>
-                    <a:bodyPr/>
-                    <a:lstStyle/>
-                    <a:p>
-                      <a:pPr marL="171450" marR="0" algn="ctr">
-                        <a:lnSpc>
-                          <a:spcPct val="150000"/>
-                        </a:lnSpc>
-                        <a:spcBef>
-                          <a:spcPts val="0"/>
-                        </a:spcBef>
-                        <a:spcAft>
-                          <a:spcPts val="0"/>
-                        </a:spcAft>
-                      </a:pPr>
-                      <a:r>
-                        <a:rPr lang="en-US" sz="1400" dirty="0">
-                          <a:effectLst/>
-                          <a:latin typeface="+mn-lt"/>
-                          <a:ea typeface="Cambria Math" pitchFamily="18" charset="0"/>
-                        </a:rPr>
-                        <a:t>0.76</a:t>
+                        <a:t>76%</a:t>
                       </a:r>
                     </a:p>
                   </a:txBody>
@@ -11746,104 +15956,6 @@
                 <a:extLst>
                   <a:ext uri="{0D108BD9-81ED-4DB2-BD59-A6C34878D82A}">
                     <a16:rowId xmlns:a16="http://schemas.microsoft.com/office/drawing/2014/main" val="1113857544"/>
-                  </a:ext>
-                </a:extLst>
-              </a:tr>
-              <a:tr h="549853">
-                <a:tc>
-                  <a:txBody>
-                    <a:bodyPr/>
-                    <a:lstStyle/>
-                    <a:p>
-                      <a:pPr algn="l">
-                        <a:lnSpc>
-                          <a:spcPct val="107000"/>
-                        </a:lnSpc>
-                        <a:spcAft>
-                          <a:spcPts val="800"/>
-                        </a:spcAft>
-                      </a:pPr>
-                      <a:r>
-                        <a:rPr lang="en-US" sz="1400" dirty="0">
-                          <a:effectLst/>
-                          <a:latin typeface="+mn-lt"/>
-                          <a:ea typeface="Calibri" panose="020F0502020204030204" pitchFamily="34" charset="0"/>
-                          <a:cs typeface="Times New Roman" panose="02020603050405020304" pitchFamily="18" charset="0"/>
-                        </a:rPr>
-                        <a:t>Base Paper Technique (Gini Index + SVM)</a:t>
-                      </a:r>
-                    </a:p>
-                  </a:txBody>
-                  <a:tcPr marL="68580" marR="68580" marT="0" marB="0"/>
-                </a:tc>
-                <a:tc>
-                  <a:txBody>
-                    <a:bodyPr/>
-                    <a:lstStyle/>
-                    <a:p>
-                      <a:pPr marL="171450" marR="0" algn="ctr">
-                        <a:lnSpc>
-                          <a:spcPct val="150000"/>
-                        </a:lnSpc>
-                        <a:spcBef>
-                          <a:spcPts val="0"/>
-                        </a:spcBef>
-                        <a:spcAft>
-                          <a:spcPts val="0"/>
-                        </a:spcAft>
-                      </a:pPr>
-                      <a:r>
-                        <a:rPr lang="en-US" sz="1400" dirty="0">
-                          <a:latin typeface="+mn-lt"/>
-                        </a:rPr>
-                        <a:t>0.8466</a:t>
-                      </a:r>
-                      <a:endParaRPr lang="en-US" sz="1400" dirty="0">
-                        <a:effectLst/>
-                        <a:latin typeface="+mn-lt"/>
-                        <a:ea typeface="Cambria Math" pitchFamily="18" charset="0"/>
-                      </a:endParaRPr>
-                    </a:p>
-                  </a:txBody>
-                  <a:tcPr marL="0" marR="0" marT="0" marB="0"/>
-                </a:tc>
-                <a:tc>
-                  <a:txBody>
-                    <a:bodyPr/>
-                    <a:lstStyle/>
-                    <a:p>
-                      <a:pPr marL="171450" marR="0" lvl="0" indent="0" algn="ctr" defTabSz="914400" rtl="0" eaLnBrk="1" fontAlgn="auto" latinLnBrk="0" hangingPunct="1">
-                        <a:lnSpc>
-                          <a:spcPct val="150000"/>
-                        </a:lnSpc>
-                        <a:spcBef>
-                          <a:spcPts val="0"/>
-                        </a:spcBef>
-                        <a:spcAft>
-                          <a:spcPts val="0"/>
-                        </a:spcAft>
-                        <a:buClrTx/>
-                        <a:buSzTx/>
-                        <a:buFontTx/>
-                        <a:buNone/>
-                        <a:tabLst/>
-                        <a:defRPr/>
-                      </a:pPr>
-                      <a:r>
-                        <a:rPr lang="en-US" sz="1400" b="1" dirty="0">
-                          <a:effectLst/>
-                          <a:latin typeface="+mn-lt"/>
-                          <a:ea typeface="Cambria Math" pitchFamily="18" charset="0"/>
-                        </a:rPr>
-                        <a:t>0.85</a:t>
-                      </a:r>
-                    </a:p>
-                  </a:txBody>
-                  <a:tcPr marL="0" marR="0" marT="0" marB="0"/>
-                </a:tc>
-                <a:extLst>
-                  <a:ext uri="{0D108BD9-81ED-4DB2-BD59-A6C34878D82A}">
-                    <a16:rowId xmlns:a16="http://schemas.microsoft.com/office/drawing/2014/main" val="2542514272"/>
                   </a:ext>
                 </a:extLst>
               </a:tr>
@@ -11883,7 +15995,13 @@
       </p:grpSpPr>
       <p:sp>
         <p:nvSpPr>
-          <p:cNvPr id="2" name="Title 1"/>
+          <p:cNvPr id="2" name="Title 1">
+            <a:extLst>
+              <a:ext uri="{FF2B5EF4-FFF2-40B4-BE49-F238E27FC236}">
+                <a16:creationId xmlns:a16="http://schemas.microsoft.com/office/drawing/2014/main" id="{E21FAB9C-B9E4-4560-9199-F7F8E9BDE440}"/>
+              </a:ext>
+            </a:extLst>
+          </p:cNvPr>
           <p:cNvSpPr>
             <a:spLocks noGrp="1"/>
           </p:cNvSpPr>
@@ -11900,35 +16018,68 @@
           <a:p>
             <a:r>
               <a:rPr lang="en-US" dirty="0"/>
-              <a:t>Comparative Analysis on Dataset_2</a:t>
-            </a:r>
+              <a:t>Comparative Analysis on  DataSet_1</a:t>
+            </a:r>
+          </a:p>
+        </p:txBody>
+      </p:sp>
+      <p:sp>
+        <p:nvSpPr>
+          <p:cNvPr id="6" name="Content Placeholder 5">
+            <a:extLst>
+              <a:ext uri="{FF2B5EF4-FFF2-40B4-BE49-F238E27FC236}">
+                <a16:creationId xmlns:a16="http://schemas.microsoft.com/office/drawing/2014/main" id="{5BDAD70A-3DC3-49A1-B476-28FB46A2B8B0}"/>
+              </a:ext>
+            </a:extLst>
+          </p:cNvPr>
+          <p:cNvSpPr>
+            <a:spLocks noGrp="1"/>
+          </p:cNvSpPr>
+          <p:nvPr>
+            <p:ph idx="1"/>
+          </p:nvPr>
+        </p:nvSpPr>
+        <p:spPr/>
+        <p:txBody>
+          <a:bodyPr/>
+          <a:lstStyle/>
+          <a:p>
+            <a:r>
+              <a:rPr lang="en-US" dirty="0"/>
+              <a:t>Comparison of voting classifier with base paper technique. </a:t>
+            </a:r>
+          </a:p>
+          <a:p>
+            <a:endParaRPr lang="en-US" dirty="0"/>
+          </a:p>
+          <a:p>
+            <a:endParaRPr lang="en-US" dirty="0"/>
           </a:p>
         </p:txBody>
       </p:sp>
       <p:graphicFrame>
         <p:nvGraphicFramePr>
-          <p:cNvPr id="6" name="Table 6">
+          <p:cNvPr id="7" name="Table 4">
             <a:extLst>
               <a:ext uri="{FF2B5EF4-FFF2-40B4-BE49-F238E27FC236}">
-                <a16:creationId xmlns:a16="http://schemas.microsoft.com/office/drawing/2014/main" id="{AF8E9631-040E-42F5-BFCA-321987255859}"/>
+                <a16:creationId xmlns:a16="http://schemas.microsoft.com/office/drawing/2014/main" id="{94C6CE1A-06C1-4FBA-94EC-2AFA34647718}"/>
               </a:ext>
             </a:extLst>
           </p:cNvPr>
           <p:cNvGraphicFramePr>
-            <a:graphicFrameLocks noGrp="1"/>
+            <a:graphicFrameLocks/>
           </p:cNvGraphicFramePr>
           <p:nvPr>
-            <p:ph idx="1"/>
             <p:extLst>
               <p:ext uri="{D42A27DB-BD31-4B8C-83A1-F6EECF244321}">
-                <p14:modId xmlns:p14="http://schemas.microsoft.com/office/powerpoint/2010/main" val="1676261332"/>
+                <p14:modId xmlns:p14="http://schemas.microsoft.com/office/powerpoint/2010/main" val="1823567550"/>
               </p:ext>
             </p:extLst>
           </p:nvPr>
         </p:nvGraphicFramePr>
         <p:xfrm>
-          <a:off x="2045988" y="1600200"/>
-          <a:ext cx="6259812" cy="4419598"/>
+          <a:off x="2209800" y="3429000"/>
+          <a:ext cx="6324600" cy="2081087"/>
         </p:xfrm>
         <a:graphic>
           <a:graphicData uri="http://schemas.openxmlformats.org/drawingml/2006/table">
@@ -11937,29 +16088,29 @@
                 <a:tableStyleId>{5C22544A-7EE6-4342-B048-85BDC9FD1C3A}</a:tableStyleId>
               </a:tblPr>
               <a:tblGrid>
-                <a:gridCol w="4049906">
+                <a:gridCol w="3886200">
                   <a:extLst>
                     <a:ext uri="{9D8B030D-6E8A-4147-A177-3AD203B41FA5}">
-                      <a16:colId xmlns:a16="http://schemas.microsoft.com/office/drawing/2014/main" val="1251979476"/>
+                      <a16:colId xmlns:a16="http://schemas.microsoft.com/office/drawing/2014/main" val="1500039173"/>
                     </a:ext>
                   </a:extLst>
                 </a:gridCol>
-                <a:gridCol w="914444">
+                <a:gridCol w="1324257">
                   <a:extLst>
                     <a:ext uri="{9D8B030D-6E8A-4147-A177-3AD203B41FA5}">
-                      <a16:colId xmlns:a16="http://schemas.microsoft.com/office/drawing/2014/main" val="2006444181"/>
+                      <a16:colId xmlns:a16="http://schemas.microsoft.com/office/drawing/2014/main" val="2307559582"/>
                     </a:ext>
                   </a:extLst>
                 </a:gridCol>
-                <a:gridCol w="1295462">
+                <a:gridCol w="1114143">
                   <a:extLst>
                     <a:ext uri="{9D8B030D-6E8A-4147-A177-3AD203B41FA5}">
-                      <a16:colId xmlns:a16="http://schemas.microsoft.com/office/drawing/2014/main" val="2242342022"/>
+                      <a16:colId xmlns:a16="http://schemas.microsoft.com/office/drawing/2014/main" val="3632518763"/>
                     </a:ext>
                   </a:extLst>
                 </a:gridCol>
               </a:tblGrid>
-              <a:tr h="380612">
+              <a:tr h="370840">
                 <a:tc>
                   <a:txBody>
                     <a:bodyPr/>
@@ -12046,29 +16197,11 @@
                 </a:tc>
                 <a:extLst>
                   <a:ext uri="{0D108BD9-81ED-4DB2-BD59-A6C34878D82A}">
-                    <a16:rowId xmlns:a16="http://schemas.microsoft.com/office/drawing/2014/main" val="2284312410"/>
+                    <a16:rowId xmlns:a16="http://schemas.microsoft.com/office/drawing/2014/main" val="3195890912"/>
                   </a:ext>
                 </a:extLst>
               </a:tr>
-              <a:tr h="380612">
-                <a:tc>
-                  <a:txBody>
-                    <a:bodyPr/>
-                    <a:lstStyle/>
-                    <a:p>
-                      <a:pPr algn="l"/>
-                      <a:r>
-                        <a:rPr lang="en-US" sz="1400" dirty="0">
-                          <a:effectLst/>
-                          <a:latin typeface="+mn-lt"/>
-                          <a:ea typeface="Cambria Math" pitchFamily="18" charset="0"/>
-                        </a:rPr>
-                        <a:t>Models</a:t>
-                      </a:r>
-                    </a:p>
-                  </a:txBody>
-                  <a:tcPr/>
-                </a:tc>
+              <a:tr h="370840">
                 <a:tc>
                   <a:txBody>
                     <a:bodyPr/>
@@ -12083,18 +16216,84 @@
                         </a:spcAft>
                       </a:pPr>
                       <a:r>
-                        <a:rPr lang="en-US" sz="1400">
+                        <a:rPr lang="en-US" sz="1400" b="0" dirty="0">
                           <a:effectLst/>
                           <a:latin typeface="+mn-lt"/>
                           <a:ea typeface="Calibri" panose="020F0502020204030204" pitchFamily="34" charset="0"/>
                           <a:cs typeface="Times New Roman" panose="02020603050405020304" pitchFamily="18" charset="0"/>
                         </a:rPr>
-                        <a:t>0.89</a:t>
+                        <a:t>Voting Classifier (Logistic Regression +Random Forest)</a:t>
                       </a:r>
                     </a:p>
                   </a:txBody>
                   <a:tcPr marL="68580" marR="68580" marT="0" marB="0"/>
                 </a:tc>
+                <a:tc>
+                  <a:txBody>
+                    <a:bodyPr/>
+                    <a:lstStyle/>
+                    <a:p>
+                      <a:pPr marL="171450" marR="0" algn="ctr">
+                        <a:lnSpc>
+                          <a:spcPct val="150000"/>
+                        </a:lnSpc>
+                        <a:spcBef>
+                          <a:spcPts val="0"/>
+                        </a:spcBef>
+                        <a:spcAft>
+                          <a:spcPts val="0"/>
+                        </a:spcAft>
+                      </a:pPr>
+                      <a:r>
+                        <a:rPr lang="en-US" sz="1400" b="0" dirty="0">
+                          <a:latin typeface="+mn-lt"/>
+                        </a:rPr>
+                        <a:t>93.14%</a:t>
+                      </a:r>
+                      <a:endParaRPr lang="en-US" sz="1400" b="0" dirty="0">
+                        <a:effectLst/>
+                        <a:latin typeface="+mn-lt"/>
+                        <a:ea typeface="Cambria Math" pitchFamily="18" charset="0"/>
+                      </a:endParaRPr>
+                    </a:p>
+                  </a:txBody>
+                  <a:tcPr marL="0" marR="0" marT="0" marB="0"/>
+                </a:tc>
+                <a:tc>
+                  <a:txBody>
+                    <a:bodyPr/>
+                    <a:lstStyle/>
+                    <a:p>
+                      <a:pPr marL="171450" marR="0" algn="ctr">
+                        <a:lnSpc>
+                          <a:spcPct val="150000"/>
+                        </a:lnSpc>
+                        <a:spcBef>
+                          <a:spcPts val="0"/>
+                        </a:spcBef>
+                        <a:spcAft>
+                          <a:spcPts val="0"/>
+                        </a:spcAft>
+                      </a:pPr>
+                      <a:r>
+                        <a:rPr lang="en-US" sz="1400" b="0" dirty="0">
+                          <a:effectLst/>
+                          <a:latin typeface="+mn-lt"/>
+                          <a:ea typeface="Cambria Math" pitchFamily="18" charset="0"/>
+                        </a:rPr>
+                        <a:t>93%</a:t>
+                      </a:r>
+                    </a:p>
+                  </a:txBody>
+                  <a:tcPr marL="0" marR="0" marT="0" marB="0"/>
+                </a:tc>
+                <a:extLst>
+                  <a:ext uri="{0D108BD9-81ED-4DB2-BD59-A6C34878D82A}">
+                    <a16:rowId xmlns:a16="http://schemas.microsoft.com/office/drawing/2014/main" val="1352640070"/>
+                  </a:ext>
+                </a:extLst>
+              </a:tr>
+              <a:tr h="370840">
                 <a:tc>
                   <a:txBody>
                     <a:bodyPr/>
@@ -12109,25 +16308,84 @@
                         </a:spcAft>
                       </a:pPr>
                       <a:r>
-                        <a:rPr lang="en-US" sz="1400">
+                        <a:rPr lang="en-US" sz="1400" b="0" dirty="0">
                           <a:effectLst/>
                           <a:latin typeface="+mn-lt"/>
                           <a:ea typeface="Calibri" panose="020F0502020204030204" pitchFamily="34" charset="0"/>
                           <a:cs typeface="Times New Roman" panose="02020603050405020304" pitchFamily="18" charset="0"/>
                         </a:rPr>
-                        <a:t>0.89</a:t>
+                        <a:t>Voting Classifier (Random Forest + Support Vector Machine)</a:t>
                       </a:r>
                     </a:p>
                   </a:txBody>
                   <a:tcPr marL="68580" marR="68580" marT="0" marB="0"/>
                 </a:tc>
+                <a:tc>
+                  <a:txBody>
+                    <a:bodyPr/>
+                    <a:lstStyle/>
+                    <a:p>
+                      <a:pPr marL="171450" marR="0" algn="ctr">
+                        <a:lnSpc>
+                          <a:spcPct val="150000"/>
+                        </a:lnSpc>
+                        <a:spcBef>
+                          <a:spcPts val="0"/>
+                        </a:spcBef>
+                        <a:spcAft>
+                          <a:spcPts val="0"/>
+                        </a:spcAft>
+                      </a:pPr>
+                      <a:r>
+                        <a:rPr lang="en-US" sz="1400" b="0" dirty="0">
+                          <a:latin typeface="+mn-lt"/>
+                        </a:rPr>
+                        <a:t>92.68%</a:t>
+                      </a:r>
+                      <a:endParaRPr lang="en-US" sz="1400" b="0" dirty="0">
+                        <a:effectLst/>
+                        <a:latin typeface="+mn-lt"/>
+                        <a:ea typeface="Cambria Math" pitchFamily="18" charset="0"/>
+                      </a:endParaRPr>
+                    </a:p>
+                  </a:txBody>
+                  <a:tcPr marL="0" marR="0" marT="0" marB="0"/>
+                </a:tc>
+                <a:tc>
+                  <a:txBody>
+                    <a:bodyPr/>
+                    <a:lstStyle/>
+                    <a:p>
+                      <a:pPr marL="171450" marR="0" algn="ctr">
+                        <a:lnSpc>
+                          <a:spcPct val="150000"/>
+                        </a:lnSpc>
+                        <a:spcBef>
+                          <a:spcPts val="0"/>
+                        </a:spcBef>
+                        <a:spcAft>
+                          <a:spcPts val="0"/>
+                        </a:spcAft>
+                      </a:pPr>
+                      <a:r>
+                        <a:rPr lang="en-US" sz="1400" b="0" dirty="0">
+                          <a:effectLst/>
+                          <a:latin typeface="+mn-lt"/>
+                          <a:ea typeface="Cambria Math" pitchFamily="18" charset="0"/>
+                        </a:rPr>
+                        <a:t>93%</a:t>
+                      </a:r>
+                    </a:p>
+                  </a:txBody>
+                  <a:tcPr marL="0" marR="0" marT="0" marB="0"/>
+                </a:tc>
                 <a:extLst>
                   <a:ext uri="{0D108BD9-81ED-4DB2-BD59-A6C34878D82A}">
-                    <a16:rowId xmlns:a16="http://schemas.microsoft.com/office/drawing/2014/main" val="3565962347"/>
+                    <a16:rowId xmlns:a16="http://schemas.microsoft.com/office/drawing/2014/main" val="500030823"/>
                   </a:ext>
                 </a:extLst>
               </a:tr>
-              <a:tr h="380612">
+              <a:tr h="370840">
                 <a:tc>
                   <a:txBody>
                     <a:bodyPr/>
@@ -12142,18 +16400,84 @@
                         </a:spcAft>
                       </a:pPr>
                       <a:r>
-                        <a:rPr lang="en-US" sz="1400" dirty="0">
+                        <a:rPr lang="en-US" sz="1400" b="0" dirty="0">
                           <a:effectLst/>
                           <a:latin typeface="+mn-lt"/>
                           <a:ea typeface="Calibri" panose="020F0502020204030204" pitchFamily="34" charset="0"/>
                           <a:cs typeface="Times New Roman" panose="02020603050405020304" pitchFamily="18" charset="0"/>
                         </a:rPr>
-                        <a:t>Support Vector Machine</a:t>
+                        <a:t>Voting Classifier (Logistic Regression + Support Vector Machine)</a:t>
                       </a:r>
                     </a:p>
                   </a:txBody>
                   <a:tcPr marL="68580" marR="68580" marT="0" marB="0"/>
                 </a:tc>
+                <a:tc>
+                  <a:txBody>
+                    <a:bodyPr/>
+                    <a:lstStyle/>
+                    <a:p>
+                      <a:pPr marL="171450" marR="0" algn="ctr">
+                        <a:lnSpc>
+                          <a:spcPct val="150000"/>
+                        </a:lnSpc>
+                        <a:spcBef>
+                          <a:spcPts val="0"/>
+                        </a:spcBef>
+                        <a:spcAft>
+                          <a:spcPts val="0"/>
+                        </a:spcAft>
+                      </a:pPr>
+                      <a:r>
+                        <a:rPr lang="en-US" sz="1400" b="0" dirty="0">
+                          <a:latin typeface="+mn-lt"/>
+                        </a:rPr>
+                        <a:t>92.33%</a:t>
+                      </a:r>
+                      <a:endParaRPr lang="en-US" sz="1400" b="0" dirty="0">
+                        <a:effectLst/>
+                        <a:latin typeface="+mn-lt"/>
+                        <a:ea typeface="Cambria Math" pitchFamily="18" charset="0"/>
+                      </a:endParaRPr>
+                    </a:p>
+                  </a:txBody>
+                  <a:tcPr marL="0" marR="0" marT="0" marB="0"/>
+                </a:tc>
+                <a:tc>
+                  <a:txBody>
+                    <a:bodyPr/>
+                    <a:lstStyle/>
+                    <a:p>
+                      <a:pPr marL="171450" marR="0" algn="ctr">
+                        <a:lnSpc>
+                          <a:spcPct val="150000"/>
+                        </a:lnSpc>
+                        <a:spcBef>
+                          <a:spcPts val="0"/>
+                        </a:spcBef>
+                        <a:spcAft>
+                          <a:spcPts val="0"/>
+                        </a:spcAft>
+                      </a:pPr>
+                      <a:r>
+                        <a:rPr lang="en-US" sz="1400" b="0" dirty="0">
+                          <a:effectLst/>
+                          <a:latin typeface="+mn-lt"/>
+                          <a:ea typeface="Cambria Math" pitchFamily="18" charset="0"/>
+                        </a:rPr>
+                        <a:t>92%</a:t>
+                      </a:r>
+                    </a:p>
+                  </a:txBody>
+                  <a:tcPr marL="0" marR="0" marT="0" marB="0"/>
+                </a:tc>
+                <a:extLst>
+                  <a:ext uri="{0D108BD9-81ED-4DB2-BD59-A6C34878D82A}">
+                    <a16:rowId xmlns:a16="http://schemas.microsoft.com/office/drawing/2014/main" val="1936825337"/>
+                  </a:ext>
+                </a:extLst>
+              </a:tr>
+              <a:tr h="370840">
                 <a:tc>
                   <a:txBody>
                     <a:bodyPr/>
@@ -12168,13 +16492,13 @@
                         </a:spcAft>
                       </a:pPr>
                       <a:r>
-                        <a:rPr lang="en-US" sz="1400">
+                        <a:rPr lang="en-US" sz="1400" b="0" dirty="0">
                           <a:effectLst/>
                           <a:latin typeface="+mn-lt"/>
                           <a:ea typeface="Calibri" panose="020F0502020204030204" pitchFamily="34" charset="0"/>
                           <a:cs typeface="Times New Roman" panose="02020603050405020304" pitchFamily="18" charset="0"/>
                         </a:rPr>
-                        <a:t>0.72</a:t>
+                        <a:t>Base Paper Technique (Gini Index + SVM)</a:t>
                       </a:r>
                     </a:p>
                   </a:txBody>
@@ -12185,710 +16509,69 @@
                     <a:bodyPr/>
                     <a:lstStyle/>
                     <a:p>
-                      <a:pPr algn="l">
+                      <a:pPr marL="171450" marR="0" algn="ctr">
                         <a:lnSpc>
-                          <a:spcPct val="107000"/>
+                          <a:spcPct val="150000"/>
                         </a:lnSpc>
+                        <a:spcBef>
+                          <a:spcPts val="0"/>
+                        </a:spcBef>
                         <a:spcAft>
-                          <a:spcPts val="800"/>
+                          <a:spcPts val="0"/>
                         </a:spcAft>
                       </a:pPr>
                       <a:r>
-                        <a:rPr lang="en-US" sz="1400">
-                          <a:effectLst/>
+                        <a:rPr lang="en-US" sz="1400" b="0" dirty="0">
                           <a:latin typeface="+mn-lt"/>
-                          <a:ea typeface="Calibri" panose="020F0502020204030204" pitchFamily="34" charset="0"/>
-                          <a:cs typeface="Times New Roman" panose="02020603050405020304" pitchFamily="18" charset="0"/>
                         </a:rPr>
-                        <a:t>0.71</a:t>
-                      </a:r>
+                        <a:t>84.66%</a:t>
+                      </a:r>
+                      <a:endParaRPr lang="en-US" sz="1400" b="0" dirty="0">
+                        <a:effectLst/>
+                        <a:latin typeface="+mn-lt"/>
+                        <a:ea typeface="Cambria Math" pitchFamily="18" charset="0"/>
+                      </a:endParaRPr>
                     </a:p>
                   </a:txBody>
-                  <a:tcPr marL="68580" marR="68580" marT="0" marB="0"/>
-                </a:tc>
-                <a:extLst>
-                  <a:ext uri="{0D108BD9-81ED-4DB2-BD59-A6C34878D82A}">
-                    <a16:rowId xmlns:a16="http://schemas.microsoft.com/office/drawing/2014/main" val="567583603"/>
-                  </a:ext>
-                </a:extLst>
-              </a:tr>
-              <a:tr h="380612">
-                <a:tc>
-                  <a:txBody>
-                    <a:bodyPr/>
-                    <a:lstStyle/>
-                    <a:p>
-                      <a:pPr algn="l">
-                        <a:lnSpc>
-                          <a:spcPct val="107000"/>
-                        </a:lnSpc>
-                        <a:spcAft>
-                          <a:spcPts val="800"/>
-                        </a:spcAft>
-                      </a:pPr>
-                      <a:r>
-                        <a:rPr lang="en-US" sz="1400" dirty="0">
-                          <a:effectLst/>
-                          <a:latin typeface="+mn-lt"/>
-                          <a:ea typeface="Calibri" panose="020F0502020204030204" pitchFamily="34" charset="0"/>
-                          <a:cs typeface="Times New Roman" panose="02020603050405020304" pitchFamily="18" charset="0"/>
-                        </a:rPr>
-                        <a:t>K-Nearest Neighbor</a:t>
-                      </a:r>
-                    </a:p>
-                  </a:txBody>
-                  <a:tcPr marL="68580" marR="68580" marT="0" marB="0"/>
+                  <a:tcPr marL="0" marR="0" marT="0" marB="0"/>
                 </a:tc>
                 <a:tc>
                   <a:txBody>
                     <a:bodyPr/>
                     <a:lstStyle/>
                     <a:p>
-                      <a:pPr algn="l">
+                      <a:pPr marL="171450" marR="0" lvl="0" indent="0" algn="ctr" defTabSz="914400" rtl="0" eaLnBrk="1" fontAlgn="auto" latinLnBrk="0" hangingPunct="1">
                         <a:lnSpc>
-                          <a:spcPct val="107000"/>
+                          <a:spcPct val="150000"/>
                         </a:lnSpc>
+                        <a:spcBef>
+                          <a:spcPts val="0"/>
+                        </a:spcBef>
                         <a:spcAft>
-                          <a:spcPts val="800"/>
+                          <a:spcPts val="0"/>
                         </a:spcAft>
+                        <a:buClrTx/>
+                        <a:buSzTx/>
+                        <a:buFontTx/>
+                        <a:buNone/>
+                        <a:tabLst/>
+                        <a:defRPr/>
                       </a:pPr>
                       <a:r>
-                        <a:rPr lang="en-US" sz="1400">
+                        <a:rPr lang="en-US" sz="1400" b="0" dirty="0">
                           <a:effectLst/>
                           <a:latin typeface="+mn-lt"/>
-                          <a:ea typeface="Calibri" panose="020F0502020204030204" pitchFamily="34" charset="0"/>
-                          <a:cs typeface="Times New Roman" panose="02020603050405020304" pitchFamily="18" charset="0"/>
+                          <a:ea typeface="Cambria Math" pitchFamily="18" charset="0"/>
                         </a:rPr>
-                        <a:t>0.65</a:t>
+                        <a:t>85%</a:t>
                       </a:r>
                     </a:p>
                   </a:txBody>
-                  <a:tcPr marL="68580" marR="68580" marT="0" marB="0"/>
-                </a:tc>
-                <a:tc>
-                  <a:txBody>
-                    <a:bodyPr/>
-                    <a:lstStyle/>
-                    <a:p>
-                      <a:pPr algn="l">
-                        <a:lnSpc>
-                          <a:spcPct val="107000"/>
-                        </a:lnSpc>
-                        <a:spcAft>
-                          <a:spcPts val="800"/>
-                        </a:spcAft>
-                      </a:pPr>
-                      <a:r>
-                        <a:rPr lang="en-US" sz="1400">
-                          <a:effectLst/>
-                          <a:latin typeface="+mn-lt"/>
-                          <a:ea typeface="Calibri" panose="020F0502020204030204" pitchFamily="34" charset="0"/>
-                          <a:cs typeface="Times New Roman" panose="02020603050405020304" pitchFamily="18" charset="0"/>
-                        </a:rPr>
-                        <a:t>0.64</a:t>
-                      </a:r>
-                    </a:p>
-                  </a:txBody>
-                  <a:tcPr marL="68580" marR="68580" marT="0" marB="0"/>
+                  <a:tcPr marL="0" marR="0" marT="0" marB="0"/>
                 </a:tc>
                 <a:extLst>
                   <a:ext uri="{0D108BD9-81ED-4DB2-BD59-A6C34878D82A}">
-                    <a16:rowId xmlns:a16="http://schemas.microsoft.com/office/drawing/2014/main" val="1473982417"/>
-                  </a:ext>
-                </a:extLst>
-              </a:tr>
-              <a:tr h="380612">
-                <a:tc>
-                  <a:txBody>
-                    <a:bodyPr/>
-                    <a:lstStyle/>
-                    <a:p>
-                      <a:pPr algn="l">
-                        <a:lnSpc>
-                          <a:spcPct val="107000"/>
-                        </a:lnSpc>
-                        <a:spcAft>
-                          <a:spcPts val="800"/>
-                        </a:spcAft>
-                      </a:pPr>
-                      <a:r>
-                        <a:rPr lang="en-US" sz="1400" dirty="0">
-                          <a:effectLst/>
-                          <a:latin typeface="+mn-lt"/>
-                          <a:ea typeface="Calibri" panose="020F0502020204030204" pitchFamily="34" charset="0"/>
-                          <a:cs typeface="Times New Roman" panose="02020603050405020304" pitchFamily="18" charset="0"/>
-                        </a:rPr>
-                        <a:t>Gaussian Naïve Bayes</a:t>
-                      </a:r>
-                    </a:p>
-                  </a:txBody>
-                  <a:tcPr marL="68580" marR="68580" marT="0" marB="0"/>
-                </a:tc>
-                <a:tc>
-                  <a:txBody>
-                    <a:bodyPr/>
-                    <a:lstStyle/>
-                    <a:p>
-                      <a:pPr algn="l">
-                        <a:lnSpc>
-                          <a:spcPct val="107000"/>
-                        </a:lnSpc>
-                        <a:spcAft>
-                          <a:spcPts val="800"/>
-                        </a:spcAft>
-                      </a:pPr>
-                      <a:r>
-                        <a:rPr lang="en-US" sz="1400">
-                          <a:effectLst/>
-                          <a:latin typeface="+mn-lt"/>
-                          <a:ea typeface="Calibri" panose="020F0502020204030204" pitchFamily="34" charset="0"/>
-                          <a:cs typeface="Times New Roman" panose="02020603050405020304" pitchFamily="18" charset="0"/>
-                        </a:rPr>
-                        <a:t>0.89996</a:t>
-                      </a:r>
-                    </a:p>
-                  </a:txBody>
-                  <a:tcPr marL="68580" marR="68580" marT="0" marB="0"/>
-                </a:tc>
-                <a:tc>
-                  <a:txBody>
-                    <a:bodyPr/>
-                    <a:lstStyle/>
-                    <a:p>
-                      <a:pPr algn="l">
-                        <a:lnSpc>
-                          <a:spcPct val="107000"/>
-                        </a:lnSpc>
-                        <a:spcAft>
-                          <a:spcPts val="800"/>
-                        </a:spcAft>
-                      </a:pPr>
-                      <a:r>
-                        <a:rPr lang="en-US" sz="1400">
-                          <a:effectLst/>
-                          <a:latin typeface="+mn-lt"/>
-                          <a:ea typeface="Calibri" panose="020F0502020204030204" pitchFamily="34" charset="0"/>
-                          <a:cs typeface="Times New Roman" panose="02020603050405020304" pitchFamily="18" charset="0"/>
-                        </a:rPr>
-                        <a:t>0.90</a:t>
-                      </a:r>
-                    </a:p>
-                  </a:txBody>
-                  <a:tcPr marL="68580" marR="68580" marT="0" marB="0"/>
-                </a:tc>
-                <a:extLst>
-                  <a:ext uri="{0D108BD9-81ED-4DB2-BD59-A6C34878D82A}">
-                    <a16:rowId xmlns:a16="http://schemas.microsoft.com/office/drawing/2014/main" val="4206858467"/>
-                  </a:ext>
-                </a:extLst>
-              </a:tr>
-              <a:tr h="380612">
-                <a:tc>
-                  <a:txBody>
-                    <a:bodyPr/>
-                    <a:lstStyle/>
-                    <a:p>
-                      <a:pPr algn="l">
-                        <a:lnSpc>
-                          <a:spcPct val="107000"/>
-                        </a:lnSpc>
-                        <a:spcAft>
-                          <a:spcPts val="800"/>
-                        </a:spcAft>
-                      </a:pPr>
-                      <a:r>
-                        <a:rPr lang="en-US" sz="1400" dirty="0">
-                          <a:effectLst/>
-                          <a:latin typeface="+mn-lt"/>
-                          <a:ea typeface="Calibri" panose="020F0502020204030204" pitchFamily="34" charset="0"/>
-                          <a:cs typeface="Times New Roman" panose="02020603050405020304" pitchFamily="18" charset="0"/>
-                        </a:rPr>
-                        <a:t>Logistic Regression</a:t>
-                      </a:r>
-                    </a:p>
-                  </a:txBody>
-                  <a:tcPr marL="68580" marR="68580" marT="0" marB="0"/>
-                </a:tc>
-                <a:tc>
-                  <a:txBody>
-                    <a:bodyPr/>
-                    <a:lstStyle/>
-                    <a:p>
-                      <a:pPr algn="l">
-                        <a:lnSpc>
-                          <a:spcPct val="107000"/>
-                        </a:lnSpc>
-                        <a:spcAft>
-                          <a:spcPts val="800"/>
-                        </a:spcAft>
-                      </a:pPr>
-                      <a:r>
-                        <a:rPr lang="en-US" sz="1400">
-                          <a:effectLst/>
-                          <a:latin typeface="+mn-lt"/>
-                          <a:ea typeface="Calibri" panose="020F0502020204030204" pitchFamily="34" charset="0"/>
-                          <a:cs typeface="Times New Roman" panose="02020603050405020304" pitchFamily="18" charset="0"/>
-                        </a:rPr>
-                        <a:t>0.87</a:t>
-                      </a:r>
-                    </a:p>
-                  </a:txBody>
-                  <a:tcPr marL="68580" marR="68580" marT="0" marB="0"/>
-                </a:tc>
-                <a:tc>
-                  <a:txBody>
-                    <a:bodyPr/>
-                    <a:lstStyle/>
-                    <a:p>
-                      <a:pPr algn="l">
-                        <a:lnSpc>
-                          <a:spcPct val="107000"/>
-                        </a:lnSpc>
-                        <a:spcAft>
-                          <a:spcPts val="800"/>
-                        </a:spcAft>
-                      </a:pPr>
-                      <a:r>
-                        <a:rPr lang="en-US" sz="1400">
-                          <a:effectLst/>
-                          <a:latin typeface="+mn-lt"/>
-                          <a:ea typeface="Calibri" panose="020F0502020204030204" pitchFamily="34" charset="0"/>
-                          <a:cs typeface="Times New Roman" panose="02020603050405020304" pitchFamily="18" charset="0"/>
-                        </a:rPr>
-                        <a:t>0.87</a:t>
-                      </a:r>
-                    </a:p>
-                  </a:txBody>
-                  <a:tcPr marL="68580" marR="68580" marT="0" marB="0"/>
-                </a:tc>
-                <a:extLst>
-                  <a:ext uri="{0D108BD9-81ED-4DB2-BD59-A6C34878D82A}">
-                    <a16:rowId xmlns:a16="http://schemas.microsoft.com/office/drawing/2014/main" val="3434364397"/>
-                  </a:ext>
-                </a:extLst>
-              </a:tr>
-              <a:tr h="380612">
-                <a:tc>
-                  <a:txBody>
-                    <a:bodyPr/>
-                    <a:lstStyle/>
-                    <a:p>
-                      <a:pPr algn="l">
-                        <a:lnSpc>
-                          <a:spcPct val="107000"/>
-                        </a:lnSpc>
-                        <a:spcAft>
-                          <a:spcPts val="800"/>
-                        </a:spcAft>
-                      </a:pPr>
-                      <a:r>
-                        <a:rPr lang="en-US" sz="1400" dirty="0">
-                          <a:effectLst/>
-                          <a:latin typeface="+mn-lt"/>
-                          <a:ea typeface="Calibri" panose="020F0502020204030204" pitchFamily="34" charset="0"/>
-                          <a:cs typeface="Times New Roman" panose="02020603050405020304" pitchFamily="18" charset="0"/>
-                        </a:rPr>
-                        <a:t>Random Forest</a:t>
-                      </a:r>
-                    </a:p>
-                  </a:txBody>
-                  <a:tcPr marL="68580" marR="68580" marT="0" marB="0"/>
-                </a:tc>
-                <a:tc>
-                  <a:txBody>
-                    <a:bodyPr/>
-                    <a:lstStyle/>
-                    <a:p>
-                      <a:pPr algn="l">
-                        <a:lnSpc>
-                          <a:spcPct val="107000"/>
-                        </a:lnSpc>
-                        <a:spcAft>
-                          <a:spcPts val="800"/>
-                        </a:spcAft>
-                      </a:pPr>
-                      <a:r>
-                        <a:rPr lang="en-US" sz="1400" dirty="0">
-                          <a:effectLst/>
-                          <a:latin typeface="+mn-lt"/>
-                          <a:ea typeface="Calibri" panose="020F0502020204030204" pitchFamily="34" charset="0"/>
-                          <a:cs typeface="Times New Roman" panose="02020603050405020304" pitchFamily="18" charset="0"/>
-                        </a:rPr>
-                        <a:t>0.90069</a:t>
-                      </a:r>
-                    </a:p>
-                  </a:txBody>
-                  <a:tcPr marL="68580" marR="68580" marT="0" marB="0"/>
-                </a:tc>
-                <a:tc>
-                  <a:txBody>
-                    <a:bodyPr/>
-                    <a:lstStyle/>
-                    <a:p>
-                      <a:pPr algn="l">
-                        <a:lnSpc>
-                          <a:spcPct val="107000"/>
-                        </a:lnSpc>
-                        <a:spcAft>
-                          <a:spcPts val="800"/>
-                        </a:spcAft>
-                      </a:pPr>
-                      <a:r>
-                        <a:rPr lang="en-US" sz="1400">
-                          <a:effectLst/>
-                          <a:latin typeface="+mn-lt"/>
-                          <a:ea typeface="Calibri" panose="020F0502020204030204" pitchFamily="34" charset="0"/>
-                          <a:cs typeface="Times New Roman" panose="02020603050405020304" pitchFamily="18" charset="0"/>
-                        </a:rPr>
-                        <a:t>0.90</a:t>
-                      </a:r>
-                    </a:p>
-                  </a:txBody>
-                  <a:tcPr marL="68580" marR="68580" marT="0" marB="0"/>
-                </a:tc>
-                <a:extLst>
-                  <a:ext uri="{0D108BD9-81ED-4DB2-BD59-A6C34878D82A}">
-                    <a16:rowId xmlns:a16="http://schemas.microsoft.com/office/drawing/2014/main" val="2417289064"/>
-                  </a:ext>
-                </a:extLst>
-              </a:tr>
-              <a:tr h="458234">
-                <a:tc>
-                  <a:txBody>
-                    <a:bodyPr/>
-                    <a:lstStyle/>
-                    <a:p>
-                      <a:pPr algn="l">
-                        <a:lnSpc>
-                          <a:spcPct val="107000"/>
-                        </a:lnSpc>
-                        <a:spcAft>
-                          <a:spcPts val="800"/>
-                        </a:spcAft>
-                      </a:pPr>
-                      <a:r>
-                        <a:rPr lang="en-US" sz="1400" dirty="0">
-                          <a:effectLst/>
-                          <a:latin typeface="+mn-lt"/>
-                          <a:ea typeface="Calibri" panose="020F0502020204030204" pitchFamily="34" charset="0"/>
-                          <a:cs typeface="Times New Roman" panose="02020603050405020304" pitchFamily="18" charset="0"/>
-                        </a:rPr>
-                        <a:t>Voting Classifier (Logistic Regression +Random Forest)</a:t>
-                      </a:r>
-                    </a:p>
-                  </a:txBody>
-                  <a:tcPr marL="68580" marR="68580" marT="0" marB="0"/>
-                </a:tc>
-                <a:tc>
-                  <a:txBody>
-                    <a:bodyPr/>
-                    <a:lstStyle/>
-                    <a:p>
-                      <a:pPr algn="l">
-                        <a:lnSpc>
-                          <a:spcPct val="107000"/>
-                        </a:lnSpc>
-                        <a:spcAft>
-                          <a:spcPts val="800"/>
-                        </a:spcAft>
-                      </a:pPr>
-                      <a:r>
-                        <a:rPr lang="en-US" sz="1400" dirty="0">
-                          <a:effectLst/>
-                          <a:latin typeface="+mn-lt"/>
-                          <a:ea typeface="Calibri" panose="020F0502020204030204" pitchFamily="34" charset="0"/>
-                          <a:cs typeface="Times New Roman" panose="02020603050405020304" pitchFamily="18" charset="0"/>
-                        </a:rPr>
-                        <a:t>0.89371</a:t>
-                      </a:r>
-                    </a:p>
-                  </a:txBody>
-                  <a:tcPr marL="68580" marR="68580" marT="0" marB="0"/>
-                </a:tc>
-                <a:tc>
-                  <a:txBody>
-                    <a:bodyPr/>
-                    <a:lstStyle/>
-                    <a:p>
-                      <a:pPr algn="l">
-                        <a:lnSpc>
-                          <a:spcPct val="107000"/>
-                        </a:lnSpc>
-                        <a:spcAft>
-                          <a:spcPts val="800"/>
-                        </a:spcAft>
-                      </a:pPr>
-                      <a:r>
-                        <a:rPr lang="en-US" sz="1400">
-                          <a:effectLst/>
-                          <a:latin typeface="+mn-lt"/>
-                          <a:ea typeface="Calibri" panose="020F0502020204030204" pitchFamily="34" charset="0"/>
-                          <a:cs typeface="Times New Roman" panose="02020603050405020304" pitchFamily="18" charset="0"/>
-                        </a:rPr>
-                        <a:t>0.89</a:t>
-                      </a:r>
-                    </a:p>
-                  </a:txBody>
-                  <a:tcPr marL="68580" marR="68580" marT="0" marB="0"/>
-                </a:tc>
-                <a:extLst>
-                  <a:ext uri="{0D108BD9-81ED-4DB2-BD59-A6C34878D82A}">
-                    <a16:rowId xmlns:a16="http://schemas.microsoft.com/office/drawing/2014/main" val="1246473113"/>
-                  </a:ext>
-                </a:extLst>
-              </a:tr>
-              <a:tr h="458234">
-                <a:tc>
-                  <a:txBody>
-                    <a:bodyPr/>
-                    <a:lstStyle/>
-                    <a:p>
-                      <a:pPr algn="l">
-                        <a:lnSpc>
-                          <a:spcPct val="107000"/>
-                        </a:lnSpc>
-                        <a:spcAft>
-                          <a:spcPts val="800"/>
-                        </a:spcAft>
-                      </a:pPr>
-                      <a:r>
-                        <a:rPr lang="en-US" sz="1400" dirty="0">
-                          <a:effectLst/>
-                          <a:latin typeface="+mn-lt"/>
-                          <a:ea typeface="Calibri" panose="020F0502020204030204" pitchFamily="34" charset="0"/>
-                          <a:cs typeface="Times New Roman" panose="02020603050405020304" pitchFamily="18" charset="0"/>
-                        </a:rPr>
-                        <a:t>Voting Classifier (Random Forest + Support Vector Machine)</a:t>
-                      </a:r>
-                    </a:p>
-                  </a:txBody>
-                  <a:tcPr marL="68580" marR="68580" marT="0" marB="0"/>
-                </a:tc>
-                <a:tc>
-                  <a:txBody>
-                    <a:bodyPr/>
-                    <a:lstStyle/>
-                    <a:p>
-                      <a:pPr algn="l">
-                        <a:lnSpc>
-                          <a:spcPct val="107000"/>
-                        </a:lnSpc>
-                        <a:spcAft>
-                          <a:spcPts val="800"/>
-                        </a:spcAft>
-                      </a:pPr>
-                      <a:r>
-                        <a:rPr lang="en-US" sz="1400" dirty="0">
-                          <a:effectLst/>
-                          <a:latin typeface="+mn-lt"/>
-                          <a:ea typeface="Calibri" panose="020F0502020204030204" pitchFamily="34" charset="0"/>
-                          <a:cs typeface="Times New Roman" panose="02020603050405020304" pitchFamily="18" charset="0"/>
-                        </a:rPr>
-                        <a:t>0.89334</a:t>
-                      </a:r>
-                    </a:p>
-                  </a:txBody>
-                  <a:tcPr marL="68580" marR="68580" marT="0" marB="0"/>
-                </a:tc>
-                <a:tc>
-                  <a:txBody>
-                    <a:bodyPr/>
-                    <a:lstStyle/>
-                    <a:p>
-                      <a:pPr algn="l">
-                        <a:lnSpc>
-                          <a:spcPct val="107000"/>
-                        </a:lnSpc>
-                        <a:spcAft>
-                          <a:spcPts val="800"/>
-                        </a:spcAft>
-                      </a:pPr>
-                      <a:r>
-                        <a:rPr lang="en-US" sz="1400" dirty="0">
-                          <a:effectLst/>
-                          <a:latin typeface="+mn-lt"/>
-                          <a:ea typeface="Calibri" panose="020F0502020204030204" pitchFamily="34" charset="0"/>
-                          <a:cs typeface="Times New Roman" panose="02020603050405020304" pitchFamily="18" charset="0"/>
-                        </a:rPr>
-                        <a:t>0.89</a:t>
-                      </a:r>
-                    </a:p>
-                  </a:txBody>
-                  <a:tcPr marL="68580" marR="68580" marT="0" marB="0"/>
-                </a:tc>
-                <a:extLst>
-                  <a:ext uri="{0D108BD9-81ED-4DB2-BD59-A6C34878D82A}">
-                    <a16:rowId xmlns:a16="http://schemas.microsoft.com/office/drawing/2014/main" val="108310643"/>
-                  </a:ext>
-                </a:extLst>
-              </a:tr>
-              <a:tr h="458234">
-                <a:tc>
-                  <a:txBody>
-                    <a:bodyPr/>
-                    <a:lstStyle/>
-                    <a:p>
-                      <a:pPr algn="l">
-                        <a:lnSpc>
-                          <a:spcPct val="107000"/>
-                        </a:lnSpc>
-                        <a:spcAft>
-                          <a:spcPts val="800"/>
-                        </a:spcAft>
-                      </a:pPr>
-                      <a:r>
-                        <a:rPr lang="en-US" sz="1400" dirty="0">
-                          <a:effectLst/>
-                          <a:latin typeface="+mn-lt"/>
-                          <a:ea typeface="Calibri" panose="020F0502020204030204" pitchFamily="34" charset="0"/>
-                          <a:cs typeface="Times New Roman" panose="02020603050405020304" pitchFamily="18" charset="0"/>
-                        </a:rPr>
-                        <a:t>Voting Classifier (Logistic Regression + Support Vector Machine)</a:t>
-                      </a:r>
-                    </a:p>
-                  </a:txBody>
-                  <a:tcPr marL="68580" marR="68580" marT="0" marB="0"/>
-                </a:tc>
-                <a:tc>
-                  <a:txBody>
-                    <a:bodyPr/>
-                    <a:lstStyle/>
-                    <a:p>
-                      <a:pPr algn="l">
-                        <a:lnSpc>
-                          <a:spcPct val="107000"/>
-                        </a:lnSpc>
-                        <a:spcAft>
-                          <a:spcPts val="800"/>
-                        </a:spcAft>
-                      </a:pPr>
-                      <a:r>
-                        <a:rPr lang="en-US" sz="1400" dirty="0">
-                          <a:effectLst/>
-                          <a:latin typeface="+mn-lt"/>
-                          <a:ea typeface="Calibri" panose="020F0502020204030204" pitchFamily="34" charset="0"/>
-                          <a:cs typeface="Times New Roman" panose="02020603050405020304" pitchFamily="18" charset="0"/>
-                        </a:rPr>
-                        <a:t>0.82</a:t>
-                      </a:r>
-                    </a:p>
-                  </a:txBody>
-                  <a:tcPr marL="68580" marR="68580" marT="0" marB="0"/>
-                </a:tc>
-                <a:tc>
-                  <a:txBody>
-                    <a:bodyPr/>
-                    <a:lstStyle/>
-                    <a:p>
-                      <a:pPr algn="l">
-                        <a:lnSpc>
-                          <a:spcPct val="107000"/>
-                        </a:lnSpc>
-                        <a:spcAft>
-                          <a:spcPts val="800"/>
-                        </a:spcAft>
-                      </a:pPr>
-                      <a:r>
-                        <a:rPr lang="en-US" sz="1400" dirty="0">
-                          <a:effectLst/>
-                          <a:latin typeface="+mn-lt"/>
-                          <a:ea typeface="Calibri" panose="020F0502020204030204" pitchFamily="34" charset="0"/>
-                          <a:cs typeface="Times New Roman" panose="02020603050405020304" pitchFamily="18" charset="0"/>
-                        </a:rPr>
-                        <a:t>0.77</a:t>
-                      </a:r>
-                    </a:p>
-                  </a:txBody>
-                  <a:tcPr marL="68580" marR="68580" marT="0" marB="0"/>
-                </a:tc>
-                <a:extLst>
-                  <a:ext uri="{0D108BD9-81ED-4DB2-BD59-A6C34878D82A}">
-                    <a16:rowId xmlns:a16="http://schemas.microsoft.com/office/drawing/2014/main" val="1021626654"/>
-                  </a:ext>
-                </a:extLst>
-              </a:tr>
-              <a:tr h="380612">
-                <a:tc>
-                  <a:txBody>
-                    <a:bodyPr/>
-                    <a:lstStyle/>
-                    <a:p>
-                      <a:pPr algn="l">
-                        <a:lnSpc>
-                          <a:spcPct val="107000"/>
-                        </a:lnSpc>
-                        <a:spcAft>
-                          <a:spcPts val="800"/>
-                        </a:spcAft>
-                      </a:pPr>
-                      <a:r>
-                        <a:rPr lang="en-US" sz="1400" dirty="0">
-                          <a:effectLst/>
-                          <a:latin typeface="+mn-lt"/>
-                          <a:ea typeface="Calibri" panose="020F0502020204030204" pitchFamily="34" charset="0"/>
-                          <a:cs typeface="Times New Roman" panose="02020603050405020304" pitchFamily="18" charset="0"/>
-                        </a:rPr>
-                        <a:t>Recurrent Neural Network</a:t>
-                      </a:r>
-                    </a:p>
-                  </a:txBody>
-                  <a:tcPr marL="68580" marR="68580" marT="0" marB="0"/>
-                </a:tc>
-                <a:tc>
-                  <a:txBody>
-                    <a:bodyPr/>
-                    <a:lstStyle/>
-                    <a:p>
-                      <a:pPr algn="l">
-                        <a:lnSpc>
-                          <a:spcPct val="107000"/>
-                        </a:lnSpc>
-                        <a:spcAft>
-                          <a:spcPts val="800"/>
-                        </a:spcAft>
-                      </a:pPr>
-                      <a:r>
-                        <a:rPr lang="en-US" sz="1400">
-                          <a:effectLst/>
-                          <a:latin typeface="+mn-lt"/>
-                          <a:ea typeface="Calibri" panose="020F0502020204030204" pitchFamily="34" charset="0"/>
-                          <a:cs typeface="Times New Roman" panose="02020603050405020304" pitchFamily="18" charset="0"/>
-                        </a:rPr>
-                        <a:t>0.76</a:t>
-                      </a:r>
-                    </a:p>
-                  </a:txBody>
-                  <a:tcPr marL="68580" marR="68580" marT="0" marB="0"/>
-                </a:tc>
-                <a:tc>
-                  <a:txBody>
-                    <a:bodyPr/>
-                    <a:lstStyle/>
-                    <a:p>
-                      <a:pPr algn="l">
-                        <a:lnSpc>
-                          <a:spcPct val="107000"/>
-                        </a:lnSpc>
-                        <a:spcAft>
-                          <a:spcPts val="800"/>
-                        </a:spcAft>
-                      </a:pPr>
-                      <a:r>
-                        <a:rPr lang="en-US" sz="1400" dirty="0">
-                          <a:effectLst/>
-                          <a:latin typeface="+mn-lt"/>
-                          <a:ea typeface="Calibri" panose="020F0502020204030204" pitchFamily="34" charset="0"/>
-                          <a:cs typeface="Times New Roman" panose="02020603050405020304" pitchFamily="18" charset="0"/>
-                        </a:rPr>
-                        <a:t>0.76</a:t>
-                      </a:r>
-                    </a:p>
-                  </a:txBody>
-                  <a:tcPr marL="68580" marR="68580" marT="0" marB="0"/>
-                </a:tc>
-                <a:extLst>
-                  <a:ext uri="{0D108BD9-81ED-4DB2-BD59-A6C34878D82A}">
-                    <a16:rowId xmlns:a16="http://schemas.microsoft.com/office/drawing/2014/main" val="2589731503"/>
+                    <a16:rowId xmlns:a16="http://schemas.microsoft.com/office/drawing/2014/main" val="1886049593"/>
                   </a:ext>
                 </a:extLst>
               </a:tr>
@@ -12899,7 +16582,7 @@
     </p:spTree>
     <p:extLst>
       <p:ext uri="{BB962C8B-B14F-4D97-AF65-F5344CB8AC3E}">
-        <p14:creationId xmlns:p14="http://schemas.microsoft.com/office/powerpoint/2010/main" val="302345220"/>
+        <p14:creationId xmlns:p14="http://schemas.microsoft.com/office/powerpoint/2010/main" val="2483092860"/>
       </p:ext>
     </p:extLst>
   </p:cSld>
@@ -12939,41 +16622,78 @@
         <p:spPr/>
         <p:txBody>
           <a:bodyPr>
-            <a:normAutofit/>
+            <a:normAutofit fontScale="90000"/>
           </a:bodyPr>
           <a:lstStyle/>
           <a:p>
             <a:r>
-              <a:rPr lang="en-US" sz="3200" dirty="0"/>
-              <a:t>Comparative Analysis on Dataset_1 and Dataset_2</a:t>
-            </a:r>
+              <a:rPr lang="en-US" dirty="0"/>
+              <a:t>Comparative Analysis on Dataset_2</a:t>
+            </a:r>
+          </a:p>
+        </p:txBody>
+      </p:sp>
+      <p:sp>
+        <p:nvSpPr>
+          <p:cNvPr id="4" name="Content Placeholder 3">
+            <a:extLst>
+              <a:ext uri="{FF2B5EF4-FFF2-40B4-BE49-F238E27FC236}">
+                <a16:creationId xmlns:a16="http://schemas.microsoft.com/office/drawing/2014/main" id="{B6089DF3-47E4-4AD4-A513-997C53F52165}"/>
+              </a:ext>
+            </a:extLst>
+          </p:cNvPr>
+          <p:cNvSpPr>
+            <a:spLocks noGrp="1"/>
+          </p:cNvSpPr>
+          <p:nvPr>
+            <p:ph idx="1"/>
+          </p:nvPr>
+        </p:nvSpPr>
+        <p:spPr/>
+        <p:txBody>
+          <a:bodyPr/>
+          <a:lstStyle/>
+          <a:p>
+            <a:pPr>
+              <a:buFont typeface="Wingdings" panose="05000000000000000000" pitchFamily="2" charset="2"/>
+              <a:buChar char="v"/>
+            </a:pPr>
+            <a:r>
+              <a:rPr lang="en-US" dirty="0"/>
+              <a:t>Comparison among different machine learning models.</a:t>
+            </a:r>
+          </a:p>
+          <a:p>
+            <a:endParaRPr lang="en-US" dirty="0"/>
+          </a:p>
+          <a:p>
+            <a:endParaRPr lang="en-US" dirty="0"/>
           </a:p>
         </p:txBody>
       </p:sp>
       <p:graphicFrame>
         <p:nvGraphicFramePr>
-          <p:cNvPr id="6" name="Table 6">
+          <p:cNvPr id="7" name="Table 6">
             <a:extLst>
               <a:ext uri="{FF2B5EF4-FFF2-40B4-BE49-F238E27FC236}">
-                <a16:creationId xmlns:a16="http://schemas.microsoft.com/office/drawing/2014/main" id="{8F06BAA7-48F0-4C57-93B5-689E031223F6}"/>
+                <a16:creationId xmlns:a16="http://schemas.microsoft.com/office/drawing/2014/main" id="{CA3C9C2A-E96E-42BA-BB1C-C6FC6199A055}"/>
               </a:ext>
             </a:extLst>
           </p:cNvPr>
           <p:cNvGraphicFramePr>
-            <a:graphicFrameLocks noGrp="1"/>
+            <a:graphicFrameLocks/>
           </p:cNvGraphicFramePr>
           <p:nvPr>
-            <p:ph idx="1"/>
             <p:extLst>
               <p:ext uri="{D42A27DB-BD31-4B8C-83A1-F6EECF244321}">
-                <p14:modId xmlns:p14="http://schemas.microsoft.com/office/powerpoint/2010/main" val="3644612197"/>
+                <p14:modId xmlns:p14="http://schemas.microsoft.com/office/powerpoint/2010/main" val="2832712110"/>
               </p:ext>
             </p:extLst>
           </p:nvPr>
         </p:nvGraphicFramePr>
         <p:xfrm>
-          <a:off x="2236637" y="1676400"/>
-          <a:ext cx="6069163" cy="4306127"/>
+          <a:off x="2236487" y="3124200"/>
+          <a:ext cx="6259812" cy="2819658"/>
         </p:xfrm>
         <a:graphic>
           <a:graphicData uri="http://schemas.openxmlformats.org/drawingml/2006/table">
@@ -12982,138 +16702,35 @@
                 <a:tableStyleId>{5C22544A-7EE6-4342-B048-85BDC9FD1C3A}</a:tableStyleId>
               </a:tblPr>
               <a:tblGrid>
-                <a:gridCol w="3483265">
+                <a:gridCol w="4049906">
                   <a:extLst>
                     <a:ext uri="{9D8B030D-6E8A-4147-A177-3AD203B41FA5}">
-                      <a16:colId xmlns:a16="http://schemas.microsoft.com/office/drawing/2014/main" val="73794869"/>
+                      <a16:colId xmlns:a16="http://schemas.microsoft.com/office/drawing/2014/main" val="1251979476"/>
                     </a:ext>
                   </a:extLst>
                 </a:gridCol>
-                <a:gridCol w="1034359">
+                <a:gridCol w="914444">
                   <a:extLst>
                     <a:ext uri="{9D8B030D-6E8A-4147-A177-3AD203B41FA5}">
-                      <a16:colId xmlns:a16="http://schemas.microsoft.com/office/drawing/2014/main" val="632980055"/>
+                      <a16:colId xmlns:a16="http://schemas.microsoft.com/office/drawing/2014/main" val="2006444181"/>
                     </a:ext>
                   </a:extLst>
                 </a:gridCol>
-                <a:gridCol w="1551539">
+                <a:gridCol w="1295462">
                   <a:extLst>
                     <a:ext uri="{9D8B030D-6E8A-4147-A177-3AD203B41FA5}">
-                      <a16:colId xmlns:a16="http://schemas.microsoft.com/office/drawing/2014/main" val="1231766195"/>
+                      <a16:colId xmlns:a16="http://schemas.microsoft.com/office/drawing/2014/main" val="2242342022"/>
                     </a:ext>
                   </a:extLst>
                 </a:gridCol>
               </a:tblGrid>
-              <a:tr h="370840">
+              <a:tr h="380612">
                 <a:tc>
                   <a:txBody>
                     <a:bodyPr/>
                     <a:lstStyle/>
                     <a:p>
-                      <a:pPr algn="ctr">
-                        <a:lnSpc>
-                          <a:spcPct val="107000"/>
-                        </a:lnSpc>
-                        <a:spcAft>
-                          <a:spcPts val="800"/>
-                        </a:spcAft>
-                      </a:pPr>
-                      <a:r>
-                        <a:rPr lang="en-US" sz="1400" b="1" dirty="0">
-                          <a:effectLst/>
-                          <a:latin typeface="+mn-lt"/>
-                          <a:ea typeface="Calibri" panose="020F0502020204030204" pitchFamily="34" charset="0"/>
-                          <a:cs typeface="Times New Roman" panose="02020603050405020304" pitchFamily="18" charset="0"/>
-                        </a:rPr>
-                        <a:t>Models</a:t>
-                      </a:r>
-                      <a:endParaRPr lang="en-US" sz="1400" dirty="0">
-                        <a:effectLst/>
-                        <a:latin typeface="+mn-lt"/>
-                        <a:ea typeface="Calibri" panose="020F0502020204030204" pitchFamily="34" charset="0"/>
-                        <a:cs typeface="Times New Roman" panose="02020603050405020304" pitchFamily="18" charset="0"/>
-                      </a:endParaRPr>
-                    </a:p>
-                  </a:txBody>
-                  <a:tcPr marL="68580" marR="68580" marT="0" marB="0"/>
-                </a:tc>
-                <a:tc>
-                  <a:txBody>
-                    <a:bodyPr/>
-                    <a:lstStyle/>
-                    <a:p>
-                      <a:pPr algn="ctr">
-                        <a:lnSpc>
-                          <a:spcPct val="107000"/>
-                        </a:lnSpc>
-                        <a:spcAft>
-                          <a:spcPts val="800"/>
-                        </a:spcAft>
-                      </a:pPr>
-                      <a:r>
-                        <a:rPr lang="en-US" sz="1400" b="1">
-                          <a:effectLst/>
-                          <a:latin typeface="+mn-lt"/>
-                          <a:ea typeface="Calibri" panose="020F0502020204030204" pitchFamily="34" charset="0"/>
-                          <a:cs typeface="Times New Roman" panose="02020603050405020304" pitchFamily="18" charset="0"/>
-                        </a:rPr>
-                        <a:t>Accuracy</a:t>
-                      </a:r>
-                      <a:endParaRPr lang="en-US" sz="1400">
-                        <a:effectLst/>
-                        <a:latin typeface="+mn-lt"/>
-                        <a:ea typeface="Calibri" panose="020F0502020204030204" pitchFamily="34" charset="0"/>
-                        <a:cs typeface="Times New Roman" panose="02020603050405020304" pitchFamily="18" charset="0"/>
-                      </a:endParaRPr>
-                    </a:p>
-                  </a:txBody>
-                  <a:tcPr marL="68580" marR="68580" marT="0" marB="0"/>
-                </a:tc>
-                <a:tc>
-                  <a:txBody>
-                    <a:bodyPr/>
-                    <a:lstStyle/>
-                    <a:p>
-                      <a:pPr algn="ctr">
-                        <a:lnSpc>
-                          <a:spcPct val="107000"/>
-                        </a:lnSpc>
-                        <a:spcAft>
-                          <a:spcPts val="800"/>
-                        </a:spcAft>
-                      </a:pPr>
-                      <a:r>
-                        <a:rPr lang="en-US" sz="1400" b="1">
-                          <a:effectLst/>
-                          <a:latin typeface="+mn-lt"/>
-                          <a:ea typeface="Calibri" panose="020F0502020204030204" pitchFamily="34" charset="0"/>
-                          <a:cs typeface="Times New Roman" panose="02020603050405020304" pitchFamily="18" charset="0"/>
-                        </a:rPr>
-                        <a:t>F1-Score</a:t>
-                      </a:r>
-                      <a:endParaRPr lang="en-US" sz="1400">
-                        <a:effectLst/>
-                        <a:latin typeface="+mn-lt"/>
-                        <a:ea typeface="Calibri" panose="020F0502020204030204" pitchFamily="34" charset="0"/>
-                        <a:cs typeface="Times New Roman" panose="02020603050405020304" pitchFamily="18" charset="0"/>
-                      </a:endParaRPr>
-                    </a:p>
-                  </a:txBody>
-                  <a:tcPr marL="68580" marR="68580" marT="0" marB="0"/>
-                </a:tc>
-                <a:extLst>
-                  <a:ext uri="{0D108BD9-81ED-4DB2-BD59-A6C34878D82A}">
-                    <a16:rowId xmlns:a16="http://schemas.microsoft.com/office/drawing/2014/main" val="3613516207"/>
-                  </a:ext>
-                </a:extLst>
-              </a:tr>
-              <a:tr h="370840">
-                <a:tc>
-                  <a:txBody>
-                    <a:bodyPr/>
-                    <a:lstStyle/>
-                    <a:p>
-                      <a:pPr algn="l"/>
+                      <a:pPr algn="ctr"/>
                       <a:r>
                         <a:rPr lang="en-US" sz="1400" dirty="0">
                           <a:effectLst/>
@@ -13131,60 +16748,74 @@
                     <a:bodyPr/>
                     <a:lstStyle/>
                     <a:p>
-                      <a:pPr algn="ctr">
+                      <a:pPr marL="171450" marR="0" algn="ctr">
                         <a:lnSpc>
-                          <a:spcPct val="107000"/>
+                          <a:spcPct val="150000"/>
                         </a:lnSpc>
+                        <a:spcBef>
+                          <a:spcPts val="0"/>
+                        </a:spcBef>
                         <a:spcAft>
-                          <a:spcPts val="800"/>
+                          <a:spcPts val="0"/>
                         </a:spcAft>
                       </a:pPr>
                       <a:r>
-                        <a:rPr lang="en-US" sz="1400">
+                        <a:rPr lang="en-GB" sz="1400" dirty="0">
                           <a:effectLst/>
                           <a:latin typeface="+mn-lt"/>
-                          <a:ea typeface="Calibri" panose="020F0502020204030204" pitchFamily="34" charset="0"/>
-                          <a:cs typeface="Times New Roman" panose="02020603050405020304" pitchFamily="18" charset="0"/>
+                          <a:ea typeface="Cambria Math" pitchFamily="18" charset="0"/>
                         </a:rPr>
-                        <a:t>0.88</a:t>
-                      </a:r>
+                        <a:t>Accuracy</a:t>
+                      </a:r>
+                      <a:endParaRPr lang="en-US" sz="1400" dirty="0">
+                        <a:effectLst/>
+                        <a:latin typeface="+mn-lt"/>
+                        <a:ea typeface="Cambria Math" pitchFamily="18" charset="0"/>
+                      </a:endParaRPr>
                     </a:p>
                   </a:txBody>
-                  <a:tcPr marL="68580" marR="68580" marT="0" marB="0"/>
+                  <a:tcPr marL="0" marR="0" marT="0" marB="0"/>
                 </a:tc>
                 <a:tc>
                   <a:txBody>
                     <a:bodyPr/>
                     <a:lstStyle/>
                     <a:p>
-                      <a:pPr algn="ctr">
+                      <a:pPr marL="171450" marR="0" algn="ctr">
                         <a:lnSpc>
-                          <a:spcPct val="107000"/>
+                          <a:spcPct val="150000"/>
                         </a:lnSpc>
+                        <a:spcBef>
+                          <a:spcPts val="0"/>
+                        </a:spcBef>
                         <a:spcAft>
-                          <a:spcPts val="800"/>
+                          <a:spcPts val="0"/>
                         </a:spcAft>
                       </a:pPr>
                       <a:r>
-                        <a:rPr lang="en-US" sz="1400">
+                        <a:rPr lang="en-GB" sz="1400" dirty="0">
                           <a:effectLst/>
                           <a:latin typeface="+mn-lt"/>
-                          <a:ea typeface="Calibri" panose="020F0502020204030204" pitchFamily="34" charset="0"/>
-                          <a:cs typeface="Times New Roman" panose="02020603050405020304" pitchFamily="18" charset="0"/>
+                          <a:ea typeface="Cambria Math" pitchFamily="18" charset="0"/>
                         </a:rPr>
-                        <a:t>0.88</a:t>
-                      </a:r>
+                        <a:t>F1 Score</a:t>
+                      </a:r>
+                      <a:endParaRPr lang="en-US" sz="1400" dirty="0">
+                        <a:effectLst/>
+                        <a:latin typeface="+mn-lt"/>
+                        <a:ea typeface="Cambria Math" pitchFamily="18" charset="0"/>
+                      </a:endParaRPr>
                     </a:p>
                   </a:txBody>
-                  <a:tcPr marL="68580" marR="68580" marT="0" marB="0"/>
+                  <a:tcPr marL="0" marR="0" marT="0" marB="0"/>
                 </a:tc>
                 <a:extLst>
                   <a:ext uri="{0D108BD9-81ED-4DB2-BD59-A6C34878D82A}">
-                    <a16:rowId xmlns:a16="http://schemas.microsoft.com/office/drawing/2014/main" val="11331810"/>
+                    <a16:rowId xmlns:a16="http://schemas.microsoft.com/office/drawing/2014/main" val="2284312410"/>
                   </a:ext>
                 </a:extLst>
               </a:tr>
-              <a:tr h="370840">
+              <a:tr h="380612">
                 <a:tc>
                   <a:txBody>
                     <a:bodyPr/>
@@ -13199,7 +16830,7 @@
                         </a:spcAft>
                       </a:pPr>
                       <a:r>
-                        <a:rPr lang="en-US" sz="1400" dirty="0">
+                        <a:rPr lang="en-US" sz="1400" b="1" dirty="0">
                           <a:effectLst/>
                           <a:latin typeface="+mn-lt"/>
                           <a:ea typeface="Calibri" panose="020F0502020204030204" pitchFamily="34" charset="0"/>
@@ -13216,7 +16847,7 @@
                     <a:bodyPr/>
                     <a:lstStyle/>
                     <a:p>
-                      <a:pPr algn="ctr">
+                      <a:pPr>
                         <a:lnSpc>
                           <a:spcPct val="107000"/>
                         </a:lnSpc>
@@ -13225,51 +16856,18 @@
                         </a:spcAft>
                       </a:pPr>
                       <a:r>
-                        <a:rPr lang="en-US" sz="1400">
+                        <a:rPr lang="en-US" sz="1400" b="1" dirty="0">
                           <a:effectLst/>
-                          <a:latin typeface="+mn-lt"/>
+                          <a:latin typeface="Calibri" panose="020F0502020204030204" pitchFamily="34" charset="0"/>
                           <a:ea typeface="Calibri" panose="020F0502020204030204" pitchFamily="34" charset="0"/>
                           <a:cs typeface="Times New Roman" panose="02020603050405020304" pitchFamily="18" charset="0"/>
                         </a:rPr>
-                        <a:t>0.55</a:t>
+                        <a:t>89%</a:t>
                       </a:r>
                     </a:p>
                   </a:txBody>
                   <a:tcPr marL="68580" marR="68580" marT="0" marB="0"/>
                 </a:tc>
-                <a:tc>
-                  <a:txBody>
-                    <a:bodyPr/>
-                    <a:lstStyle/>
-                    <a:p>
-                      <a:pPr algn="ctr">
-                        <a:lnSpc>
-                          <a:spcPct val="107000"/>
-                        </a:lnSpc>
-                        <a:spcAft>
-                          <a:spcPts val="800"/>
-                        </a:spcAft>
-                      </a:pPr>
-                      <a:r>
-                        <a:rPr lang="en-US" sz="1400">
-                          <a:effectLst/>
-                          <a:latin typeface="+mn-lt"/>
-                          <a:ea typeface="Calibri" panose="020F0502020204030204" pitchFamily="34" charset="0"/>
-                          <a:cs typeface="Times New Roman" panose="02020603050405020304" pitchFamily="18" charset="0"/>
-                        </a:rPr>
-                        <a:t>0.50</a:t>
-                      </a:r>
-                    </a:p>
-                  </a:txBody>
-                  <a:tcPr marL="68580" marR="68580" marT="0" marB="0"/>
-                </a:tc>
-                <a:extLst>
-                  <a:ext uri="{0D108BD9-81ED-4DB2-BD59-A6C34878D82A}">
-                    <a16:rowId xmlns:a16="http://schemas.microsoft.com/office/drawing/2014/main" val="2550844682"/>
-                  </a:ext>
-                </a:extLst>
-              </a:tr>
-              <a:tr h="370840">
                 <a:tc>
                   <a:txBody>
                     <a:bodyPr/>
@@ -13284,65 +16882,13 @@
                         </a:spcAft>
                       </a:pPr>
                       <a:r>
-                        <a:rPr lang="en-US" sz="1400" dirty="0">
+                        <a:rPr lang="en-US" sz="1400" b="1" dirty="0">
                           <a:effectLst/>
                           <a:latin typeface="+mn-lt"/>
                           <a:ea typeface="Calibri" panose="020F0502020204030204" pitchFamily="34" charset="0"/>
                           <a:cs typeface="Times New Roman" panose="02020603050405020304" pitchFamily="18" charset="0"/>
                         </a:rPr>
-                        <a:t>K-Nearest Neighbor</a:t>
-                      </a:r>
-                    </a:p>
-                  </a:txBody>
-                  <a:tcPr marL="68580" marR="68580" marT="0" marB="0"/>
-                </a:tc>
-                <a:tc>
-                  <a:txBody>
-                    <a:bodyPr/>
-                    <a:lstStyle/>
-                    <a:p>
-                      <a:pPr algn="ctr">
-                        <a:lnSpc>
-                          <a:spcPct val="107000"/>
-                        </a:lnSpc>
-                        <a:spcAft>
-                          <a:spcPts val="800"/>
-                        </a:spcAft>
-                      </a:pPr>
-                      <a:r>
-                        <a:rPr lang="en-US" sz="1400">
-                          <a:effectLst/>
-                          <a:latin typeface="+mn-lt"/>
-                          <a:ea typeface="Calibri" panose="020F0502020204030204" pitchFamily="34" charset="0"/>
-                          <a:cs typeface="Times New Roman" panose="02020603050405020304" pitchFamily="18" charset="0"/>
-                        </a:rPr>
-                        <a:t>0.55</a:t>
-                      </a:r>
-                    </a:p>
-                  </a:txBody>
-                  <a:tcPr marL="68580" marR="68580" marT="0" marB="0"/>
-                </a:tc>
-                <a:tc>
-                  <a:txBody>
-                    <a:bodyPr/>
-                    <a:lstStyle/>
-                    <a:p>
-                      <a:pPr algn="ctr">
-                        <a:lnSpc>
-                          <a:spcPct val="107000"/>
-                        </a:lnSpc>
-                        <a:spcAft>
-                          <a:spcPts val="800"/>
-                        </a:spcAft>
-                      </a:pPr>
-                      <a:r>
-                        <a:rPr lang="en-US" sz="1400">
-                          <a:effectLst/>
-                          <a:latin typeface="+mn-lt"/>
-                          <a:ea typeface="Calibri" panose="020F0502020204030204" pitchFamily="34" charset="0"/>
-                          <a:cs typeface="Times New Roman" panose="02020603050405020304" pitchFamily="18" charset="0"/>
-                        </a:rPr>
-                        <a:t>0.51</a:t>
+                        <a:t>71%</a:t>
                       </a:r>
                     </a:p>
                   </a:txBody>
@@ -13350,11 +16896,11 @@
                 </a:tc>
                 <a:extLst>
                   <a:ext uri="{0D108BD9-81ED-4DB2-BD59-A6C34878D82A}">
-                    <a16:rowId xmlns:a16="http://schemas.microsoft.com/office/drawing/2014/main" val="3806910027"/>
+                    <a16:rowId xmlns:a16="http://schemas.microsoft.com/office/drawing/2014/main" val="3565962347"/>
                   </a:ext>
                 </a:extLst>
               </a:tr>
-              <a:tr h="370840">
+              <a:tr h="380612">
                 <a:tc>
                   <a:txBody>
                     <a:bodyPr/>
@@ -13375,7 +16921,7 @@
                           <a:ea typeface="Calibri" panose="020F0502020204030204" pitchFamily="34" charset="0"/>
                           <a:cs typeface="Times New Roman" panose="02020603050405020304" pitchFamily="18" charset="0"/>
                         </a:rPr>
-                        <a:t>Gaussian Naïve Bayes</a:t>
+                        <a:t>K-Nearest Neighbor</a:t>
                       </a:r>
                     </a:p>
                   </a:txBody>
@@ -13386,7 +16932,7 @@
                     <a:bodyPr/>
                     <a:lstStyle/>
                     <a:p>
-                      <a:pPr algn="ctr">
+                      <a:pPr>
                         <a:lnSpc>
                           <a:spcPct val="107000"/>
                         </a:lnSpc>
@@ -13395,51 +16941,18 @@
                         </a:spcAft>
                       </a:pPr>
                       <a:r>
-                        <a:rPr lang="en-US" sz="1400">
+                        <a:rPr lang="en-US" sz="1400" dirty="0">
                           <a:effectLst/>
-                          <a:latin typeface="+mn-lt"/>
+                          <a:latin typeface="Calibri" panose="020F0502020204030204" pitchFamily="34" charset="0"/>
                           <a:ea typeface="Calibri" panose="020F0502020204030204" pitchFamily="34" charset="0"/>
                           <a:cs typeface="Times New Roman" panose="02020603050405020304" pitchFamily="18" charset="0"/>
                         </a:rPr>
-                        <a:t>0.88</a:t>
+                        <a:t>72%</a:t>
                       </a:r>
                     </a:p>
                   </a:txBody>
                   <a:tcPr marL="68580" marR="68580" marT="0" marB="0"/>
                 </a:tc>
-                <a:tc>
-                  <a:txBody>
-                    <a:bodyPr/>
-                    <a:lstStyle/>
-                    <a:p>
-                      <a:pPr algn="ctr">
-                        <a:lnSpc>
-                          <a:spcPct val="107000"/>
-                        </a:lnSpc>
-                        <a:spcAft>
-                          <a:spcPts val="800"/>
-                        </a:spcAft>
-                      </a:pPr>
-                      <a:r>
-                        <a:rPr lang="en-US" sz="1400">
-                          <a:effectLst/>
-                          <a:latin typeface="+mn-lt"/>
-                          <a:ea typeface="Calibri" panose="020F0502020204030204" pitchFamily="34" charset="0"/>
-                          <a:cs typeface="Times New Roman" panose="02020603050405020304" pitchFamily="18" charset="0"/>
-                        </a:rPr>
-                        <a:t>0.89</a:t>
-                      </a:r>
-                    </a:p>
-                  </a:txBody>
-                  <a:tcPr marL="68580" marR="68580" marT="0" marB="0"/>
-                </a:tc>
-                <a:extLst>
-                  <a:ext uri="{0D108BD9-81ED-4DB2-BD59-A6C34878D82A}">
-                    <a16:rowId xmlns:a16="http://schemas.microsoft.com/office/drawing/2014/main" val="1689017929"/>
-                  </a:ext>
-                </a:extLst>
-              </a:tr>
-              <a:tr h="370840">
                 <a:tc>
                   <a:txBody>
                     <a:bodyPr/>
@@ -13460,59 +16973,7 @@
                           <a:ea typeface="Calibri" panose="020F0502020204030204" pitchFamily="34" charset="0"/>
                           <a:cs typeface="Times New Roman" panose="02020603050405020304" pitchFamily="18" charset="0"/>
                         </a:rPr>
-                        <a:t>Logistic Regression</a:t>
-                      </a:r>
-                    </a:p>
-                  </a:txBody>
-                  <a:tcPr marL="68580" marR="68580" marT="0" marB="0"/>
-                </a:tc>
-                <a:tc>
-                  <a:txBody>
-                    <a:bodyPr/>
-                    <a:lstStyle/>
-                    <a:p>
-                      <a:pPr algn="ctr">
-                        <a:lnSpc>
-                          <a:spcPct val="107000"/>
-                        </a:lnSpc>
-                        <a:spcAft>
-                          <a:spcPts val="800"/>
-                        </a:spcAft>
-                      </a:pPr>
-                      <a:r>
-                        <a:rPr lang="en-US" sz="1400">
-                          <a:effectLst/>
-                          <a:latin typeface="+mn-lt"/>
-                          <a:ea typeface="Calibri" panose="020F0502020204030204" pitchFamily="34" charset="0"/>
-                          <a:cs typeface="Times New Roman" panose="02020603050405020304" pitchFamily="18" charset="0"/>
-                        </a:rPr>
-                        <a:t>0.83</a:t>
-                      </a:r>
-                    </a:p>
-                  </a:txBody>
-                  <a:tcPr marL="68580" marR="68580" marT="0" marB="0"/>
-                </a:tc>
-                <a:tc>
-                  <a:txBody>
-                    <a:bodyPr/>
-                    <a:lstStyle/>
-                    <a:p>
-                      <a:pPr algn="ctr">
-                        <a:lnSpc>
-                          <a:spcPct val="107000"/>
-                        </a:lnSpc>
-                        <a:spcAft>
-                          <a:spcPts val="800"/>
-                        </a:spcAft>
-                      </a:pPr>
-                      <a:r>
-                        <a:rPr lang="en-US" sz="1400">
-                          <a:effectLst/>
-                          <a:latin typeface="+mn-lt"/>
-                          <a:ea typeface="Calibri" panose="020F0502020204030204" pitchFamily="34" charset="0"/>
-                          <a:cs typeface="Times New Roman" panose="02020603050405020304" pitchFamily="18" charset="0"/>
-                        </a:rPr>
-                        <a:t>0.83</a:t>
+                        <a:t>64%</a:t>
                       </a:r>
                     </a:p>
                   </a:txBody>
@@ -13520,11 +16981,11 @@
                 </a:tc>
                 <a:extLst>
                   <a:ext uri="{0D108BD9-81ED-4DB2-BD59-A6C34878D82A}">
-                    <a16:rowId xmlns:a16="http://schemas.microsoft.com/office/drawing/2014/main" val="1098094623"/>
+                    <a16:rowId xmlns:a16="http://schemas.microsoft.com/office/drawing/2014/main" val="567583603"/>
                   </a:ext>
                 </a:extLst>
               </a:tr>
-              <a:tr h="370840">
+              <a:tr h="458364">
                 <a:tc>
                   <a:txBody>
                     <a:bodyPr/>
@@ -13545,7 +17006,7 @@
                           <a:ea typeface="Calibri" panose="020F0502020204030204" pitchFamily="34" charset="0"/>
                           <a:cs typeface="Times New Roman" panose="02020603050405020304" pitchFamily="18" charset="0"/>
                         </a:rPr>
-                        <a:t>Random Forest</a:t>
+                        <a:t>Gaussian Naïve Bayes</a:t>
                       </a:r>
                     </a:p>
                   </a:txBody>
@@ -13556,7 +17017,7 @@
                     <a:bodyPr/>
                     <a:lstStyle/>
                     <a:p>
-                      <a:pPr algn="ctr">
+                      <a:pPr>
                         <a:lnSpc>
                           <a:spcPct val="107000"/>
                         </a:lnSpc>
@@ -13567,49 +17028,16 @@
                       <a:r>
                         <a:rPr lang="en-US" sz="1400" dirty="0">
                           <a:effectLst/>
-                          <a:latin typeface="+mn-lt"/>
+                          <a:latin typeface="Calibri" panose="020F0502020204030204" pitchFamily="34" charset="0"/>
                           <a:ea typeface="Calibri" panose="020F0502020204030204" pitchFamily="34" charset="0"/>
                           <a:cs typeface="Times New Roman" panose="02020603050405020304" pitchFamily="18" charset="0"/>
                         </a:rPr>
-                        <a:t>0.89</a:t>
+                        <a:t>65%</a:t>
                       </a:r>
                     </a:p>
                   </a:txBody>
                   <a:tcPr marL="68580" marR="68580" marT="0" marB="0"/>
                 </a:tc>
-                <a:tc>
-                  <a:txBody>
-                    <a:bodyPr/>
-                    <a:lstStyle/>
-                    <a:p>
-                      <a:pPr algn="ctr">
-                        <a:lnSpc>
-                          <a:spcPct val="107000"/>
-                        </a:lnSpc>
-                        <a:spcAft>
-                          <a:spcPts val="800"/>
-                        </a:spcAft>
-                      </a:pPr>
-                      <a:r>
-                        <a:rPr lang="en-US" sz="1400" dirty="0">
-                          <a:effectLst/>
-                          <a:latin typeface="+mn-lt"/>
-                          <a:ea typeface="Calibri" panose="020F0502020204030204" pitchFamily="34" charset="0"/>
-                          <a:cs typeface="Times New Roman" panose="02020603050405020304" pitchFamily="18" charset="0"/>
-                        </a:rPr>
-                        <a:t>0.88</a:t>
-                      </a:r>
-                    </a:p>
-                  </a:txBody>
-                  <a:tcPr marL="68580" marR="68580" marT="0" marB="0"/>
-                </a:tc>
-                <a:extLst>
-                  <a:ext uri="{0D108BD9-81ED-4DB2-BD59-A6C34878D82A}">
-                    <a16:rowId xmlns:a16="http://schemas.microsoft.com/office/drawing/2014/main" val="873818756"/>
-                  </a:ext>
-                </a:extLst>
-              </a:tr>
-              <a:tr h="370840">
                 <a:tc>
                   <a:txBody>
                     <a:bodyPr/>
@@ -13630,59 +17058,7 @@
                           <a:ea typeface="Calibri" panose="020F0502020204030204" pitchFamily="34" charset="0"/>
                           <a:cs typeface="Times New Roman" panose="02020603050405020304" pitchFamily="18" charset="0"/>
                         </a:rPr>
-                        <a:t>Voting Classifier (Logistic Regression +Random Forest)</a:t>
-                      </a:r>
-                    </a:p>
-                  </a:txBody>
-                  <a:tcPr marL="68580" marR="68580" marT="0" marB="0"/>
-                </a:tc>
-                <a:tc>
-                  <a:txBody>
-                    <a:bodyPr/>
-                    <a:lstStyle/>
-                    <a:p>
-                      <a:pPr algn="ctr">
-                        <a:lnSpc>
-                          <a:spcPct val="107000"/>
-                        </a:lnSpc>
-                        <a:spcAft>
-                          <a:spcPts val="800"/>
-                        </a:spcAft>
-                      </a:pPr>
-                      <a:r>
-                        <a:rPr lang="en-US" sz="1400">
-                          <a:effectLst/>
-                          <a:latin typeface="+mn-lt"/>
-                          <a:ea typeface="Calibri" panose="020F0502020204030204" pitchFamily="34" charset="0"/>
-                          <a:cs typeface="Times New Roman" panose="02020603050405020304" pitchFamily="18" charset="0"/>
-                        </a:rPr>
-                        <a:t>0.88</a:t>
-                      </a:r>
-                    </a:p>
-                  </a:txBody>
-                  <a:tcPr marL="68580" marR="68580" marT="0" marB="0"/>
-                </a:tc>
-                <a:tc>
-                  <a:txBody>
-                    <a:bodyPr/>
-                    <a:lstStyle/>
-                    <a:p>
-                      <a:pPr algn="ctr">
-                        <a:lnSpc>
-                          <a:spcPct val="107000"/>
-                        </a:lnSpc>
-                        <a:spcAft>
-                          <a:spcPts val="800"/>
-                        </a:spcAft>
-                      </a:pPr>
-                      <a:r>
-                        <a:rPr lang="en-US" sz="1400">
-                          <a:effectLst/>
-                          <a:latin typeface="+mn-lt"/>
-                          <a:ea typeface="Calibri" panose="020F0502020204030204" pitchFamily="34" charset="0"/>
-                          <a:cs typeface="Times New Roman" panose="02020603050405020304" pitchFamily="18" charset="0"/>
-                        </a:rPr>
-                        <a:t>0.88</a:t>
+                        <a:t>90%</a:t>
                       </a:r>
                     </a:p>
                   </a:txBody>
@@ -13690,11 +17066,11 @@
                 </a:tc>
                 <a:extLst>
                   <a:ext uri="{0D108BD9-81ED-4DB2-BD59-A6C34878D82A}">
-                    <a16:rowId xmlns:a16="http://schemas.microsoft.com/office/drawing/2014/main" val="1407444250"/>
+                    <a16:rowId xmlns:a16="http://schemas.microsoft.com/office/drawing/2014/main" val="1473982417"/>
                   </a:ext>
                 </a:extLst>
               </a:tr>
-              <a:tr h="370840">
+              <a:tr h="380612">
                 <a:tc>
                   <a:txBody>
                     <a:bodyPr/>
@@ -13709,13 +17085,13 @@
                         </a:spcAft>
                       </a:pPr>
                       <a:r>
-                        <a:rPr lang="en-US" sz="1400" dirty="0">
+                        <a:rPr lang="en-US" sz="1400" b="1" dirty="0">
                           <a:effectLst/>
                           <a:latin typeface="+mn-lt"/>
                           <a:ea typeface="Calibri" panose="020F0502020204030204" pitchFamily="34" charset="0"/>
                           <a:cs typeface="Times New Roman" panose="02020603050405020304" pitchFamily="18" charset="0"/>
                         </a:rPr>
-                        <a:t>Voting Classifier (Random Forest + Support Vector Machine)</a:t>
+                        <a:t>Logistic Regression</a:t>
                       </a:r>
                     </a:p>
                   </a:txBody>
@@ -13726,7 +17102,7 @@
                     <a:bodyPr/>
                     <a:lstStyle/>
                     <a:p>
-                      <a:pPr algn="ctr">
+                      <a:pPr>
                         <a:lnSpc>
                           <a:spcPct val="107000"/>
                         </a:lnSpc>
@@ -13735,51 +17111,18 @@
                         </a:spcAft>
                       </a:pPr>
                       <a:r>
-                        <a:rPr lang="en-US" sz="1400">
+                        <a:rPr lang="en-US" sz="1400" b="1" dirty="0">
                           <a:effectLst/>
-                          <a:latin typeface="+mn-lt"/>
+                          <a:latin typeface="Calibri" panose="020F0502020204030204" pitchFamily="34" charset="0"/>
                           <a:ea typeface="Calibri" panose="020F0502020204030204" pitchFamily="34" charset="0"/>
                           <a:cs typeface="Times New Roman" panose="02020603050405020304" pitchFamily="18" charset="0"/>
                         </a:rPr>
-                        <a:t>0.89</a:t>
+                        <a:t>89.996%</a:t>
                       </a:r>
                     </a:p>
                   </a:txBody>
                   <a:tcPr marL="68580" marR="68580" marT="0" marB="0"/>
                 </a:tc>
-                <a:tc>
-                  <a:txBody>
-                    <a:bodyPr/>
-                    <a:lstStyle/>
-                    <a:p>
-                      <a:pPr algn="ctr">
-                        <a:lnSpc>
-                          <a:spcPct val="107000"/>
-                        </a:lnSpc>
-                        <a:spcAft>
-                          <a:spcPts val="800"/>
-                        </a:spcAft>
-                      </a:pPr>
-                      <a:r>
-                        <a:rPr lang="en-US" sz="1400">
-                          <a:effectLst/>
-                          <a:latin typeface="+mn-lt"/>
-                          <a:ea typeface="Calibri" panose="020F0502020204030204" pitchFamily="34" charset="0"/>
-                          <a:cs typeface="Times New Roman" panose="02020603050405020304" pitchFamily="18" charset="0"/>
-                        </a:rPr>
-                        <a:t>0.89</a:t>
-                      </a:r>
-                    </a:p>
-                  </a:txBody>
-                  <a:tcPr marL="68580" marR="68580" marT="0" marB="0"/>
-                </a:tc>
-                <a:extLst>
-                  <a:ext uri="{0D108BD9-81ED-4DB2-BD59-A6C34878D82A}">
-                    <a16:rowId xmlns:a16="http://schemas.microsoft.com/office/drawing/2014/main" val="1750888244"/>
-                  </a:ext>
-                </a:extLst>
-              </a:tr>
-              <a:tr h="370840">
                 <a:tc>
                   <a:txBody>
                     <a:bodyPr/>
@@ -13794,65 +17137,13 @@
                         </a:spcAft>
                       </a:pPr>
                       <a:r>
-                        <a:rPr lang="en-US" sz="1400" dirty="0">
+                        <a:rPr lang="en-US" sz="1400" b="1" dirty="0">
                           <a:effectLst/>
                           <a:latin typeface="+mn-lt"/>
                           <a:ea typeface="Calibri" panose="020F0502020204030204" pitchFamily="34" charset="0"/>
                           <a:cs typeface="Times New Roman" panose="02020603050405020304" pitchFamily="18" charset="0"/>
                         </a:rPr>
-                        <a:t>Voting Classifier (Logistic Regression + Support Vector Machine)</a:t>
-                      </a:r>
-                    </a:p>
-                  </a:txBody>
-                  <a:tcPr marL="68580" marR="68580" marT="0" marB="0"/>
-                </a:tc>
-                <a:tc>
-                  <a:txBody>
-                    <a:bodyPr/>
-                    <a:lstStyle/>
-                    <a:p>
-                      <a:pPr algn="ctr">
-                        <a:lnSpc>
-                          <a:spcPct val="107000"/>
-                        </a:lnSpc>
-                        <a:spcAft>
-                          <a:spcPts val="800"/>
-                        </a:spcAft>
-                      </a:pPr>
-                      <a:r>
-                        <a:rPr lang="en-US" sz="1400">
-                          <a:effectLst/>
-                          <a:latin typeface="+mn-lt"/>
-                          <a:ea typeface="Calibri" panose="020F0502020204030204" pitchFamily="34" charset="0"/>
-                          <a:cs typeface="Times New Roman" panose="02020603050405020304" pitchFamily="18" charset="0"/>
-                        </a:rPr>
-                        <a:t>0.45</a:t>
-                      </a:r>
-                    </a:p>
-                  </a:txBody>
-                  <a:tcPr marL="68580" marR="68580" marT="0" marB="0"/>
-                </a:tc>
-                <a:tc>
-                  <a:txBody>
-                    <a:bodyPr/>
-                    <a:lstStyle/>
-                    <a:p>
-                      <a:pPr algn="ctr">
-                        <a:lnSpc>
-                          <a:spcPct val="107000"/>
-                        </a:lnSpc>
-                        <a:spcAft>
-                          <a:spcPts val="800"/>
-                        </a:spcAft>
-                      </a:pPr>
-                      <a:r>
-                        <a:rPr lang="en-US" sz="1400">
-                          <a:effectLst/>
-                          <a:latin typeface="+mn-lt"/>
-                          <a:ea typeface="Calibri" panose="020F0502020204030204" pitchFamily="34" charset="0"/>
-                          <a:cs typeface="Times New Roman" panose="02020603050405020304" pitchFamily="18" charset="0"/>
-                        </a:rPr>
-                        <a:t>0.40</a:t>
+                        <a:t>87%</a:t>
                       </a:r>
                     </a:p>
                   </a:txBody>
@@ -13860,11 +17151,11 @@
                 </a:tc>
                 <a:extLst>
                   <a:ext uri="{0D108BD9-81ED-4DB2-BD59-A6C34878D82A}">
-                    <a16:rowId xmlns:a16="http://schemas.microsoft.com/office/drawing/2014/main" val="3685863040"/>
+                    <a16:rowId xmlns:a16="http://schemas.microsoft.com/office/drawing/2014/main" val="4206858467"/>
                   </a:ext>
                 </a:extLst>
               </a:tr>
-              <a:tr h="370840">
+              <a:tr h="380612">
                 <a:tc>
                   <a:txBody>
                     <a:bodyPr/>
@@ -13879,13 +17170,13 @@
                         </a:spcAft>
                       </a:pPr>
                       <a:r>
-                        <a:rPr lang="en-US" sz="1400" dirty="0">
+                        <a:rPr lang="en-US" sz="1400" b="1" dirty="0">
                           <a:effectLst/>
                           <a:latin typeface="+mn-lt"/>
                           <a:ea typeface="Calibri" panose="020F0502020204030204" pitchFamily="34" charset="0"/>
                           <a:cs typeface="Times New Roman" panose="02020603050405020304" pitchFamily="18" charset="0"/>
                         </a:rPr>
-                        <a:t>Recurrent Neural Network</a:t>
+                        <a:t>Random Forest</a:t>
                       </a:r>
                     </a:p>
                   </a:txBody>
@@ -13896,7 +17187,7 @@
                     <a:bodyPr/>
                     <a:lstStyle/>
                     <a:p>
-                      <a:pPr algn="ctr">
+                      <a:pPr>
                         <a:lnSpc>
                           <a:spcPct val="107000"/>
                         </a:lnSpc>
@@ -13905,13 +17196,13 @@
                         </a:spcAft>
                       </a:pPr>
                       <a:r>
-                        <a:rPr lang="en-US" sz="1400">
+                        <a:rPr lang="en-US" sz="1400" b="1" dirty="0">
                           <a:effectLst/>
-                          <a:latin typeface="+mn-lt"/>
+                          <a:latin typeface="Calibri" panose="020F0502020204030204" pitchFamily="34" charset="0"/>
                           <a:ea typeface="Calibri" panose="020F0502020204030204" pitchFamily="34" charset="0"/>
                           <a:cs typeface="Times New Roman" panose="02020603050405020304" pitchFamily="18" charset="0"/>
                         </a:rPr>
-                        <a:t>0.87</a:t>
+                        <a:t>87%</a:t>
                       </a:r>
                     </a:p>
                   </a:txBody>
@@ -13922,7 +17213,7 @@
                     <a:bodyPr/>
                     <a:lstStyle/>
                     <a:p>
-                      <a:pPr algn="ctr">
+                      <a:pPr algn="l">
                         <a:lnSpc>
                           <a:spcPct val="107000"/>
                         </a:lnSpc>
@@ -13931,13 +17222,98 @@
                         </a:spcAft>
                       </a:pPr>
                       <a:r>
+                        <a:rPr lang="en-US" sz="1400" b="1" dirty="0">
+                          <a:effectLst/>
+                          <a:latin typeface="+mn-lt"/>
+                          <a:ea typeface="Calibri" panose="020F0502020204030204" pitchFamily="34" charset="0"/>
+                          <a:cs typeface="Times New Roman" panose="02020603050405020304" pitchFamily="18" charset="0"/>
+                        </a:rPr>
+                        <a:t>90%</a:t>
+                      </a:r>
+                    </a:p>
+                  </a:txBody>
+                  <a:tcPr marL="68580" marR="68580" marT="0" marB="0"/>
+                </a:tc>
+                <a:extLst>
+                  <a:ext uri="{0D108BD9-81ED-4DB2-BD59-A6C34878D82A}">
+                    <a16:rowId xmlns:a16="http://schemas.microsoft.com/office/drawing/2014/main" val="3434364397"/>
+                  </a:ext>
+                </a:extLst>
+              </a:tr>
+              <a:tr h="458234">
+                <a:tc>
+                  <a:txBody>
+                    <a:bodyPr/>
+                    <a:lstStyle/>
+                    <a:p>
+                      <a:pPr algn="l">
+                        <a:lnSpc>
+                          <a:spcPct val="107000"/>
+                        </a:lnSpc>
+                        <a:spcAft>
+                          <a:spcPts val="800"/>
+                        </a:spcAft>
+                      </a:pPr>
+                      <a:r>
                         <a:rPr lang="en-US" sz="1400" dirty="0">
                           <a:effectLst/>
                           <a:latin typeface="+mn-lt"/>
                           <a:ea typeface="Calibri" panose="020F0502020204030204" pitchFamily="34" charset="0"/>
                           <a:cs typeface="Times New Roman" panose="02020603050405020304" pitchFamily="18" charset="0"/>
                         </a:rPr>
-                        <a:t>0.87</a:t>
+                        <a:t>Recurrent Neural Network</a:t>
+                      </a:r>
+                    </a:p>
+                  </a:txBody>
+                  <a:tcPr marL="68580" marR="68580" marT="0" marB="0"/>
+                </a:tc>
+                <a:tc>
+                  <a:txBody>
+                    <a:bodyPr/>
+                    <a:lstStyle/>
+                    <a:p>
+                      <a:pPr>
+                        <a:lnSpc>
+                          <a:spcPct val="107000"/>
+                        </a:lnSpc>
+                        <a:spcAft>
+                          <a:spcPts val="800"/>
+                        </a:spcAft>
+                      </a:pPr>
+                      <a:r>
+                        <a:rPr lang="en-US" sz="1400" dirty="0">
+                          <a:effectLst/>
+                          <a:latin typeface="Calibri" panose="020F0502020204030204" pitchFamily="34" charset="0"/>
+                          <a:ea typeface="Calibri" panose="020F0502020204030204" pitchFamily="34" charset="0"/>
+                          <a:cs typeface="Times New Roman" panose="02020603050405020304" pitchFamily="18" charset="0"/>
+                        </a:rPr>
+                        <a:t>82%</a:t>
+                      </a:r>
+                    </a:p>
+                  </a:txBody>
+                  <a:tcPr marL="68580" marR="68580" marT="0" marB="0"/>
+                </a:tc>
+                <a:tc>
+                  <a:txBody>
+                    <a:bodyPr/>
+                    <a:lstStyle/>
+                    <a:p>
+                      <a:pPr algn="l">
+                        <a:lnSpc>
+                          <a:spcPct val="107000"/>
+                        </a:lnSpc>
+                        <a:spcAft>
+                          <a:spcPts val="800"/>
+                        </a:spcAft>
+                      </a:pPr>
+                      <a:r>
+                        <a:rPr lang="en-US" sz="1400" dirty="0">
+                          <a:effectLst/>
+                          <a:latin typeface="+mn-lt"/>
+                          <a:ea typeface="Calibri" panose="020F0502020204030204" pitchFamily="34" charset="0"/>
+                          <a:cs typeface="Times New Roman" panose="02020603050405020304" pitchFamily="18" charset="0"/>
+                        </a:rPr>
+                        <a:t>76%</a:t>
                       </a:r>
                     </a:p>
                   </a:txBody>
@@ -13945,7 +17321,7 @@
                 </a:tc>
                 <a:extLst>
                   <a:ext uri="{0D108BD9-81ED-4DB2-BD59-A6C34878D82A}">
-                    <a16:rowId xmlns:a16="http://schemas.microsoft.com/office/drawing/2014/main" val="1433557699"/>
+                    <a16:rowId xmlns:a16="http://schemas.microsoft.com/office/drawing/2014/main" val="1021626654"/>
                   </a:ext>
                 </a:extLst>
               </a:tr>
@@ -13956,7 +17332,7 @@
     </p:spTree>
     <p:extLst>
       <p:ext uri="{BB962C8B-B14F-4D97-AF65-F5344CB8AC3E}">
-        <p14:creationId xmlns:p14="http://schemas.microsoft.com/office/powerpoint/2010/main" val="1541507258"/>
+        <p14:creationId xmlns:p14="http://schemas.microsoft.com/office/powerpoint/2010/main" val="302345220"/>
       </p:ext>
     </p:extLst>
   </p:cSld>
@@ -13988,7 +17364,7 @@
           <p:cNvPr id="2" name="Title 1">
             <a:extLst>
               <a:ext uri="{FF2B5EF4-FFF2-40B4-BE49-F238E27FC236}">
-                <a16:creationId xmlns:a16="http://schemas.microsoft.com/office/drawing/2014/main" id="{3C753124-8264-4D65-95E0-FD00303159CE}"/>
+                <a16:creationId xmlns:a16="http://schemas.microsoft.com/office/drawing/2014/main" id="{536B8AB0-A4AE-472A-8081-9719A126BEF2}"/>
               </a:ext>
             </a:extLst>
           </p:cNvPr>
@@ -14007,8 +17383,8 @@
           <a:lstStyle/>
           <a:p>
             <a:r>
-              <a:rPr lang="en-US" sz="2800" b="1" dirty="0"/>
-              <a:t>Performance Comparison of Proposed Methodology and Machine Learning Models</a:t>
+              <a:rPr lang="en-US" dirty="0"/>
+              <a:t>Comparative Analysis on Dataset_2</a:t>
             </a:r>
           </a:p>
         </p:txBody>
@@ -14018,7 +17394,7 @@
           <p:cNvPr id="6" name="Content Placeholder 5">
             <a:extLst>
               <a:ext uri="{FF2B5EF4-FFF2-40B4-BE49-F238E27FC236}">
-                <a16:creationId xmlns:a16="http://schemas.microsoft.com/office/drawing/2014/main" id="{F65F6FD5-8C09-4152-84F8-BA93B9C5B6AC}"/>
+                <a16:creationId xmlns:a16="http://schemas.microsoft.com/office/drawing/2014/main" id="{FC5BBAAB-E63D-4AD5-881B-C277AFE3DC03}"/>
               </a:ext>
             </a:extLst>
           </p:cNvPr>
@@ -14029,10 +17405,15 @@
             <p:ph idx="1"/>
           </p:nvPr>
         </p:nvSpPr>
-        <p:spPr/>
+        <p:spPr>
+          <a:xfrm>
+            <a:off x="2057400" y="1600200"/>
+            <a:ext cx="6640811" cy="4525963"/>
+          </a:xfrm>
+        </p:spPr>
         <p:txBody>
           <a:bodyPr>
-            <a:normAutofit/>
+            <a:normAutofit fontScale="92500" lnSpcReduction="10000"/>
           </a:bodyPr>
           <a:lstStyle/>
           <a:p>
@@ -14041,50 +17422,538 @@
               <a:buChar char="v"/>
             </a:pPr>
             <a:r>
-              <a:rPr lang="en-US" sz="2000" dirty="0"/>
-              <a:t>Performance Comparison of Proposed Methodology and Machine Learning Models on aspect based data set with imbalance data.</a:t>
+              <a:rPr lang="en-US" dirty="0"/>
+              <a:t>Comparison of voting classifier with base paper technique. </a:t>
+            </a:r>
+          </a:p>
+          <a:p>
+            <a:endParaRPr lang="en-US" dirty="0"/>
+          </a:p>
+          <a:p>
+            <a:endParaRPr lang="en-US" dirty="0"/>
+          </a:p>
+          <a:p>
+            <a:endParaRPr lang="en-US" dirty="0"/>
+          </a:p>
+          <a:p>
+            <a:endParaRPr lang="en-US" dirty="0"/>
+          </a:p>
+          <a:p>
+            <a:endParaRPr lang="en-US" dirty="0"/>
+          </a:p>
+          <a:p>
+            <a:endParaRPr lang="en-US" dirty="0"/>
+          </a:p>
+          <a:p>
+            <a:r>
+              <a:rPr lang="en-US" dirty="0"/>
+              <a:t>For further details, please </a:t>
+            </a:r>
+            <a:r>
+              <a:rPr lang="en-US" dirty="0">
+                <a:hlinkClick r:id="rId2" action="ppaction://hlinkfile"/>
+              </a:rPr>
+              <a:t>click here</a:t>
+            </a:r>
+            <a:r>
+              <a:rPr lang="en-US" dirty="0"/>
+              <a:t>.</a:t>
             </a:r>
           </a:p>
         </p:txBody>
       </p:sp>
-      <p:pic>
-        <p:nvPicPr>
-          <p:cNvPr id="7" name="Picture 6">
+      <p:graphicFrame>
+        <p:nvGraphicFramePr>
+          <p:cNvPr id="7" name="Table 4">
             <a:extLst>
               <a:ext uri="{FF2B5EF4-FFF2-40B4-BE49-F238E27FC236}">
-                <a16:creationId xmlns:a16="http://schemas.microsoft.com/office/drawing/2014/main" id="{334BE3F5-7DEC-4247-B470-052BA09E0C35}"/>
+                <a16:creationId xmlns:a16="http://schemas.microsoft.com/office/drawing/2014/main" id="{E4CD0AE1-DB3F-4663-9168-228D0699496F}"/>
               </a:ext>
             </a:extLst>
           </p:cNvPr>
-          <p:cNvPicPr/>
-          <p:nvPr/>
-        </p:nvPicPr>
-        <p:blipFill>
-          <a:blip r:embed="rId2" cstate="print">
-            <a:extLst>
-              <a:ext uri="{28A0092B-C50C-407E-A947-70E740481C1C}">
-                <a14:useLocalDpi xmlns:a14="http://schemas.microsoft.com/office/drawing/2010/main" val="0"/>
-              </a:ext>
-            </a:extLst>
-          </a:blip>
-          <a:stretch>
-            <a:fillRect/>
-          </a:stretch>
-        </p:blipFill>
-        <p:spPr>
-          <a:xfrm>
-            <a:off x="2045988" y="2895600"/>
-            <a:ext cx="6640810" cy="3413125"/>
-          </a:xfrm>
-          <a:prstGeom prst="rect">
-            <a:avLst/>
-          </a:prstGeom>
-        </p:spPr>
-      </p:pic>
+          <p:cNvGraphicFramePr>
+            <a:graphicFrameLocks/>
+          </p:cNvGraphicFramePr>
+          <p:nvPr>
+            <p:extLst>
+              <p:ext uri="{D42A27DB-BD31-4B8C-83A1-F6EECF244321}">
+                <p14:modId xmlns:p14="http://schemas.microsoft.com/office/powerpoint/2010/main" val="1255457325"/>
+              </p:ext>
+            </p:extLst>
+          </p:nvPr>
+        </p:nvGraphicFramePr>
+        <p:xfrm>
+          <a:off x="2165993" y="3124200"/>
+          <a:ext cx="6400799" cy="2310258"/>
+        </p:xfrm>
+        <a:graphic>
+          <a:graphicData uri="http://schemas.openxmlformats.org/drawingml/2006/table">
+            <a:tbl>
+              <a:tblPr firstRow="1" bandRow="1">
+                <a:tableStyleId>{5C22544A-7EE6-4342-B048-85BDC9FD1C3A}</a:tableStyleId>
+              </a:tblPr>
+              <a:tblGrid>
+                <a:gridCol w="4344220">
+                  <a:extLst>
+                    <a:ext uri="{9D8B030D-6E8A-4147-A177-3AD203B41FA5}">
+                      <a16:colId xmlns:a16="http://schemas.microsoft.com/office/drawing/2014/main" val="1949164780"/>
+                    </a:ext>
+                  </a:extLst>
+                </a:gridCol>
+                <a:gridCol w="1028290">
+                  <a:extLst>
+                    <a:ext uri="{9D8B030D-6E8A-4147-A177-3AD203B41FA5}">
+                      <a16:colId xmlns:a16="http://schemas.microsoft.com/office/drawing/2014/main" val="3642629028"/>
+                    </a:ext>
+                  </a:extLst>
+                </a:gridCol>
+                <a:gridCol w="1028289">
+                  <a:extLst>
+                    <a:ext uri="{9D8B030D-6E8A-4147-A177-3AD203B41FA5}">
+                      <a16:colId xmlns:a16="http://schemas.microsoft.com/office/drawing/2014/main" val="2116751824"/>
+                    </a:ext>
+                  </a:extLst>
+                </a:gridCol>
+              </a:tblGrid>
+              <a:tr h="427202">
+                <a:tc>
+                  <a:txBody>
+                    <a:bodyPr/>
+                    <a:lstStyle/>
+                    <a:p>
+                      <a:pPr algn="ctr"/>
+                      <a:r>
+                        <a:rPr lang="en-US" sz="1400" dirty="0">
+                          <a:effectLst/>
+                          <a:latin typeface="+mn-lt"/>
+                          <a:ea typeface="Cambria Math" pitchFamily="18" charset="0"/>
+                        </a:rPr>
+                        <a:t>Models</a:t>
+                      </a:r>
+                    </a:p>
+                  </a:txBody>
+                  <a:tcPr/>
+                </a:tc>
+                <a:tc>
+                  <a:txBody>
+                    <a:bodyPr/>
+                    <a:lstStyle/>
+                    <a:p>
+                      <a:pPr marL="171450" marR="0" algn="ctr">
+                        <a:lnSpc>
+                          <a:spcPct val="150000"/>
+                        </a:lnSpc>
+                        <a:spcBef>
+                          <a:spcPts val="0"/>
+                        </a:spcBef>
+                        <a:spcAft>
+                          <a:spcPts val="0"/>
+                        </a:spcAft>
+                      </a:pPr>
+                      <a:r>
+                        <a:rPr lang="en-GB" sz="1400" dirty="0">
+                          <a:effectLst/>
+                          <a:latin typeface="+mn-lt"/>
+                          <a:ea typeface="Cambria Math" pitchFamily="18" charset="0"/>
+                        </a:rPr>
+                        <a:t>Accuracy</a:t>
+                      </a:r>
+                      <a:endParaRPr lang="en-US" sz="1400" dirty="0">
+                        <a:effectLst/>
+                        <a:latin typeface="+mn-lt"/>
+                        <a:ea typeface="Cambria Math" pitchFamily="18" charset="0"/>
+                      </a:endParaRPr>
+                    </a:p>
+                  </a:txBody>
+                  <a:tcPr marL="0" marR="0" marT="0" marB="0"/>
+                </a:tc>
+                <a:tc>
+                  <a:txBody>
+                    <a:bodyPr/>
+                    <a:lstStyle/>
+                    <a:p>
+                      <a:pPr marL="171450" marR="0" algn="ctr">
+                        <a:lnSpc>
+                          <a:spcPct val="150000"/>
+                        </a:lnSpc>
+                        <a:spcBef>
+                          <a:spcPts val="0"/>
+                        </a:spcBef>
+                        <a:spcAft>
+                          <a:spcPts val="0"/>
+                        </a:spcAft>
+                      </a:pPr>
+                      <a:r>
+                        <a:rPr lang="en-GB" sz="1400" dirty="0">
+                          <a:effectLst/>
+                          <a:latin typeface="+mn-lt"/>
+                          <a:ea typeface="Cambria Math" pitchFamily="18" charset="0"/>
+                        </a:rPr>
+                        <a:t>F1 Score</a:t>
+                      </a:r>
+                      <a:endParaRPr lang="en-US" sz="1400" dirty="0">
+                        <a:effectLst/>
+                        <a:latin typeface="+mn-lt"/>
+                        <a:ea typeface="Cambria Math" pitchFamily="18" charset="0"/>
+                      </a:endParaRPr>
+                    </a:p>
+                  </a:txBody>
+                  <a:tcPr marL="0" marR="0" marT="0" marB="0"/>
+                </a:tc>
+                <a:extLst>
+                  <a:ext uri="{0D108BD9-81ED-4DB2-BD59-A6C34878D82A}">
+                    <a16:rowId xmlns:a16="http://schemas.microsoft.com/office/drawing/2014/main" val="2775150517"/>
+                  </a:ext>
+                </a:extLst>
+              </a:tr>
+              <a:tr h="427202">
+                <a:tc>
+                  <a:txBody>
+                    <a:bodyPr/>
+                    <a:lstStyle/>
+                    <a:p>
+                      <a:pPr algn="l">
+                        <a:lnSpc>
+                          <a:spcPct val="107000"/>
+                        </a:lnSpc>
+                        <a:spcAft>
+                          <a:spcPts val="800"/>
+                        </a:spcAft>
+                      </a:pPr>
+                      <a:r>
+                        <a:rPr lang="en-US" sz="1400" dirty="0">
+                          <a:effectLst/>
+                          <a:latin typeface="+mn-lt"/>
+                          <a:ea typeface="Calibri" panose="020F0502020204030204" pitchFamily="34" charset="0"/>
+                          <a:cs typeface="Times New Roman" panose="02020603050405020304" pitchFamily="18" charset="0"/>
+                        </a:rPr>
+                        <a:t>Voting Classifier (Logistic Regression +Random Forest)</a:t>
+                      </a:r>
+                    </a:p>
+                  </a:txBody>
+                  <a:tcPr marL="68580" marR="68580" marT="0" marB="0"/>
+                </a:tc>
+                <a:tc>
+                  <a:txBody>
+                    <a:bodyPr/>
+                    <a:lstStyle/>
+                    <a:p>
+                      <a:pPr>
+                        <a:lnSpc>
+                          <a:spcPct val="107000"/>
+                        </a:lnSpc>
+                        <a:spcAft>
+                          <a:spcPts val="800"/>
+                        </a:spcAft>
+                      </a:pPr>
+                      <a:r>
+                        <a:rPr lang="en-US" sz="1400" dirty="0">
+                          <a:effectLst/>
+                          <a:latin typeface="Calibri" panose="020F0502020204030204" pitchFamily="34" charset="0"/>
+                          <a:ea typeface="Calibri" panose="020F0502020204030204" pitchFamily="34" charset="0"/>
+                          <a:cs typeface="Times New Roman" panose="02020603050405020304" pitchFamily="18" charset="0"/>
+                        </a:rPr>
+                        <a:t>90.069%</a:t>
+                      </a:r>
+                    </a:p>
+                  </a:txBody>
+                  <a:tcPr marL="68580" marR="68580" marT="0" marB="0"/>
+                </a:tc>
+                <a:tc>
+                  <a:txBody>
+                    <a:bodyPr/>
+                    <a:lstStyle/>
+                    <a:p>
+                      <a:pPr algn="l">
+                        <a:lnSpc>
+                          <a:spcPct val="107000"/>
+                        </a:lnSpc>
+                        <a:spcAft>
+                          <a:spcPts val="800"/>
+                        </a:spcAft>
+                      </a:pPr>
+                      <a:r>
+                        <a:rPr lang="en-US" sz="1400" dirty="0">
+                          <a:effectLst/>
+                          <a:latin typeface="+mn-lt"/>
+                          <a:ea typeface="Calibri" panose="020F0502020204030204" pitchFamily="34" charset="0"/>
+                          <a:cs typeface="Times New Roman" panose="02020603050405020304" pitchFamily="18" charset="0"/>
+                        </a:rPr>
+                        <a:t>89%</a:t>
+                      </a:r>
+                    </a:p>
+                  </a:txBody>
+                  <a:tcPr marL="68580" marR="68580" marT="0" marB="0"/>
+                </a:tc>
+                <a:extLst>
+                  <a:ext uri="{0D108BD9-81ED-4DB2-BD59-A6C34878D82A}">
+                    <a16:rowId xmlns:a16="http://schemas.microsoft.com/office/drawing/2014/main" val="1429245974"/>
+                  </a:ext>
+                </a:extLst>
+              </a:tr>
+              <a:tr h="514326">
+                <a:tc>
+                  <a:txBody>
+                    <a:bodyPr/>
+                    <a:lstStyle/>
+                    <a:p>
+                      <a:pPr algn="l">
+                        <a:lnSpc>
+                          <a:spcPct val="107000"/>
+                        </a:lnSpc>
+                        <a:spcAft>
+                          <a:spcPts val="800"/>
+                        </a:spcAft>
+                      </a:pPr>
+                      <a:r>
+                        <a:rPr lang="en-US" sz="1400" dirty="0">
+                          <a:effectLst/>
+                          <a:latin typeface="+mn-lt"/>
+                          <a:ea typeface="Calibri" panose="020F0502020204030204" pitchFamily="34" charset="0"/>
+                          <a:cs typeface="Times New Roman" panose="02020603050405020304" pitchFamily="18" charset="0"/>
+                        </a:rPr>
+                        <a:t>Voting Classifier (Random Forest + Support Vector Machine)</a:t>
+                      </a:r>
+                    </a:p>
+                  </a:txBody>
+                  <a:tcPr marL="68580" marR="68580" marT="0" marB="0"/>
+                </a:tc>
+                <a:tc>
+                  <a:txBody>
+                    <a:bodyPr/>
+                    <a:lstStyle/>
+                    <a:p>
+                      <a:pPr>
+                        <a:lnSpc>
+                          <a:spcPct val="107000"/>
+                        </a:lnSpc>
+                        <a:spcAft>
+                          <a:spcPts val="800"/>
+                        </a:spcAft>
+                      </a:pPr>
+                      <a:r>
+                        <a:rPr lang="en-US" sz="1400" dirty="0">
+                          <a:effectLst/>
+                          <a:latin typeface="Calibri" panose="020F0502020204030204" pitchFamily="34" charset="0"/>
+                          <a:ea typeface="Calibri" panose="020F0502020204030204" pitchFamily="34" charset="0"/>
+                          <a:cs typeface="Times New Roman" panose="02020603050405020304" pitchFamily="18" charset="0"/>
+                        </a:rPr>
+                        <a:t>89.371%</a:t>
+                      </a:r>
+                    </a:p>
+                  </a:txBody>
+                  <a:tcPr marL="68580" marR="68580" marT="0" marB="0"/>
+                </a:tc>
+                <a:tc>
+                  <a:txBody>
+                    <a:bodyPr/>
+                    <a:lstStyle/>
+                    <a:p>
+                      <a:pPr algn="l">
+                        <a:lnSpc>
+                          <a:spcPct val="107000"/>
+                        </a:lnSpc>
+                        <a:spcAft>
+                          <a:spcPts val="800"/>
+                        </a:spcAft>
+                      </a:pPr>
+                      <a:r>
+                        <a:rPr lang="en-US" sz="1400" dirty="0">
+                          <a:effectLst/>
+                          <a:latin typeface="+mn-lt"/>
+                          <a:ea typeface="Calibri" panose="020F0502020204030204" pitchFamily="34" charset="0"/>
+                          <a:cs typeface="Times New Roman" panose="02020603050405020304" pitchFamily="18" charset="0"/>
+                        </a:rPr>
+                        <a:t>89%</a:t>
+                      </a:r>
+                    </a:p>
+                  </a:txBody>
+                  <a:tcPr marL="68580" marR="68580" marT="0" marB="0"/>
+                </a:tc>
+                <a:extLst>
+                  <a:ext uri="{0D108BD9-81ED-4DB2-BD59-A6C34878D82A}">
+                    <a16:rowId xmlns:a16="http://schemas.microsoft.com/office/drawing/2014/main" val="3376493773"/>
+                  </a:ext>
+                </a:extLst>
+              </a:tr>
+              <a:tr h="514326">
+                <a:tc>
+                  <a:txBody>
+                    <a:bodyPr/>
+                    <a:lstStyle/>
+                    <a:p>
+                      <a:pPr algn="l">
+                        <a:lnSpc>
+                          <a:spcPct val="107000"/>
+                        </a:lnSpc>
+                        <a:spcAft>
+                          <a:spcPts val="800"/>
+                        </a:spcAft>
+                      </a:pPr>
+                      <a:r>
+                        <a:rPr lang="en-US" sz="1400" dirty="0">
+                          <a:effectLst/>
+                          <a:latin typeface="+mn-lt"/>
+                          <a:ea typeface="Calibri" panose="020F0502020204030204" pitchFamily="34" charset="0"/>
+                          <a:cs typeface="Times New Roman" panose="02020603050405020304" pitchFamily="18" charset="0"/>
+                        </a:rPr>
+                        <a:t>Voting Classifier (Logistic Regression + Support Vector Machine)</a:t>
+                      </a:r>
+                    </a:p>
+                  </a:txBody>
+                  <a:tcPr marL="68580" marR="68580" marT="0" marB="0"/>
+                </a:tc>
+                <a:tc>
+                  <a:txBody>
+                    <a:bodyPr/>
+                    <a:lstStyle/>
+                    <a:p>
+                      <a:pPr>
+                        <a:lnSpc>
+                          <a:spcPct val="107000"/>
+                        </a:lnSpc>
+                        <a:spcAft>
+                          <a:spcPts val="800"/>
+                        </a:spcAft>
+                      </a:pPr>
+                      <a:r>
+                        <a:rPr lang="en-US" sz="1400" dirty="0">
+                          <a:effectLst/>
+                          <a:latin typeface="Calibri" panose="020F0502020204030204" pitchFamily="34" charset="0"/>
+                          <a:ea typeface="Calibri" panose="020F0502020204030204" pitchFamily="34" charset="0"/>
+                          <a:cs typeface="Times New Roman" panose="02020603050405020304" pitchFamily="18" charset="0"/>
+                        </a:rPr>
+                        <a:t>89.334%</a:t>
+                      </a:r>
+                    </a:p>
+                  </a:txBody>
+                  <a:tcPr marL="68580" marR="68580" marT="0" marB="0"/>
+                </a:tc>
+                <a:tc>
+                  <a:txBody>
+                    <a:bodyPr/>
+                    <a:lstStyle/>
+                    <a:p>
+                      <a:pPr algn="l">
+                        <a:lnSpc>
+                          <a:spcPct val="107000"/>
+                        </a:lnSpc>
+                        <a:spcAft>
+                          <a:spcPts val="800"/>
+                        </a:spcAft>
+                      </a:pPr>
+                      <a:r>
+                        <a:rPr lang="en-US" sz="1400" dirty="0">
+                          <a:effectLst/>
+                          <a:latin typeface="+mn-lt"/>
+                          <a:ea typeface="Calibri" panose="020F0502020204030204" pitchFamily="34" charset="0"/>
+                          <a:cs typeface="Times New Roman" panose="02020603050405020304" pitchFamily="18" charset="0"/>
+                        </a:rPr>
+                        <a:t>77%</a:t>
+                      </a:r>
+                    </a:p>
+                  </a:txBody>
+                  <a:tcPr marL="68580" marR="68580" marT="0" marB="0"/>
+                </a:tc>
+                <a:extLst>
+                  <a:ext uri="{0D108BD9-81ED-4DB2-BD59-A6C34878D82A}">
+                    <a16:rowId xmlns:a16="http://schemas.microsoft.com/office/drawing/2014/main" val="3575405806"/>
+                  </a:ext>
+                </a:extLst>
+              </a:tr>
+              <a:tr h="427202">
+                <a:tc>
+                  <a:txBody>
+                    <a:bodyPr/>
+                    <a:lstStyle/>
+                    <a:p>
+                      <a:pPr algn="l">
+                        <a:lnSpc>
+                          <a:spcPct val="107000"/>
+                        </a:lnSpc>
+                        <a:spcAft>
+                          <a:spcPts val="800"/>
+                        </a:spcAft>
+                      </a:pPr>
+                      <a:r>
+                        <a:rPr lang="en-US" sz="1400" dirty="0">
+                          <a:effectLst/>
+                          <a:latin typeface="+mn-lt"/>
+                          <a:ea typeface="Calibri" panose="020F0502020204030204" pitchFamily="34" charset="0"/>
+                          <a:cs typeface="Times New Roman" panose="02020603050405020304" pitchFamily="18" charset="0"/>
+                        </a:rPr>
+                        <a:t>Base Paper Technique (Gini Index + SVM)</a:t>
+                      </a:r>
+                    </a:p>
+                  </a:txBody>
+                  <a:tcPr marL="68580" marR="68580" marT="0" marB="0"/>
+                </a:tc>
+                <a:tc>
+                  <a:txBody>
+                    <a:bodyPr/>
+                    <a:lstStyle/>
+                    <a:p>
+                      <a:pPr>
+                        <a:lnSpc>
+                          <a:spcPct val="107000"/>
+                        </a:lnSpc>
+                        <a:spcAft>
+                          <a:spcPts val="800"/>
+                        </a:spcAft>
+                      </a:pPr>
+                      <a:r>
+                        <a:rPr lang="en-US" sz="1400" dirty="0">
+                          <a:effectLst/>
+                          <a:latin typeface="Calibri" panose="020F0502020204030204" pitchFamily="34" charset="0"/>
+                          <a:ea typeface="Calibri" panose="020F0502020204030204" pitchFamily="34" charset="0"/>
+                          <a:cs typeface="Times New Roman" panose="02020603050405020304" pitchFamily="18" charset="0"/>
+                        </a:rPr>
+                        <a:t>76%</a:t>
+                      </a:r>
+                    </a:p>
+                  </a:txBody>
+                  <a:tcPr marL="68580" marR="68580" marT="0" marB="0"/>
+                </a:tc>
+                <a:tc>
+                  <a:txBody>
+                    <a:bodyPr/>
+                    <a:lstStyle/>
+                    <a:p>
+                      <a:pPr algn="l">
+                        <a:lnSpc>
+                          <a:spcPct val="107000"/>
+                        </a:lnSpc>
+                        <a:spcAft>
+                          <a:spcPts val="800"/>
+                        </a:spcAft>
+                      </a:pPr>
+                      <a:r>
+                        <a:rPr lang="en-US" sz="1400" dirty="0">
+                          <a:effectLst/>
+                          <a:latin typeface="+mn-lt"/>
+                          <a:ea typeface="Calibri" panose="020F0502020204030204" pitchFamily="34" charset="0"/>
+                          <a:cs typeface="Times New Roman" panose="02020603050405020304" pitchFamily="18" charset="0"/>
+                        </a:rPr>
+                        <a:t>76%</a:t>
+                      </a:r>
+                    </a:p>
+                  </a:txBody>
+                  <a:tcPr marL="68580" marR="68580" marT="0" marB="0"/>
+                </a:tc>
+                <a:extLst>
+                  <a:ext uri="{0D108BD9-81ED-4DB2-BD59-A6C34878D82A}">
+                    <a16:rowId xmlns:a16="http://schemas.microsoft.com/office/drawing/2014/main" val="1718580575"/>
+                  </a:ext>
+                </a:extLst>
+              </a:tr>
+            </a:tbl>
+          </a:graphicData>
+        </a:graphic>
+      </p:graphicFrame>
     </p:spTree>
     <p:extLst>
       <p:ext uri="{BB962C8B-B14F-4D97-AF65-F5344CB8AC3E}">
-        <p14:creationId xmlns:p14="http://schemas.microsoft.com/office/powerpoint/2010/main" val="3089428424"/>
+        <p14:creationId xmlns:p14="http://schemas.microsoft.com/office/powerpoint/2010/main" val="3918966856"/>
       </p:ext>
     </p:extLst>
   </p:cSld>
@@ -14170,57 +18039,52 @@
             </a:pPr>
             <a:r>
               <a:rPr lang="en-US" sz="2000" dirty="0"/>
-              <a:t>Performance Comparison of Proposed Methodology and Machine Learning Models on aspect based data set with </a:t>
-            </a:r>
-            <a:r>
-              <a:rPr lang="en-US" sz="2000" dirty="0" err="1"/>
-              <a:t>undersampled</a:t>
-            </a:r>
-            <a:r>
-              <a:rPr lang="en-US" sz="2000" dirty="0"/>
-              <a:t> data.</a:t>
-            </a:r>
+              <a:t>Performance Comparison of Proposed Methodology and Machine Learning Models on aspect based data set with imbalance data.</a:t>
+            </a:r>
+          </a:p>
+          <a:p>
+            <a:pPr>
+              <a:buFont typeface="Wingdings" panose="05000000000000000000" pitchFamily="2" charset="2"/>
+              <a:buChar char="v"/>
+            </a:pPr>
+            <a:endParaRPr lang="en-US" sz="2000" dirty="0"/>
           </a:p>
         </p:txBody>
       </p:sp>
-      <p:pic>
-        <p:nvPicPr>
-          <p:cNvPr id="5" name="Picture 4">
+      <p:graphicFrame>
+        <p:nvGraphicFramePr>
+          <p:cNvPr id="5" name="Chart 4">
             <a:extLst>
               <a:ext uri="{FF2B5EF4-FFF2-40B4-BE49-F238E27FC236}">
-                <a16:creationId xmlns:a16="http://schemas.microsoft.com/office/drawing/2014/main" id="{E1AE59D2-118C-422E-97AE-31875F1C408B}"/>
+                <a16:creationId xmlns:a16="http://schemas.microsoft.com/office/drawing/2014/main" id="{1EAF6250-0AF9-49E0-807B-379E0890ECFF}"/>
               </a:ext>
             </a:extLst>
           </p:cNvPr>
-          <p:cNvPicPr/>
-          <p:nvPr/>
-        </p:nvPicPr>
-        <p:blipFill>
-          <a:blip r:embed="rId2">
-            <a:extLst>
-              <a:ext uri="{28A0092B-C50C-407E-A947-70E740481C1C}">
-                <a14:useLocalDpi xmlns:a14="http://schemas.microsoft.com/office/drawing/2010/main" val="0"/>
-              </a:ext>
-            </a:extLst>
-          </a:blip>
-          <a:stretch>
-            <a:fillRect/>
-          </a:stretch>
-        </p:blipFill>
-        <p:spPr>
-          <a:xfrm>
-            <a:off x="2045988" y="2667000"/>
-            <a:ext cx="6640811" cy="3614511"/>
-          </a:xfrm>
-          <a:prstGeom prst="rect">
-            <a:avLst/>
-          </a:prstGeom>
-        </p:spPr>
-      </p:pic>
+          <p:cNvGraphicFramePr>
+            <a:graphicFrameLocks/>
+          </p:cNvGraphicFramePr>
+          <p:nvPr>
+            <p:extLst>
+              <p:ext uri="{D42A27DB-BD31-4B8C-83A1-F6EECF244321}">
+                <p14:modId xmlns:p14="http://schemas.microsoft.com/office/powerpoint/2010/main" val="1586997997"/>
+              </p:ext>
+            </p:extLst>
+          </p:nvPr>
+        </p:nvGraphicFramePr>
+        <p:xfrm>
+          <a:off x="2045988" y="2514600"/>
+          <a:ext cx="6412212" cy="3886200"/>
+        </p:xfrm>
+        <a:graphic>
+          <a:graphicData uri="http://schemas.openxmlformats.org/drawingml/2006/chart">
+            <c:chart xmlns:c="http://schemas.openxmlformats.org/drawingml/2006/chart" xmlns:r="http://schemas.openxmlformats.org/officeDocument/2006/relationships" r:id="rId2"/>
+          </a:graphicData>
+        </a:graphic>
+      </p:graphicFrame>
     </p:spTree>
     <p:extLst>
       <p:ext uri="{BB962C8B-B14F-4D97-AF65-F5344CB8AC3E}">
-        <p14:creationId xmlns:p14="http://schemas.microsoft.com/office/powerpoint/2010/main" val="3476424867"/>
+        <p14:creationId xmlns:p14="http://schemas.microsoft.com/office/powerpoint/2010/main" val="3089428424"/>
       </p:ext>
     </p:extLst>
   </p:cSld>
@@ -14329,12 +18193,6 @@
           <a:p>
             <a:r>
               <a:rPr lang="en-US" dirty="0"/>
-              <a:t>Implementation Techniques</a:t>
-            </a:r>
-          </a:p>
-          <a:p>
-            <a:r>
-              <a:rPr lang="en-US" dirty="0"/>
               <a:t>Results</a:t>
             </a:r>
           </a:p>
@@ -14342,6 +18200,12 @@
             <a:r>
               <a:rPr lang="en-US" dirty="0"/>
               <a:t>Conclusion</a:t>
+            </a:r>
+          </a:p>
+          <a:p>
+            <a:r>
+              <a:rPr lang="en-US" dirty="0"/>
+              <a:t>Future work</a:t>
             </a:r>
           </a:p>
           <a:p>
@@ -14441,45 +18305,165 @@
             </a:pPr>
             <a:r>
               <a:rPr lang="en-US" sz="2000" dirty="0"/>
-              <a:t>Performance Comparison of Proposed Methodology and Machine Learning Models on aspect based data set with oversampled data.</a:t>
+              <a:t>Performance Comparison of Proposed Methodology and Machine Learning Models on aspect based data set with under-sampled data.</a:t>
             </a:r>
           </a:p>
         </p:txBody>
       </p:sp>
-      <p:pic>
-        <p:nvPicPr>
-          <p:cNvPr id="5" name="Picture 4">
+      <p:graphicFrame>
+        <p:nvGraphicFramePr>
+          <p:cNvPr id="7" name="Chart 6">
             <a:extLst>
               <a:ext uri="{FF2B5EF4-FFF2-40B4-BE49-F238E27FC236}">
-                <a16:creationId xmlns:a16="http://schemas.microsoft.com/office/drawing/2014/main" id="{35F1AC86-AEFD-4868-8306-417602C38E88}"/>
+                <a16:creationId xmlns:a16="http://schemas.microsoft.com/office/drawing/2014/main" id="{4E6E7BAD-3FD5-4FDA-BD90-45F4E8614E3F}"/>
               </a:ext>
             </a:extLst>
           </p:cNvPr>
-          <p:cNvPicPr/>
-          <p:nvPr/>
-        </p:nvPicPr>
-        <p:blipFill>
-          <a:blip r:embed="rId2">
+          <p:cNvGraphicFramePr>
+            <a:graphicFrameLocks/>
+          </p:cNvGraphicFramePr>
+          <p:nvPr>
+            <p:extLst>
+              <p:ext uri="{D42A27DB-BD31-4B8C-83A1-F6EECF244321}">
+                <p14:modId xmlns:p14="http://schemas.microsoft.com/office/powerpoint/2010/main" val="3697252559"/>
+              </p:ext>
+            </p:extLst>
+          </p:nvPr>
+        </p:nvGraphicFramePr>
+        <p:xfrm>
+          <a:off x="1855304" y="2651124"/>
+          <a:ext cx="6831495" cy="3825876"/>
+        </p:xfrm>
+        <a:graphic>
+          <a:graphicData uri="http://schemas.openxmlformats.org/drawingml/2006/chart">
+            <c:chart xmlns:c="http://schemas.openxmlformats.org/drawingml/2006/chart" xmlns:r="http://schemas.openxmlformats.org/officeDocument/2006/relationships" r:id="rId2"/>
+          </a:graphicData>
+        </a:graphic>
+      </p:graphicFrame>
+    </p:spTree>
+    <p:extLst>
+      <p:ext uri="{BB962C8B-B14F-4D97-AF65-F5344CB8AC3E}">
+        <p14:creationId xmlns:p14="http://schemas.microsoft.com/office/powerpoint/2010/main" val="3476424867"/>
+      </p:ext>
+    </p:extLst>
+  </p:cSld>
+  <p:clrMapOvr>
+    <a:masterClrMapping/>
+  </p:clrMapOvr>
+</p:sld>
+</file>
+
+<file path=ppt/slides/slide31.xml><?xml version="1.0" encoding="utf-8"?>
+<p:sld xmlns:a="http://schemas.openxmlformats.org/drawingml/2006/main" xmlns:r="http://schemas.openxmlformats.org/officeDocument/2006/relationships" xmlns:p="http://schemas.openxmlformats.org/presentationml/2006/main">
+  <p:cSld>
+    <p:spTree>
+      <p:nvGrpSpPr>
+        <p:cNvPr id="1" name=""/>
+        <p:cNvGrpSpPr/>
+        <p:nvPr/>
+      </p:nvGrpSpPr>
+      <p:grpSpPr>
+        <a:xfrm>
+          <a:off x="0" y="0"/>
+          <a:ext cx="0" cy="0"/>
+          <a:chOff x="0" y="0"/>
+          <a:chExt cx="0" cy="0"/>
+        </a:xfrm>
+      </p:grpSpPr>
+      <p:sp>
+        <p:nvSpPr>
+          <p:cNvPr id="2" name="Title 1">
             <a:extLst>
-              <a:ext uri="{28A0092B-C50C-407E-A947-70E740481C1C}">
-                <a14:useLocalDpi xmlns:a14="http://schemas.microsoft.com/office/drawing/2010/main" val="0"/>
+              <a:ext uri="{FF2B5EF4-FFF2-40B4-BE49-F238E27FC236}">
+                <a16:creationId xmlns:a16="http://schemas.microsoft.com/office/drawing/2014/main" id="{3C753124-8264-4D65-95E0-FD00303159CE}"/>
               </a:ext>
             </a:extLst>
-          </a:blip>
-          <a:stretch>
-            <a:fillRect/>
-          </a:stretch>
-        </p:blipFill>
-        <p:spPr>
-          <a:xfrm>
-            <a:off x="2045987" y="2667000"/>
-            <a:ext cx="6640811" cy="3810000"/>
-          </a:xfrm>
-          <a:prstGeom prst="rect">
-            <a:avLst/>
-          </a:prstGeom>
-        </p:spPr>
-      </p:pic>
+          </p:cNvPr>
+          <p:cNvSpPr>
+            <a:spLocks noGrp="1"/>
+          </p:cNvSpPr>
+          <p:nvPr>
+            <p:ph type="title"/>
+          </p:nvPr>
+        </p:nvSpPr>
+        <p:spPr/>
+        <p:txBody>
+          <a:bodyPr>
+            <a:normAutofit fontScale="90000"/>
+          </a:bodyPr>
+          <a:lstStyle/>
+          <a:p>
+            <a:r>
+              <a:rPr lang="en-US" sz="2800" b="1" dirty="0"/>
+              <a:t>Performance Comparison of Proposed Methodology and Machine Learning Models</a:t>
+            </a:r>
+          </a:p>
+        </p:txBody>
+      </p:sp>
+      <p:sp>
+        <p:nvSpPr>
+          <p:cNvPr id="6" name="Content Placeholder 5">
+            <a:extLst>
+              <a:ext uri="{FF2B5EF4-FFF2-40B4-BE49-F238E27FC236}">
+                <a16:creationId xmlns:a16="http://schemas.microsoft.com/office/drawing/2014/main" id="{F65F6FD5-8C09-4152-84F8-BA93B9C5B6AC}"/>
+              </a:ext>
+            </a:extLst>
+          </p:cNvPr>
+          <p:cNvSpPr>
+            <a:spLocks noGrp="1"/>
+          </p:cNvSpPr>
+          <p:nvPr>
+            <p:ph idx="1"/>
+          </p:nvPr>
+        </p:nvSpPr>
+        <p:spPr/>
+        <p:txBody>
+          <a:bodyPr>
+            <a:normAutofit/>
+          </a:bodyPr>
+          <a:lstStyle/>
+          <a:p>
+            <a:pPr>
+              <a:buFont typeface="Wingdings" panose="05000000000000000000" pitchFamily="2" charset="2"/>
+              <a:buChar char="v"/>
+            </a:pPr>
+            <a:r>
+              <a:rPr lang="en-US" sz="2000" dirty="0"/>
+              <a:t>Performance Comparison of Proposed Methodology and Machine Learning Models on aspect based data set with oversampled data.</a:t>
+            </a:r>
+          </a:p>
+        </p:txBody>
+      </p:sp>
+      <p:graphicFrame>
+        <p:nvGraphicFramePr>
+          <p:cNvPr id="7" name="Chart 6">
+            <a:extLst>
+              <a:ext uri="{FF2B5EF4-FFF2-40B4-BE49-F238E27FC236}">
+                <a16:creationId xmlns:a16="http://schemas.microsoft.com/office/drawing/2014/main" id="{744E3F3E-FCED-4C6D-9AF8-E1A7D4F4C87A}"/>
+              </a:ext>
+            </a:extLst>
+          </p:cNvPr>
+          <p:cNvGraphicFramePr>
+            <a:graphicFrameLocks/>
+          </p:cNvGraphicFramePr>
+          <p:nvPr>
+            <p:extLst>
+              <p:ext uri="{D42A27DB-BD31-4B8C-83A1-F6EECF244321}">
+                <p14:modId xmlns:p14="http://schemas.microsoft.com/office/powerpoint/2010/main" val="1924416881"/>
+              </p:ext>
+            </p:extLst>
+          </p:nvPr>
+        </p:nvGraphicFramePr>
+        <p:xfrm>
+          <a:off x="2045988" y="2819400"/>
+          <a:ext cx="6336012" cy="3657600"/>
+        </p:xfrm>
+        <a:graphic>
+          <a:graphicData uri="http://schemas.openxmlformats.org/drawingml/2006/chart">
+            <c:chart xmlns:c="http://schemas.openxmlformats.org/drawingml/2006/chart" xmlns:r="http://schemas.openxmlformats.org/officeDocument/2006/relationships" r:id="rId2"/>
+          </a:graphicData>
+        </a:graphic>
+      </p:graphicFrame>
     </p:spTree>
     <p:extLst>
       <p:ext uri="{BB962C8B-B14F-4D97-AF65-F5344CB8AC3E}">
@@ -14493,7 +18477,7 @@
 </p:sld>
 </file>
 
-<file path=ppt/slides/slide31.xml><?xml version="1.0" encoding="utf-8"?>
+<file path=ppt/slides/slide32.xml><?xml version="1.0" encoding="utf-8"?>
 <p:sld xmlns:a="http://schemas.openxmlformats.org/drawingml/2006/main" xmlns:r="http://schemas.openxmlformats.org/officeDocument/2006/relationships" xmlns:p="http://schemas.openxmlformats.org/presentationml/2006/main">
   <p:cSld>
     <p:spTree>
@@ -14774,7 +18758,7 @@
               <a:rPr lang="en-GB" sz="2400" dirty="0">
                 <a:cs typeface="Times New Roman" pitchFamily="18" charset="0"/>
               </a:rPr>
-              <a:t>Combination of Logistic Regression and Random Forest under the architecture of voting classifier has been proposed.</a:t>
+              <a:t>Combination of Logistic Regression and Random Forest under the architecture of voting classifier has been applied on both balanced and imbalanced datasets.</a:t>
             </a:r>
           </a:p>
           <a:p>
@@ -14786,7 +18770,7 @@
               <a:rPr lang="en-GB" sz="2400" dirty="0">
                 <a:cs typeface="Times New Roman" pitchFamily="18" charset="0"/>
               </a:rPr>
-              <a:t>Accuracy has been improved with the proposed methodology.</a:t>
+              <a:t>Accuracy has been improved with the proposed methodology on balanced dataset.</a:t>
             </a:r>
           </a:p>
         </p:txBody>
@@ -14804,7 +18788,7 @@
 </p:sld>
 </file>
 
-<file path=ppt/slides/slide32.xml><?xml version="1.0" encoding="utf-8"?>
+<file path=ppt/slides/slide33.xml><?xml version="1.0" encoding="utf-8"?>
 <p:sld xmlns:a="http://schemas.openxmlformats.org/drawingml/2006/main" xmlns:r="http://schemas.openxmlformats.org/officeDocument/2006/relationships" xmlns:p="http://schemas.openxmlformats.org/presentationml/2006/main">
   <p:cSld>
     <p:spTree>
@@ -15060,108 +19044,27 @@
           </a:p>
         </p:txBody>
       </p:sp>
-    </p:spTree>
-    <p:extLst>
-      <p:ext uri="{BB962C8B-B14F-4D97-AF65-F5344CB8AC3E}">
-        <p14:creationId xmlns:p14="http://schemas.microsoft.com/office/powerpoint/2010/main" val="2844823347"/>
-      </p:ext>
-    </p:extLst>
-  </p:cSld>
-  <p:clrMapOvr>
-    <a:masterClrMapping/>
-  </p:clrMapOvr>
-</p:sld>
-</file>
-
-<file path=ppt/slides/slide33.xml><?xml version="1.0" encoding="utf-8"?>
-<p:sld xmlns:a="http://schemas.openxmlformats.org/drawingml/2006/main" xmlns:r="http://schemas.openxmlformats.org/officeDocument/2006/relationships" xmlns:p="http://schemas.openxmlformats.org/presentationml/2006/main">
-  <p:cSld>
-    <p:spTree>
-      <p:nvGrpSpPr>
-        <p:cNvPr id="1" name=""/>
-        <p:cNvGrpSpPr/>
-        <p:nvPr/>
-      </p:nvGrpSpPr>
-      <p:grpSpPr>
-        <a:xfrm>
-          <a:off x="0" y="0"/>
-          <a:ext cx="0" cy="0"/>
-          <a:chOff x="0" y="0"/>
-          <a:chExt cx="0" cy="0"/>
-        </a:xfrm>
-      </p:grpSpPr>
       <p:sp>
         <p:nvSpPr>
-          <p:cNvPr id="2" name="Title 1"/>
-          <p:cNvSpPr>
-            <a:spLocks noGrp="1"/>
-          </p:cNvSpPr>
-          <p:nvPr>
-            <p:ph type="title"/>
-          </p:nvPr>
-        </p:nvSpPr>
-        <p:spPr/>
-        <p:txBody>
-          <a:bodyPr>
-            <a:normAutofit/>
-          </a:bodyPr>
-          <a:lstStyle/>
-          <a:p>
-            <a:r>
-              <a:rPr lang="en-US" dirty="0"/>
-              <a:t>References</a:t>
-            </a:r>
-          </a:p>
-        </p:txBody>
-      </p:sp>
-      <p:sp>
-        <p:nvSpPr>
-          <p:cNvPr id="3" name="Content Placeholder 2"/>
-          <p:cNvSpPr>
-            <a:spLocks noGrp="1"/>
-          </p:cNvSpPr>
-          <p:nvPr>
-            <p:ph idx="1"/>
-          </p:nvPr>
-        </p:nvSpPr>
-        <p:spPr/>
-        <p:txBody>
-          <a:bodyPr/>
-          <a:lstStyle/>
-          <a:p>
-            <a:pPr marL="0" indent="0">
-              <a:buNone/>
-            </a:pPr>
-            <a:endParaRPr lang="en-US" dirty="0"/>
-          </a:p>
-          <a:p>
-            <a:pPr marL="0" indent="0">
-              <a:buNone/>
-            </a:pPr>
-            <a:endParaRPr lang="en-US" dirty="0">
-              <a:solidFill>
-                <a:schemeClr val="bg1">
-                  <a:lumMod val="65000"/>
-                </a:schemeClr>
-              </a:solidFill>
-            </a:endParaRPr>
-          </a:p>
-        </p:txBody>
-      </p:sp>
-      <p:sp>
-        <p:nvSpPr>
-          <p:cNvPr id="4" name="Rectangle 3"/>
-          <p:cNvSpPr/>
+          <p:cNvPr id="7" name="TextBox 6">
+            <a:extLst>
+              <a:ext uri="{FF2B5EF4-FFF2-40B4-BE49-F238E27FC236}">
+                <a16:creationId xmlns:a16="http://schemas.microsoft.com/office/drawing/2014/main" id="{04991992-5B10-4F4E-ACDB-4A4FADC336E9}"/>
+              </a:ext>
+            </a:extLst>
+          </p:cNvPr>
+          <p:cNvSpPr txBox="1"/>
           <p:nvPr/>
         </p:nvSpPr>
         <p:spPr>
           <a:xfrm>
-            <a:off x="2133600" y="1371600"/>
-            <a:ext cx="6553199" cy="5493812"/>
+            <a:off x="2045988" y="1905000"/>
+            <a:ext cx="6172200" cy="3108543"/>
           </a:xfrm>
           <a:prstGeom prst="rect">
             <a:avLst/>
           </a:prstGeom>
+          <a:noFill/>
         </p:spPr>
         <p:txBody>
           <a:bodyPr wrap="square">
@@ -15169,205 +19072,44 @@
           </a:bodyPr>
           <a:lstStyle/>
           <a:p>
-            <a:pPr marL="342900" indent="-342900" algn="just">
-              <a:lnSpc>
-                <a:spcPct val="150000"/>
-              </a:lnSpc>
-              <a:buFont typeface="+mj-lt"/>
-              <a:buAutoNum type="arabicPeriod"/>
+            <a:pPr algn="just">
+              <a:buFont typeface="Wingdings" panose="05000000000000000000" pitchFamily="2" charset="2"/>
+              <a:buChar char="v"/>
             </a:pPr>
             <a:r>
-              <a:rPr lang="en-GB" sz="1500" dirty="0">
+              <a:rPr lang="en-GB" sz="2800" dirty="0">
                 <a:cs typeface="Times New Roman" pitchFamily="18" charset="0"/>
-                <a:hlinkClick r:id="rId3"/>
               </a:rPr>
-              <a:t>https://www.statista.com/statistics/379046/worldwide-retail-e-commerce-sales/</a:t>
-            </a:r>
-            <a:endParaRPr lang="en-GB" sz="1500" dirty="0">
+              <a:t>In future, this research will be extended by applying deep learning algorithms. </a:t>
+            </a:r>
+          </a:p>
+          <a:p>
+            <a:pPr algn="just">
+              <a:buFont typeface="Wingdings" panose="05000000000000000000" pitchFamily="2" charset="2"/>
+              <a:buChar char="v"/>
+            </a:pPr>
+            <a:endParaRPr lang="en-GB" sz="2800" dirty="0">
               <a:cs typeface="Times New Roman" pitchFamily="18" charset="0"/>
             </a:endParaRPr>
           </a:p>
           <a:p>
-            <a:pPr marL="342900" indent="-342900" algn="just">
-              <a:lnSpc>
-                <a:spcPct val="150000"/>
-              </a:lnSpc>
-              <a:buFont typeface="+mj-lt"/>
-              <a:buAutoNum type="arabicPeriod"/>
+            <a:pPr algn="just">
+              <a:buFont typeface="Wingdings" panose="05000000000000000000" pitchFamily="2" charset="2"/>
+              <a:buChar char="v"/>
             </a:pPr>
             <a:r>
-              <a:rPr lang="en-GB" sz="1500" dirty="0">
-                <a:solidFill>
-                  <a:srgbClr val="000000"/>
-                </a:solidFill>
-                <a:effectLst/>
-                <a:ea typeface="Calibri" panose="020F0502020204030204" pitchFamily="34" charset="0"/>
+              <a:rPr lang="en-GB" sz="2800" dirty="0">
+                <a:cs typeface="Times New Roman" pitchFamily="18" charset="0"/>
               </a:rPr>
-              <a:t>A. Bhatti, H. </a:t>
-            </a:r>
-            <a:r>
-              <a:rPr lang="en-GB" sz="1500" dirty="0" err="1">
-                <a:solidFill>
-                  <a:srgbClr val="000000"/>
-                </a:solidFill>
-                <a:effectLst/>
-                <a:ea typeface="Calibri" panose="020F0502020204030204" pitchFamily="34" charset="0"/>
-              </a:rPr>
-              <a:t>Akram</a:t>
-            </a:r>
-            <a:r>
-              <a:rPr lang="en-GB" sz="1500" dirty="0">
-                <a:solidFill>
-                  <a:srgbClr val="000000"/>
-                </a:solidFill>
-                <a:effectLst/>
-                <a:ea typeface="Calibri" panose="020F0502020204030204" pitchFamily="34" charset="0"/>
-              </a:rPr>
-              <a:t>, H. M. Basit, A. U. Khan, and S. M. Raza, (2020). ‘E-commerce trends during COVID-19 Pandemic’, vol. 13, no. 2, pp. 1449–1452</a:t>
-            </a:r>
-          </a:p>
-          <a:p>
-            <a:pPr marL="342900" indent="-342900" algn="just">
-              <a:lnSpc>
-                <a:spcPct val="150000"/>
-              </a:lnSpc>
-              <a:buFont typeface="+mj-lt"/>
-              <a:buAutoNum type="arabicPeriod"/>
-            </a:pPr>
-            <a:r>
-              <a:rPr lang="en-GB" sz="1500" dirty="0">
-                <a:effectLst/>
-                <a:ea typeface="Calibri" panose="020F0502020204030204" pitchFamily="34" charset="0"/>
-              </a:rPr>
-              <a:t>A. Nawaz, A. Ahmed, A. Tariq, A. Muhammad, and R. Rashid, (2020). ‘Product ’ s behaviour recommendations using free text : an aspect based sentiment analysis approach’, </a:t>
-            </a:r>
-            <a:r>
-              <a:rPr lang="en-GB" sz="1500" i="1" dirty="0">
-                <a:effectLst/>
-                <a:ea typeface="Calibri" panose="020F0502020204030204" pitchFamily="34" charset="0"/>
-              </a:rPr>
-              <a:t>Cluster </a:t>
-            </a:r>
-            <a:r>
-              <a:rPr lang="en-GB" sz="1500" i="1" dirty="0" err="1">
-                <a:effectLst/>
-                <a:ea typeface="Calibri" panose="020F0502020204030204" pitchFamily="34" charset="0"/>
-              </a:rPr>
-              <a:t>Comput</a:t>
-            </a:r>
-            <a:r>
-              <a:rPr lang="en-GB" sz="1500" i="1" dirty="0">
-                <a:effectLst/>
-                <a:ea typeface="Calibri" panose="020F0502020204030204" pitchFamily="34" charset="0"/>
-              </a:rPr>
-              <a:t>.</a:t>
-            </a:r>
-            <a:r>
-              <a:rPr lang="en-GB" sz="1500" dirty="0">
-                <a:effectLst/>
-                <a:ea typeface="Calibri" panose="020F0502020204030204" pitchFamily="34" charset="0"/>
-              </a:rPr>
-              <a:t>, vol. 23, no. 2, pp. 1267–1279.</a:t>
-            </a:r>
-          </a:p>
-          <a:p>
-            <a:pPr marL="342900" indent="-342900" algn="just">
-              <a:lnSpc>
-                <a:spcPct val="150000"/>
-              </a:lnSpc>
-              <a:buFont typeface="+mj-lt"/>
-              <a:buAutoNum type="arabicPeriod"/>
-            </a:pPr>
-            <a:r>
-              <a:rPr lang="en-US" sz="1500" dirty="0" err="1"/>
-              <a:t>Y.Wang</a:t>
-            </a:r>
-            <a:r>
-              <a:rPr lang="en-US" sz="1500" dirty="0"/>
-              <a:t>, </a:t>
-            </a:r>
-            <a:r>
-              <a:rPr lang="en-US" sz="1500" dirty="0" err="1"/>
-              <a:t>X.Zheng</a:t>
-            </a:r>
-            <a:r>
-              <a:rPr lang="en-US" sz="1500" dirty="0"/>
-              <a:t>, </a:t>
-            </a:r>
-            <a:r>
-              <a:rPr lang="en-US" sz="1500" dirty="0" err="1"/>
-              <a:t>D.Hou</a:t>
-            </a:r>
-            <a:r>
-              <a:rPr lang="en-US" sz="1500" dirty="0"/>
-              <a:t>, and </a:t>
-            </a:r>
-            <a:r>
-              <a:rPr lang="en-US" sz="1500" dirty="0" err="1"/>
-              <a:t>W.Hu</a:t>
-            </a:r>
-            <a:r>
-              <a:rPr lang="en-US" sz="1500" dirty="0"/>
-              <a:t>, “Short Text Sentiment Classification of High Dimensional Hybrid Feature Based on SVM,” Computer Technology and Development, vol.28, no.2, pp.88-93, 2018. </a:t>
-            </a:r>
-          </a:p>
-          <a:p>
-            <a:pPr marL="342900" indent="-342900" algn="just">
-              <a:lnSpc>
-                <a:spcPct val="150000"/>
-              </a:lnSpc>
-              <a:buFont typeface="+mj-lt"/>
-              <a:buAutoNum type="arabicPeriod"/>
-            </a:pPr>
-            <a:r>
-              <a:rPr lang="en-US" sz="1500" dirty="0"/>
-              <a:t>Missing</a:t>
-            </a:r>
-          </a:p>
-          <a:p>
-            <a:pPr marL="342900" indent="-342900" algn="just">
-              <a:lnSpc>
-                <a:spcPct val="150000"/>
-              </a:lnSpc>
-              <a:buFont typeface="+mj-lt"/>
-              <a:buAutoNum type="arabicPeriod"/>
-            </a:pPr>
-            <a:r>
-              <a:rPr lang="en-GB" sz="1500" dirty="0">
-                <a:effectLst/>
-                <a:ea typeface="Calibri" panose="020F0502020204030204" pitchFamily="34" charset="0"/>
-              </a:rPr>
-              <a:t>Q. Lu, Z. Zhu, D. Zhang, W. Wu, and Q. Guo, (2020). ‘Interactive Rule Attention Network for Aspect-Level Sentiment Analysis’, </a:t>
-            </a:r>
-            <a:r>
-              <a:rPr lang="en-GB" sz="1500" i="1" dirty="0">
-                <a:effectLst/>
-                <a:ea typeface="Calibri" panose="020F0502020204030204" pitchFamily="34" charset="0"/>
-              </a:rPr>
-              <a:t>IEEE Access</a:t>
-            </a:r>
-            <a:r>
-              <a:rPr lang="en-GB" sz="1500" dirty="0">
-                <a:effectLst/>
-                <a:ea typeface="Calibri" panose="020F0502020204030204" pitchFamily="34" charset="0"/>
-              </a:rPr>
-              <a:t>, vol. 8, pp. 52505–52516.</a:t>
-            </a:r>
-            <a:endParaRPr lang="en-US" sz="1500" dirty="0"/>
-          </a:p>
-          <a:p>
-            <a:pPr algn="just"/>
-            <a:endParaRPr lang="en-GB" dirty="0"/>
-          </a:p>
-          <a:p>
-            <a:endParaRPr lang="en-US" dirty="0"/>
+              <a:t>Combination of multiple deep learning algorithms  will be applied to improve accuracy.</a:t>
+            </a:r>
           </a:p>
         </p:txBody>
       </p:sp>
     </p:spTree>
     <p:extLst>
       <p:ext uri="{BB962C8B-B14F-4D97-AF65-F5344CB8AC3E}">
-        <p14:creationId xmlns:p14="http://schemas.microsoft.com/office/powerpoint/2010/main" val="3579025232"/>
+        <p14:creationId xmlns:p14="http://schemas.microsoft.com/office/powerpoint/2010/main" val="2844823347"/>
       </p:ext>
     </p:extLst>
   </p:cSld>
@@ -15406,6 +19148,310 @@
         </p:nvSpPr>
         <p:spPr/>
         <p:txBody>
+          <a:bodyPr>
+            <a:normAutofit/>
+          </a:bodyPr>
+          <a:lstStyle/>
+          <a:p>
+            <a:r>
+              <a:rPr lang="en-US" dirty="0"/>
+              <a:t>References</a:t>
+            </a:r>
+          </a:p>
+        </p:txBody>
+      </p:sp>
+      <p:sp>
+        <p:nvSpPr>
+          <p:cNvPr id="3" name="Content Placeholder 2"/>
+          <p:cNvSpPr>
+            <a:spLocks noGrp="1"/>
+          </p:cNvSpPr>
+          <p:nvPr>
+            <p:ph idx="1"/>
+          </p:nvPr>
+        </p:nvSpPr>
+        <p:spPr/>
+        <p:txBody>
+          <a:bodyPr/>
+          <a:lstStyle/>
+          <a:p>
+            <a:pPr marL="0" indent="0">
+              <a:buNone/>
+            </a:pPr>
+            <a:endParaRPr lang="en-US" dirty="0"/>
+          </a:p>
+          <a:p>
+            <a:pPr marL="0" indent="0">
+              <a:buNone/>
+            </a:pPr>
+            <a:endParaRPr lang="en-US" dirty="0">
+              <a:solidFill>
+                <a:schemeClr val="bg1">
+                  <a:lumMod val="65000"/>
+                </a:schemeClr>
+              </a:solidFill>
+            </a:endParaRPr>
+          </a:p>
+        </p:txBody>
+      </p:sp>
+      <p:sp>
+        <p:nvSpPr>
+          <p:cNvPr id="4" name="Rectangle 3"/>
+          <p:cNvSpPr/>
+          <p:nvPr/>
+        </p:nvSpPr>
+        <p:spPr>
+          <a:xfrm>
+            <a:off x="2133600" y="1371600"/>
+            <a:ext cx="6553199" cy="5493812"/>
+          </a:xfrm>
+          <a:prstGeom prst="rect">
+            <a:avLst/>
+          </a:prstGeom>
+        </p:spPr>
+        <p:txBody>
+          <a:bodyPr wrap="square">
+            <a:spAutoFit/>
+          </a:bodyPr>
+          <a:lstStyle/>
+          <a:p>
+            <a:pPr marL="342900" indent="-342900" algn="just">
+              <a:lnSpc>
+                <a:spcPct val="150000"/>
+              </a:lnSpc>
+              <a:buFont typeface="+mj-lt"/>
+              <a:buAutoNum type="arabicPeriod"/>
+            </a:pPr>
+            <a:r>
+              <a:rPr lang="en-GB" sz="1500" dirty="0">
+                <a:cs typeface="Times New Roman" pitchFamily="18" charset="0"/>
+                <a:hlinkClick r:id="rId3"/>
+              </a:rPr>
+              <a:t>https://www.statista.com/statistics/379046/worldwide-retail-e-commerce-sales/</a:t>
+            </a:r>
+            <a:endParaRPr lang="en-GB" sz="1500" dirty="0">
+              <a:cs typeface="Times New Roman" pitchFamily="18" charset="0"/>
+            </a:endParaRPr>
+          </a:p>
+          <a:p>
+            <a:pPr marL="342900" indent="-342900" algn="just">
+              <a:lnSpc>
+                <a:spcPct val="150000"/>
+              </a:lnSpc>
+              <a:buFont typeface="+mj-lt"/>
+              <a:buAutoNum type="arabicPeriod"/>
+            </a:pPr>
+            <a:r>
+              <a:rPr lang="en-GB" sz="1500" dirty="0">
+                <a:solidFill>
+                  <a:srgbClr val="000000"/>
+                </a:solidFill>
+                <a:effectLst/>
+                <a:ea typeface="Calibri" panose="020F0502020204030204" pitchFamily="34" charset="0"/>
+              </a:rPr>
+              <a:t>A. Bhatti, H. </a:t>
+            </a:r>
+            <a:r>
+              <a:rPr lang="en-GB" sz="1500" dirty="0" err="1">
+                <a:solidFill>
+                  <a:srgbClr val="000000"/>
+                </a:solidFill>
+                <a:effectLst/>
+                <a:ea typeface="Calibri" panose="020F0502020204030204" pitchFamily="34" charset="0"/>
+              </a:rPr>
+              <a:t>Akram</a:t>
+            </a:r>
+            <a:r>
+              <a:rPr lang="en-GB" sz="1500" dirty="0">
+                <a:solidFill>
+                  <a:srgbClr val="000000"/>
+                </a:solidFill>
+                <a:effectLst/>
+                <a:ea typeface="Calibri" panose="020F0502020204030204" pitchFamily="34" charset="0"/>
+              </a:rPr>
+              <a:t>, H. M. Basit, A. U. Khan, and S. M. Raza, (2020). ‘E-commerce trends during COVID-19 Pandemic’, vol. 13, no. 2, pp. 1449–1452</a:t>
+            </a:r>
+          </a:p>
+          <a:p>
+            <a:pPr marL="342900" indent="-342900" algn="just">
+              <a:lnSpc>
+                <a:spcPct val="150000"/>
+              </a:lnSpc>
+              <a:buFont typeface="+mj-lt"/>
+              <a:buAutoNum type="arabicPeriod"/>
+            </a:pPr>
+            <a:r>
+              <a:rPr lang="en-GB" sz="1500" dirty="0">
+                <a:effectLst/>
+                <a:ea typeface="Calibri" panose="020F0502020204030204" pitchFamily="34" charset="0"/>
+              </a:rPr>
+              <a:t>A. Nawaz, A. Ahmed, A. Tariq, A. Muhammad, and R. Rashid, (2020). ‘Product ’ s behaviour recommendations using free text : an aspect based sentiment analysis approach’, </a:t>
+            </a:r>
+            <a:r>
+              <a:rPr lang="en-GB" sz="1500" i="1" dirty="0">
+                <a:effectLst/>
+                <a:ea typeface="Calibri" panose="020F0502020204030204" pitchFamily="34" charset="0"/>
+              </a:rPr>
+              <a:t>Cluster </a:t>
+            </a:r>
+            <a:r>
+              <a:rPr lang="en-GB" sz="1500" i="1" dirty="0" err="1">
+                <a:effectLst/>
+                <a:ea typeface="Calibri" panose="020F0502020204030204" pitchFamily="34" charset="0"/>
+              </a:rPr>
+              <a:t>Comput</a:t>
+            </a:r>
+            <a:r>
+              <a:rPr lang="en-GB" sz="1500" i="1" dirty="0">
+                <a:effectLst/>
+                <a:ea typeface="Calibri" panose="020F0502020204030204" pitchFamily="34" charset="0"/>
+              </a:rPr>
+              <a:t>.</a:t>
+            </a:r>
+            <a:r>
+              <a:rPr lang="en-GB" sz="1500" dirty="0">
+                <a:effectLst/>
+                <a:ea typeface="Calibri" panose="020F0502020204030204" pitchFamily="34" charset="0"/>
+              </a:rPr>
+              <a:t>, vol. 23, no. 2, pp. 1267–1279.</a:t>
+            </a:r>
+          </a:p>
+          <a:p>
+            <a:pPr marL="342900" indent="-342900" algn="just">
+              <a:lnSpc>
+                <a:spcPct val="150000"/>
+              </a:lnSpc>
+              <a:buFont typeface="+mj-lt"/>
+              <a:buAutoNum type="arabicPeriod"/>
+            </a:pPr>
+            <a:r>
+              <a:rPr lang="en-US" sz="1500" dirty="0" err="1"/>
+              <a:t>Y.Wang</a:t>
+            </a:r>
+            <a:r>
+              <a:rPr lang="en-US" sz="1500" dirty="0"/>
+              <a:t>, </a:t>
+            </a:r>
+            <a:r>
+              <a:rPr lang="en-US" sz="1500" dirty="0" err="1"/>
+              <a:t>X.Zheng</a:t>
+            </a:r>
+            <a:r>
+              <a:rPr lang="en-US" sz="1500" dirty="0"/>
+              <a:t>, </a:t>
+            </a:r>
+            <a:r>
+              <a:rPr lang="en-US" sz="1500" dirty="0" err="1"/>
+              <a:t>D.Hou</a:t>
+            </a:r>
+            <a:r>
+              <a:rPr lang="en-US" sz="1500" dirty="0"/>
+              <a:t>, and </a:t>
+            </a:r>
+            <a:r>
+              <a:rPr lang="en-US" sz="1500" dirty="0" err="1"/>
+              <a:t>W.Hu</a:t>
+            </a:r>
+            <a:r>
+              <a:rPr lang="en-US" sz="1500" dirty="0"/>
+              <a:t>, “Short Text Sentiment Classification of High Dimensional Hybrid Feature Based on SVM,” Computer Technology and Development, vol.28, no.2, pp.88-93, 2018. </a:t>
+            </a:r>
+          </a:p>
+          <a:p>
+            <a:pPr marL="342900" indent="-342900" algn="just">
+              <a:lnSpc>
+                <a:spcPct val="150000"/>
+              </a:lnSpc>
+              <a:buFont typeface="+mj-lt"/>
+              <a:buAutoNum type="arabicPeriod"/>
+            </a:pPr>
+            <a:r>
+              <a:rPr lang="en-US" sz="1500" dirty="0"/>
+              <a:t>Missing</a:t>
+            </a:r>
+          </a:p>
+          <a:p>
+            <a:pPr marL="342900" indent="-342900" algn="just">
+              <a:lnSpc>
+                <a:spcPct val="150000"/>
+              </a:lnSpc>
+              <a:buFont typeface="+mj-lt"/>
+              <a:buAutoNum type="arabicPeriod"/>
+            </a:pPr>
+            <a:r>
+              <a:rPr lang="en-GB" sz="1500" dirty="0">
+                <a:effectLst/>
+                <a:ea typeface="Calibri" panose="020F0502020204030204" pitchFamily="34" charset="0"/>
+              </a:rPr>
+              <a:t>Q. Lu, Z. Zhu, D. Zhang, W. Wu, and Q. Guo, (2020). ‘Interactive Rule Attention Network for Aspect-Level Sentiment Analysis’, </a:t>
+            </a:r>
+            <a:r>
+              <a:rPr lang="en-GB" sz="1500" i="1" dirty="0">
+                <a:effectLst/>
+                <a:ea typeface="Calibri" panose="020F0502020204030204" pitchFamily="34" charset="0"/>
+              </a:rPr>
+              <a:t>IEEE Access</a:t>
+            </a:r>
+            <a:r>
+              <a:rPr lang="en-GB" sz="1500" dirty="0">
+                <a:effectLst/>
+                <a:ea typeface="Calibri" panose="020F0502020204030204" pitchFamily="34" charset="0"/>
+              </a:rPr>
+              <a:t>, vol. 8, pp. 52505–52516.</a:t>
+            </a:r>
+            <a:endParaRPr lang="en-US" sz="1500" dirty="0"/>
+          </a:p>
+          <a:p>
+            <a:pPr algn="just"/>
+            <a:endParaRPr lang="en-GB" dirty="0"/>
+          </a:p>
+          <a:p>
+            <a:endParaRPr lang="en-US" dirty="0"/>
+          </a:p>
+        </p:txBody>
+      </p:sp>
+    </p:spTree>
+    <p:extLst>
+      <p:ext uri="{BB962C8B-B14F-4D97-AF65-F5344CB8AC3E}">
+        <p14:creationId xmlns:p14="http://schemas.microsoft.com/office/powerpoint/2010/main" val="3579025232"/>
+      </p:ext>
+    </p:extLst>
+  </p:cSld>
+  <p:clrMapOvr>
+    <a:masterClrMapping/>
+  </p:clrMapOvr>
+</p:sld>
+</file>
+
+<file path=ppt/slides/slide35.xml><?xml version="1.0" encoding="utf-8"?>
+<p:sld xmlns:a="http://schemas.openxmlformats.org/drawingml/2006/main" xmlns:r="http://schemas.openxmlformats.org/officeDocument/2006/relationships" xmlns:p="http://schemas.openxmlformats.org/presentationml/2006/main">
+  <p:cSld>
+    <p:spTree>
+      <p:nvGrpSpPr>
+        <p:cNvPr id="1" name=""/>
+        <p:cNvGrpSpPr/>
+        <p:nvPr/>
+      </p:nvGrpSpPr>
+      <p:grpSpPr>
+        <a:xfrm>
+          <a:off x="0" y="0"/>
+          <a:ext cx="0" cy="0"/>
+          <a:chOff x="0" y="0"/>
+          <a:chExt cx="0" cy="0"/>
+        </a:xfrm>
+      </p:grpSpPr>
+      <p:sp>
+        <p:nvSpPr>
+          <p:cNvPr id="2" name="Title 1"/>
+          <p:cNvSpPr>
+            <a:spLocks noGrp="1"/>
+          </p:cNvSpPr>
+          <p:nvPr>
+            <p:ph type="title"/>
+          </p:nvPr>
+        </p:nvSpPr>
+        <p:spPr/>
+        <p:txBody>
           <a:bodyPr/>
           <a:lstStyle/>
           <a:p>
@@ -15742,7 +19788,131 @@
 </p:sld>
 </file>
 
-<file path=ppt/slides/slide35.xml><?xml version="1.0" encoding="utf-8"?>
+<file path=ppt/slides/slide36.xml><?xml version="1.0" encoding="utf-8"?>
+<p:sld xmlns:a="http://schemas.openxmlformats.org/drawingml/2006/main" xmlns:r="http://schemas.openxmlformats.org/officeDocument/2006/relationships" xmlns:p="http://schemas.openxmlformats.org/presentationml/2006/main">
+  <p:cSld>
+    <p:spTree>
+      <p:nvGrpSpPr>
+        <p:cNvPr id="1" name=""/>
+        <p:cNvGrpSpPr/>
+        <p:nvPr/>
+      </p:nvGrpSpPr>
+      <p:grpSpPr>
+        <a:xfrm>
+          <a:off x="0" y="0"/>
+          <a:ext cx="0" cy="0"/>
+          <a:chOff x="0" y="0"/>
+          <a:chExt cx="0" cy="0"/>
+        </a:xfrm>
+      </p:grpSpPr>
+      <p:sp>
+        <p:nvSpPr>
+          <p:cNvPr id="2" name="Title 1">
+            <a:extLst>
+              <a:ext uri="{FF2B5EF4-FFF2-40B4-BE49-F238E27FC236}">
+                <a16:creationId xmlns:a16="http://schemas.microsoft.com/office/drawing/2014/main" id="{4262810D-D401-4B4F-B18E-C2086F9ADA10}"/>
+              </a:ext>
+            </a:extLst>
+          </p:cNvPr>
+          <p:cNvSpPr>
+            <a:spLocks noGrp="1"/>
+          </p:cNvSpPr>
+          <p:nvPr>
+            <p:ph type="title"/>
+          </p:nvPr>
+        </p:nvSpPr>
+        <p:spPr/>
+        <p:txBody>
+          <a:bodyPr/>
+          <a:lstStyle/>
+          <a:p>
+            <a:r>
+              <a:rPr lang="en-US" dirty="0"/>
+              <a:t>References</a:t>
+            </a:r>
+          </a:p>
+        </p:txBody>
+      </p:sp>
+      <p:sp>
+        <p:nvSpPr>
+          <p:cNvPr id="3" name="Content Placeholder 2">
+            <a:extLst>
+              <a:ext uri="{FF2B5EF4-FFF2-40B4-BE49-F238E27FC236}">
+                <a16:creationId xmlns:a16="http://schemas.microsoft.com/office/drawing/2014/main" id="{6CCC78C4-2796-4E58-AD53-15D60D2C9C06}"/>
+              </a:ext>
+            </a:extLst>
+          </p:cNvPr>
+          <p:cNvSpPr>
+            <a:spLocks noGrp="1"/>
+          </p:cNvSpPr>
+          <p:nvPr>
+            <p:ph idx="1"/>
+          </p:nvPr>
+        </p:nvSpPr>
+        <p:spPr/>
+        <p:txBody>
+          <a:bodyPr>
+            <a:normAutofit/>
+          </a:bodyPr>
+          <a:lstStyle/>
+          <a:p>
+            <a:pPr>
+              <a:buFont typeface="+mj-lt"/>
+              <a:buAutoNum type="arabicPeriod" startAt="13"/>
+            </a:pPr>
+            <a:r>
+              <a:rPr lang="en-GB" sz="1600" dirty="0">
+                <a:effectLst/>
+                <a:ea typeface="Calibri" panose="020F0502020204030204" pitchFamily="34" charset="0"/>
+              </a:rPr>
+              <a:t>A. S. </a:t>
+            </a:r>
+            <a:r>
+              <a:rPr lang="en-GB" sz="1600" dirty="0" err="1">
+                <a:effectLst/>
+                <a:ea typeface="Calibri" panose="020F0502020204030204" pitchFamily="34" charset="0"/>
+              </a:rPr>
+              <a:t>Manek</a:t>
+            </a:r>
+            <a:r>
+              <a:rPr lang="en-GB" sz="1600" dirty="0">
+                <a:effectLst/>
+                <a:ea typeface="Calibri" panose="020F0502020204030204" pitchFamily="34" charset="0"/>
+              </a:rPr>
+              <a:t>, P. D. Shenoy, and M. C. M. V. K. </a:t>
+            </a:r>
+            <a:r>
+              <a:rPr lang="en-GB" sz="1600" dirty="0" err="1">
+                <a:effectLst/>
+                <a:ea typeface="Calibri" panose="020F0502020204030204" pitchFamily="34" charset="0"/>
+              </a:rPr>
+              <a:t>R,‘Aspect</a:t>
+            </a:r>
+            <a:r>
+              <a:rPr lang="en-GB" sz="1600" dirty="0">
+                <a:effectLst/>
+                <a:ea typeface="Calibri" panose="020F0502020204030204" pitchFamily="34" charset="0"/>
+              </a:rPr>
+              <a:t> term extraction for sentiment analysis in large movie reviews using Gini Index feature selection method and SVM classifier’, pp. 135–154,2017</a:t>
+            </a:r>
+            <a:endParaRPr lang="en-US" sz="1600" dirty="0"/>
+          </a:p>
+        </p:txBody>
+      </p:sp>
+    </p:spTree>
+    <p:extLst>
+      <p:ext uri="{BB962C8B-B14F-4D97-AF65-F5344CB8AC3E}">
+        <p14:creationId xmlns:p14="http://schemas.microsoft.com/office/powerpoint/2010/main" val="3985735509"/>
+      </p:ext>
+    </p:extLst>
+  </p:cSld>
+  <p:clrMapOvr>
+    <a:masterClrMapping/>
+  </p:clrMapOvr>
+</p:sld>
+</file>
+
+<file path=ppt/slides/slide37.xml><?xml version="1.0" encoding="utf-8"?>
 <p:sld xmlns:a="http://schemas.openxmlformats.org/drawingml/2006/main" xmlns:r="http://schemas.openxmlformats.org/officeDocument/2006/relationships" xmlns:p="http://schemas.openxmlformats.org/presentationml/2006/main">
   <p:cSld>
     <p:spTree>
@@ -16070,22 +20240,37 @@
           </a:xfrm>
         </p:spPr>
         <p:txBody>
-          <a:bodyPr/>
+          <a:bodyPr>
+            <a:normAutofit/>
+          </a:bodyPr>
           <a:lstStyle/>
           <a:p>
-            <a:pPr lvl="1" algn="just">
+            <a:pPr algn="just">
               <a:buFont typeface="Wingdings" panose="05000000000000000000" pitchFamily="2" charset="2"/>
-              <a:buChar char="§"/>
+              <a:buChar char="v"/>
             </a:pPr>
             <a:r>
-              <a:rPr lang="en-US" b="0" i="0" dirty="0">
+              <a:rPr lang="en-US" sz="2400" b="0" i="0" dirty="0">
                 <a:effectLst/>
               </a:rPr>
               <a:t>E-commerce is the buying and selling of goods or services over the internet</a:t>
             </a:r>
           </a:p>
           <a:p>
-            <a:pPr lvl="1" algn="just">
+            <a:pPr algn="just">
+              <a:buFont typeface="Wingdings" panose="05000000000000000000" pitchFamily="2" charset="2"/>
+              <a:buChar char="v"/>
+            </a:pPr>
+            <a:r>
+              <a:rPr lang="en-GB" sz="2400" dirty="0">
+                <a:effectLst/>
+                <a:ea typeface="Calibri" panose="020F0502020204030204" pitchFamily="34" charset="0"/>
+              </a:rPr>
+              <a:t>E-commerce is becoming a new form of trade rapidly because of the following:</a:t>
+            </a:r>
+          </a:p>
+          <a:p>
+            <a:pPr lvl="2" algn="just">
               <a:buFont typeface="Wingdings" panose="05000000000000000000" pitchFamily="2" charset="2"/>
               <a:buChar char="§"/>
             </a:pPr>
@@ -16094,7 +20279,7 @@
                 <a:effectLst/>
                 <a:ea typeface="Calibri" panose="020F0502020204030204" pitchFamily="34" charset="0"/>
               </a:rPr>
-              <a:t>E-commerce is becoming a new form of trade rapidly because of the following:</a:t>
+              <a:t>Shop anything from anywhere and anytime.</a:t>
             </a:r>
           </a:p>
           <a:p>
@@ -16103,20 +20288,7 @@
               <a:buChar char="§"/>
             </a:pPr>
             <a:r>
-              <a:rPr lang="en-GB" sz="2300" dirty="0">
-                <a:effectLst/>
-                <a:ea typeface="Calibri" panose="020F0502020204030204" pitchFamily="34" charset="0"/>
-              </a:rPr>
-              <a:t>Shop anything from anywhere and anytime.</a:t>
-            </a:r>
-          </a:p>
-          <a:p>
-            <a:pPr lvl="2" algn="just">
-              <a:buFont typeface="Wingdings" panose="05000000000000000000" pitchFamily="2" charset="2"/>
-              <a:buChar char="§"/>
-            </a:pPr>
-            <a:r>
-              <a:rPr lang="en-GB" sz="2300" dirty="0">
+              <a:rPr lang="en-GB" dirty="0">
                 <a:ea typeface="Calibri" panose="020F0502020204030204" pitchFamily="34" charset="0"/>
               </a:rPr>
               <a:t>Number of varieties.</a:t>
@@ -16124,16 +20296,6 @@
           </a:p>
           <a:p>
             <a:pPr lvl="2" algn="just">
-              <a:buFont typeface="Wingdings" panose="05000000000000000000" pitchFamily="2" charset="2"/>
-              <a:buChar char="§"/>
-            </a:pPr>
-            <a:endParaRPr lang="en-GB" sz="2300" dirty="0">
-              <a:effectLst/>
-              <a:ea typeface="Calibri" panose="020F0502020204030204" pitchFamily="34" charset="0"/>
-            </a:endParaRPr>
-          </a:p>
-          <a:p>
-            <a:pPr lvl="1" algn="just">
               <a:buFont typeface="Wingdings" panose="05000000000000000000" pitchFamily="2" charset="2"/>
               <a:buChar char="§"/>
             </a:pPr>
@@ -16143,7 +20305,17 @@
             </a:endParaRPr>
           </a:p>
           <a:p>
-            <a:endParaRPr lang="en-US" dirty="0"/>
+            <a:pPr lvl="1" algn="just">
+              <a:buFont typeface="Wingdings" panose="05000000000000000000" pitchFamily="2" charset="2"/>
+              <a:buChar char="§"/>
+            </a:pPr>
+            <a:endParaRPr lang="en-GB" sz="2400" dirty="0">
+              <a:effectLst/>
+              <a:ea typeface="Calibri" panose="020F0502020204030204" pitchFamily="34" charset="0"/>
+            </a:endParaRPr>
+          </a:p>
+          <a:p>
+            <a:endParaRPr lang="en-US" sz="2400" dirty="0"/>
           </a:p>
         </p:txBody>
       </p:sp>
@@ -16264,24 +20436,13 @@
         <p:spPr/>
         <p:txBody>
           <a:bodyPr>
-            <a:normAutofit fontScale="92500"/>
+            <a:normAutofit/>
           </a:bodyPr>
           <a:lstStyle/>
           <a:p>
-            <a:pPr marL="0" indent="0" algn="just">
-              <a:buNone/>
-            </a:pPr>
-            <a:r>
-              <a:rPr lang="en-GB" sz="2800" b="1" dirty="0">
-                <a:cs typeface="Times New Roman" pitchFamily="18" charset="0"/>
-              </a:rPr>
-              <a:t> </a:t>
-            </a:r>
-          </a:p>
-          <a:p>
             <a:pPr algn="just">
               <a:buFont typeface="Wingdings" panose="05000000000000000000" pitchFamily="2" charset="2"/>
-              <a:buChar char="§"/>
+              <a:buChar char="v"/>
             </a:pPr>
             <a:r>
               <a:rPr lang="en-GB" dirty="0">
@@ -16296,7 +20457,20 @@
                 <a:effectLst/>
                 <a:ea typeface="Calibri" panose="020F0502020204030204" pitchFamily="34" charset="0"/>
               </a:rPr>
-              <a:t>etail sale of e-commerce is increased from 1336 billion USD to 4206 USD in the last 6 years, and it is expected to be increased 6388 billion U.S. dollars in next three years [1].</a:t>
+              <a:t>etail sale of e-commerce is increased from 1336 billion USD to 4206 USD in the last 6 years, and it is expected to be increased 6388 billion U</a:t>
+            </a:r>
+            <a:r>
+              <a:rPr lang="en-GB" dirty="0">
+                <a:ea typeface="Calibri" panose="020F0502020204030204" pitchFamily="34" charset="0"/>
+              </a:rPr>
+              <a:t>SD</a:t>
+            </a:r>
+            <a:r>
+              <a:rPr lang="en-GB" dirty="0">
+                <a:effectLst/>
+                <a:ea typeface="Calibri" panose="020F0502020204030204" pitchFamily="34" charset="0"/>
+              </a:rPr>
+              <a:t> in next three years [1].</a:t>
             </a:r>
             <a:endParaRPr lang="en-GB" dirty="0">
               <a:cs typeface="Times New Roman" pitchFamily="18" charset="0"/>
@@ -16305,7 +20479,7 @@
           <a:p>
             <a:pPr algn="just">
               <a:buFont typeface="Wingdings" panose="05000000000000000000" pitchFamily="2" charset="2"/>
-              <a:buChar char="§"/>
+              <a:buChar char="v"/>
             </a:pPr>
             <a:r>
               <a:rPr lang="en-US" dirty="0">
@@ -16389,7 +20563,7 @@
             <p:ph idx="1"/>
             <p:extLst>
               <p:ext uri="{D42A27DB-BD31-4B8C-83A1-F6EECF244321}">
-                <p14:modId xmlns:p14="http://schemas.microsoft.com/office/powerpoint/2010/main" val="771362758"/>
+                <p14:modId xmlns:p14="http://schemas.microsoft.com/office/powerpoint/2010/main" val="3957264964"/>
               </p:ext>
             </p:extLst>
           </p:nvPr>
@@ -16958,11 +21132,11 @@
                         </a:spcAft>
                       </a:pPr>
                       <a:r>
-                        <a:rPr lang="en-US" sz="1400" dirty="0">
+                        <a:rPr lang="en-US" sz="1400">
                           <a:latin typeface="+mn-lt"/>
                           <a:cs typeface="Times New Roman" panose="02020603050405020304" pitchFamily="18" charset="0"/>
                         </a:rPr>
-                        <a:t>SA-Bert</a:t>
+                        <a:t>SA-BERT</a:t>
                       </a:r>
                       <a:endParaRPr lang="en-US" sz="1400" dirty="0">
                         <a:effectLst/>
@@ -18903,45 +23077,41 @@
           </a:bodyPr>
           <a:lstStyle/>
           <a:p>
-            <a:pPr algn="just"/>
+            <a:pPr algn="just">
+              <a:buFont typeface="Wingdings" panose="05000000000000000000" pitchFamily="2" charset="2"/>
+              <a:buChar char="v"/>
+            </a:pPr>
+            <a:r>
+              <a:rPr lang="en-GB" sz="2600" dirty="0">
+                <a:ea typeface="Calibri" panose="020F0502020204030204" pitchFamily="34" charset="0"/>
+              </a:rPr>
+              <a:t>In previous research,</a:t>
+            </a:r>
             <a:r>
               <a:rPr lang="en-GB" sz="2600" dirty="0">
                 <a:effectLst/>
                 <a:ea typeface="Calibri" panose="020F0502020204030204" pitchFamily="34" charset="0"/>
               </a:rPr>
-              <a:t>In research [3], two aspects (battery and android version) were covered and analysed</a:t>
-            </a:r>
+              <a:t> two aspects (battery and android version) of mobile have been covered [3] and maximum accuracy of 94% was achieved with the help of SVM and Gini Index.</a:t>
+            </a:r>
+          </a:p>
+          <a:p>
+            <a:pPr algn="just">
+              <a:buFont typeface="Wingdings" panose="05000000000000000000" pitchFamily="2" charset="2"/>
+              <a:buChar char="v"/>
+            </a:pPr>
             <a:r>
               <a:rPr lang="en-GB" sz="2600" dirty="0">
                 <a:ea typeface="Calibri" panose="020F0502020204030204" pitchFamily="34" charset="0"/>
               </a:rPr>
-              <a:t>.</a:t>
-            </a:r>
-          </a:p>
-          <a:p>
-            <a:pPr algn="just"/>
+              <a:t>It is required to study further aspects of mobile and to improve t</a:t>
+            </a:r>
             <a:r>
               <a:rPr lang="en-GB" sz="2600" dirty="0">
                 <a:effectLst/>
                 <a:ea typeface="Calibri" panose="020F0502020204030204" pitchFamily="34" charset="0"/>
               </a:rPr>
-              <a:t>In research [12], maximum accuracy of 94% was achieved with the help of SVM and Gini Index.</a:t>
-            </a:r>
-          </a:p>
-          <a:p>
-            <a:pPr algn="just"/>
-            <a:r>
-              <a:rPr lang="en-GB" sz="2600" dirty="0">
-                <a:ea typeface="Calibri" panose="020F0502020204030204" pitchFamily="34" charset="0"/>
-              </a:rPr>
-              <a:t>It was required to study further aspects of mobile and t</a:t>
-            </a:r>
-            <a:r>
-              <a:rPr lang="en-GB" sz="2600" dirty="0">
-                <a:effectLst/>
-                <a:ea typeface="Calibri" panose="020F0502020204030204" pitchFamily="34" charset="0"/>
-              </a:rPr>
-              <a:t>he accuracy of the model is much important to analyses the reviews and predict the result accurately. So, it is required to increase the accuracy of the system.</a:t>
+              <a:t>he accuracy of the model for the prediction of the result accurately. </a:t>
             </a:r>
             <a:endParaRPr lang="en-US" sz="2600" dirty="0"/>
           </a:p>
